--- a/documentation/presentazione_progetto_ICON.pptx
+++ b/documentation/presentazione_progetto_ICON.pptx
@@ -9030,13 +9030,13 @@
   <p:clrMapOvr>
     <a:masterClrMapping/>
   </p:clrMapOvr>
-  <mc:AlternateContent xmlns:mc="http://schemas.openxmlformats.org/markup-compatibility/2006">
-    <mc:Choice xmlns:p14="http://schemas.microsoft.com/office/powerpoint/2010/main" Requires="p14">
+  <mc:AlternateContent xmlns:mc="http://schemas.openxmlformats.org/markup-compatibility/2006" xmlns:p14="http://schemas.microsoft.com/office/powerpoint/2010/main">
+    <mc:Choice Requires="p14">
       <p:transition spd="slow">
         <p14:flash/>
       </p:transition>
     </mc:Choice>
-    <mc:Fallback>
+    <mc:Fallback xmlns="">
       <p:transition spd="slow">
         <p:fade/>
       </p:transition>
@@ -9444,6 +9444,48 @@
           </a:p>
         </p:txBody>
       </p:sp>
+      <p:sp>
+        <p:nvSpPr>
+          <p:cNvPr id="4" name="TextBox 3">
+            <a:extLst>
+              <a:ext uri="{FF2B5EF4-FFF2-40B4-BE49-F238E27FC236}">
+                <a16:creationId xmlns:a16="http://schemas.microsoft.com/office/drawing/2014/main" id="{791839A5-06F2-3B4A-AC06-FDCA56899F5D}"/>
+              </a:ext>
+            </a:extLst>
+          </p:cNvPr>
+          <p:cNvSpPr txBox="1"/>
+          <p:nvPr/>
+        </p:nvSpPr>
+        <p:spPr>
+          <a:xfrm>
+            <a:off x="8304245" y="4665306"/>
+            <a:ext cx="3350732" cy="954107"/>
+          </a:xfrm>
+          <a:prstGeom prst="rect">
+            <a:avLst/>
+          </a:prstGeom>
+          <a:noFill/>
+        </p:spPr>
+        <p:txBody>
+          <a:bodyPr wrap="square" rtlCol="0">
+            <a:spAutoFit/>
+          </a:bodyPr>
+          <a:lstStyle/>
+          <a:p>
+            <a:pPr algn="just"/>
+            <a:r>
+              <a:rPr lang="it-IT" sz="1400" dirty="0">
+                <a:solidFill>
+                  <a:srgbClr val="D3AB03"/>
+                </a:solidFill>
+                <a:latin typeface="Cascadia Code" panose="020B0609020000020004" pitchFamily="49" charset="0"/>
+                <a:cs typeface="Cascadia Code" panose="020B0609020000020004" pitchFamily="49" charset="0"/>
+              </a:rPr>
+              <a:t>Il RUS lavora andando a rimuovere casualmente esempi appartenenti alla classe maggioritaria.</a:t>
+            </a:r>
+          </a:p>
+        </p:txBody>
+      </p:sp>
     </p:spTree>
     <p:extLst>
       <p:ext uri="{BB962C8B-B14F-4D97-AF65-F5344CB8AC3E}">
@@ -9454,13 +9496,13 @@
   <p:clrMapOvr>
     <a:masterClrMapping/>
   </p:clrMapOvr>
-  <mc:AlternateContent xmlns:mc="http://schemas.openxmlformats.org/markup-compatibility/2006">
-    <mc:Choice xmlns:p15="http://schemas.microsoft.com/office/powerpoint/2012/main" Requires="p15">
+  <mc:AlternateContent xmlns:mc="http://schemas.openxmlformats.org/markup-compatibility/2006" xmlns:p15="http://schemas.microsoft.com/office/powerpoint/2012/main">
+    <mc:Choice Requires="p15">
       <p:transition xmlns:p14="http://schemas.microsoft.com/office/powerpoint/2010/main" spd="slow" p14:dur="2000">
         <p15:prstTrans prst="fallOver"/>
       </p:transition>
     </mc:Choice>
-    <mc:Fallback>
+    <mc:Fallback xmlns="">
       <p:transition spd="slow">
         <p:fade/>
       </p:transition>
@@ -9934,7 +9976,7 @@
                 <a:latin typeface="Cascadia Code" panose="020B0609020000020004" pitchFamily="49" charset="0"/>
                 <a:cs typeface="Cascadia Code" panose="020B0609020000020004" pitchFamily="49" charset="0"/>
               </a:rPr>
-              <a:t>Durante l’addestramento e dai grafici ci evince come il gaussian naive bayes abbia avuto meno difficolta di apprendimento rispetto alla regressione logistica. </a:t>
+              <a:t>Durante l’addestramento e dai grafici si evince come il gaussian naive bayes abbia avuto meno difficolta di apprendimento rispetto alla regressione logistica. </a:t>
             </a:r>
           </a:p>
         </p:txBody>
@@ -9949,13 +9991,13 @@
   <p:clrMapOvr>
     <a:masterClrMapping/>
   </p:clrMapOvr>
-  <mc:AlternateContent xmlns:mc="http://schemas.openxmlformats.org/markup-compatibility/2006">
-    <mc:Choice xmlns:p14="http://schemas.microsoft.com/office/powerpoint/2010/main" Requires="p14">
+  <mc:AlternateContent xmlns:mc="http://schemas.openxmlformats.org/markup-compatibility/2006" xmlns:p14="http://schemas.microsoft.com/office/powerpoint/2010/main">
+    <mc:Choice Requires="p14">
       <p:transition spd="slow" p14:dur="2500">
         <p:checker/>
       </p:transition>
     </mc:Choice>
-    <mc:Fallback>
+    <mc:Fallback xmlns="">
       <p:transition spd="slow">
         <p:checker/>
       </p:transition>
@@ -10405,13 +10447,13 @@
   <p:clrMapOvr>
     <a:masterClrMapping/>
   </p:clrMapOvr>
-  <mc:AlternateContent xmlns:mc="http://schemas.openxmlformats.org/markup-compatibility/2006">
-    <mc:Choice xmlns:p14="http://schemas.microsoft.com/office/powerpoint/2010/main" Requires="p14">
+  <mc:AlternateContent xmlns:mc="http://schemas.openxmlformats.org/markup-compatibility/2006" xmlns:p14="http://schemas.microsoft.com/office/powerpoint/2010/main">
+    <mc:Choice Requires="p14">
       <p:transition spd="slow" p14:dur="2500">
         <p:checker/>
       </p:transition>
     </mc:Choice>
-    <mc:Fallback>
+    <mc:Fallback xmlns="">
       <p:transition spd="slow">
         <p:checker/>
       </p:transition>
@@ -10816,8 +10858,8 @@
         </p:nvSpPr>
         <p:spPr>
           <a:xfrm>
-            <a:off x="6518282" y="1837414"/>
-            <a:ext cx="5359393" cy="584775"/>
+            <a:off x="6456254" y="1950069"/>
+            <a:ext cx="5570806" cy="584775"/>
           </a:xfrm>
           <a:prstGeom prst="rect">
             <a:avLst/>
@@ -10835,7 +10877,7 @@
                 <a:latin typeface="Cascadia Code" panose="020B0609020000020004" pitchFamily="49" charset="0"/>
                 <a:cs typeface="Cascadia Code" panose="020B0609020000020004" pitchFamily="49" charset="0"/>
               </a:rPr>
-              <a:t>I modelli a confronto regressione logistica e gaussian naive bayes</a:t>
+              <a:t>I modelli a confronto: regressione logistica e gaussian naive bayes</a:t>
             </a:r>
           </a:p>
         </p:txBody>
@@ -10877,7 +10919,7 @@
                 <a:latin typeface="Cascadia Code" panose="020B0609020000020004" pitchFamily="49" charset="0"/>
                 <a:cs typeface="Cascadia Code" panose="020B0609020000020004" pitchFamily="49" charset="0"/>
               </a:rPr>
-              <a:t>Questa tecnica va a generare degli esempi sintetici. Questa è la principale differenza tra under sampling e over sampling mentre il primo perde informazione rimuovendo esempi l’altro introduce informazione poco valida con esempi fittizi.</a:t>
+              <a:t>Questa tecnica va a generare degli esempi sintetici. Questa è la principale differenza tra under sampling e over sampling mentre il primo perde informazione rimuovendo esempi, l’altro introduce informazione poco valida con esempi fittizi.</a:t>
             </a:r>
           </a:p>
         </p:txBody>
@@ -10892,13 +10934,13 @@
   <p:clrMapOvr>
     <a:masterClrMapping/>
   </p:clrMapOvr>
-  <mc:AlternateContent xmlns:mc="http://schemas.openxmlformats.org/markup-compatibility/2006">
-    <mc:Choice xmlns:p15="http://schemas.microsoft.com/office/powerpoint/2012/main" Requires="p15">
+  <mc:AlternateContent xmlns:mc="http://schemas.openxmlformats.org/markup-compatibility/2006" xmlns:p15="http://schemas.microsoft.com/office/powerpoint/2012/main">
+    <mc:Choice Requires="p15">
       <p:transition xmlns:p14="http://schemas.microsoft.com/office/powerpoint/2010/main" spd="slow" p14:dur="2000">
         <p15:prstTrans prst="fallOver"/>
       </p:transition>
     </mc:Choice>
-    <mc:Fallback>
+    <mc:Fallback xmlns="">
       <p:transition spd="slow">
         <p:fade/>
       </p:transition>
@@ -11372,7 +11414,7 @@
                 <a:latin typeface="Cascadia Code" panose="020B0609020000020004" pitchFamily="49" charset="0"/>
                 <a:cs typeface="Cascadia Code" panose="020B0609020000020004" pitchFamily="49" charset="0"/>
               </a:rPr>
-              <a:t>Dai grafici del recall durante il processo di apprendimento si nota come nel tempo dopo aver osservati un buon numero di esempi le percentuali tendano a stabilizzarsi.</a:t>
+              <a:t>Dai grafici del recall durante il processo di apprendimento si nota come nel tempo dopo aver osservato un buon numero di esempi le percentuali tendano a stabilizzarsi.</a:t>
             </a:r>
           </a:p>
         </p:txBody>
@@ -11387,13 +11429,13 @@
   <p:clrMapOvr>
     <a:masterClrMapping/>
   </p:clrMapOvr>
-  <mc:AlternateContent xmlns:mc="http://schemas.openxmlformats.org/markup-compatibility/2006">
-    <mc:Choice xmlns:p14="http://schemas.microsoft.com/office/powerpoint/2010/main" Requires="p14">
+  <mc:AlternateContent xmlns:mc="http://schemas.openxmlformats.org/markup-compatibility/2006" xmlns:p14="http://schemas.microsoft.com/office/powerpoint/2010/main">
+    <mc:Choice Requires="p14">
       <p:transition spd="slow" p14:dur="2500">
         <p:checker/>
       </p:transition>
     </mc:Choice>
-    <mc:Fallback>
+    <mc:Fallback xmlns="">
       <p:transition spd="slow">
         <p:checker/>
       </p:transition>
@@ -11842,13 +11884,13 @@
   <p:clrMapOvr>
     <a:masterClrMapping/>
   </p:clrMapOvr>
-  <mc:AlternateContent xmlns:mc="http://schemas.openxmlformats.org/markup-compatibility/2006">
-    <mc:Choice xmlns:p14="http://schemas.microsoft.com/office/powerpoint/2010/main" Requires="p14">
+  <mc:AlternateContent xmlns:mc="http://schemas.openxmlformats.org/markup-compatibility/2006" xmlns:p14="http://schemas.microsoft.com/office/powerpoint/2010/main">
+    <mc:Choice Requires="p14">
       <p:transition spd="slow" p14:dur="2500">
         <p:checker/>
       </p:transition>
     </mc:Choice>
-    <mc:Fallback>
+    <mc:Fallback xmlns="">
       <p:transition spd="slow">
         <p:checker/>
       </p:transition>
@@ -12271,7 +12313,7 @@
                 <a:latin typeface="Cascadia Code" panose="020B0609020000020004" pitchFamily="49" charset="0"/>
                 <a:cs typeface="Cascadia Code" panose="020B0609020000020004" pitchFamily="49" charset="0"/>
               </a:rPr>
-              <a:t>SMOTE: tecnica di oversampling per la generazione sintetica di esempi della classe minoritaria</a:t>
+              <a:t>SMOTE: tecnica di oversampling per la generazione sintetica di esempi della classe minoritaria.</a:t>
             </a:r>
           </a:p>
           <a:p>
@@ -12291,7 +12333,7 @@
                 <a:latin typeface="Cascadia Code" panose="020B0609020000020004" pitchFamily="49" charset="0"/>
                 <a:cs typeface="Cascadia Code" panose="020B0609020000020004" pitchFamily="49" charset="0"/>
               </a:rPr>
-              <a:t>ENN: tecnica di undersampling la quale elimina esempi della classe maggioritaria rispetto alla densità della loro distribuzione </a:t>
+              <a:t>ENN: tecnica di undersampling la quale elimina esempi della classe maggioritaria rispetto alla densità della loro distribuzione. </a:t>
             </a:r>
           </a:p>
         </p:txBody>
@@ -12326,10 +12368,13 @@
           <a:p>
             <a:r>
               <a:rPr lang="it-IT" sz="1400" dirty="0">
+                <a:solidFill>
+                  <a:srgbClr val="D3AB03"/>
+                </a:solidFill>
                 <a:latin typeface="Cascadia Code" panose="020B0609020000020004" pitchFamily="49" charset="0"/>
                 <a:cs typeface="Cascadia Code" panose="020B0609020000020004" pitchFamily="49" charset="0"/>
               </a:rPr>
-              <a:t>ENN è capace di rimuover outliers!!!</a:t>
+              <a:t>ENN è capace di rimuovere outliers!!!</a:t>
             </a:r>
           </a:p>
         </p:txBody>
@@ -12344,13 +12389,13 @@
   <p:clrMapOvr>
     <a:masterClrMapping/>
   </p:clrMapOvr>
-  <mc:AlternateContent xmlns:mc="http://schemas.openxmlformats.org/markup-compatibility/2006">
-    <mc:Choice xmlns:p15="http://schemas.microsoft.com/office/powerpoint/2012/main" Requires="p15">
+  <mc:AlternateContent xmlns:mc="http://schemas.openxmlformats.org/markup-compatibility/2006" xmlns:p15="http://schemas.microsoft.com/office/powerpoint/2012/main">
+    <mc:Choice Requires="p15">
       <p:transition xmlns:p14="http://schemas.microsoft.com/office/powerpoint/2010/main" spd="slow" p14:dur="2000">
         <p15:prstTrans prst="fallOver"/>
       </p:transition>
     </mc:Choice>
-    <mc:Fallback>
+    <mc:Fallback xmlns="">
       <p:transition spd="slow">
         <p:fade/>
       </p:transition>
@@ -12839,13 +12884,13 @@
   <p:clrMapOvr>
     <a:masterClrMapping/>
   </p:clrMapOvr>
-  <mc:AlternateContent xmlns:mc="http://schemas.openxmlformats.org/markup-compatibility/2006">
-    <mc:Choice xmlns:p14="http://schemas.microsoft.com/office/powerpoint/2010/main" Requires="p14">
+  <mc:AlternateContent xmlns:mc="http://schemas.openxmlformats.org/markup-compatibility/2006" xmlns:p14="http://schemas.microsoft.com/office/powerpoint/2010/main">
+    <mc:Choice Requires="p14">
       <p:transition spd="slow" p14:dur="2500">
         <p:checker/>
       </p:transition>
     </mc:Choice>
-    <mc:Fallback>
+    <mc:Fallback xmlns="">
       <p:transition spd="slow">
         <p:checker/>
       </p:transition>
@@ -13280,7 +13325,7 @@
                 <a:latin typeface="Cascadia Code" panose="020B0609020000020004" pitchFamily="49" charset="0"/>
                 <a:cs typeface="Cascadia Code" panose="020B0609020000020004" pitchFamily="49" charset="0"/>
               </a:rPr>
-              <a:t>Contesa dura e non facile per noi dato il task meglio il gaussian naive bayes l’azienda potrà avere più certezze di non rimanere a corto di staff</a:t>
+              <a:t>Contesa dura e non facile per noi dato il task meglio il gaussian naive bayes l’azienda potrà avere più certezze di non rimanere a corto di staff.</a:t>
             </a:r>
           </a:p>
         </p:txBody>
@@ -13295,13 +13340,13 @@
   <p:clrMapOvr>
     <a:masterClrMapping/>
   </p:clrMapOvr>
-  <mc:AlternateContent xmlns:mc="http://schemas.openxmlformats.org/markup-compatibility/2006">
-    <mc:Choice xmlns:p14="http://schemas.microsoft.com/office/powerpoint/2010/main" Requires="p14">
+  <mc:AlternateContent xmlns:mc="http://schemas.openxmlformats.org/markup-compatibility/2006" xmlns:p14="http://schemas.microsoft.com/office/powerpoint/2010/main">
+    <mc:Choice Requires="p14">
       <p:transition spd="slow" p14:dur="2500">
         <p:checker/>
       </p:transition>
     </mc:Choice>
-    <mc:Fallback>
+    <mc:Fallback xmlns="">
       <p:transition spd="slow">
         <p:checker/>
       </p:transition>
@@ -13624,8 +13669,8 @@
         </p:nvSpPr>
         <p:spPr>
           <a:xfrm>
-            <a:off x="6641652" y="2110355"/>
-            <a:ext cx="5274460" cy="4247317"/>
+            <a:off x="6405114" y="1851094"/>
+            <a:ext cx="5013325" cy="4801314"/>
           </a:xfrm>
           <a:prstGeom prst="rect">
             <a:avLst/>
@@ -13643,7 +13688,7 @@
                 <a:latin typeface="Cascadia Code" panose="020B0609020000020004" pitchFamily="49" charset="0"/>
                 <a:cs typeface="Cascadia Code" panose="020B0609020000020004" pitchFamily="49" charset="0"/>
               </a:rPr>
-              <a:t>3 Modelli messi a confronto ogniuno per una tecnica dell’ensemble learning</a:t>
+              <a:t>3 Modelli messi a confronto ogniuno per una tecnica dell’ensemble learning:</a:t>
             </a:r>
           </a:p>
           <a:p>
@@ -13817,13 +13862,13 @@
   <p:clrMapOvr>
     <a:masterClrMapping/>
   </p:clrMapOvr>
-  <mc:AlternateContent xmlns:mc="http://schemas.openxmlformats.org/markup-compatibility/2006">
-    <mc:Choice xmlns:p15="http://schemas.microsoft.com/office/powerpoint/2012/main" Requires="p15">
+  <mc:AlternateContent xmlns:mc="http://schemas.openxmlformats.org/markup-compatibility/2006" xmlns:p15="http://schemas.microsoft.com/office/powerpoint/2012/main">
+    <mc:Choice Requires="p15">
       <p:transition xmlns:p14="http://schemas.microsoft.com/office/powerpoint/2010/main" spd="slow" p14:dur="2000">
         <p15:prstTrans prst="fallOver"/>
       </p:transition>
     </mc:Choice>
-    <mc:Fallback>
+    <mc:Fallback xmlns="">
       <p:transition spd="slow">
         <p:fade/>
       </p:transition>
@@ -14472,13 +14517,13 @@
   <p:clrMapOvr>
     <a:masterClrMapping/>
   </p:clrMapOvr>
-  <mc:AlternateContent xmlns:mc="http://schemas.openxmlformats.org/markup-compatibility/2006">
-    <mc:Choice xmlns:p15="http://schemas.microsoft.com/office/powerpoint/2012/main" Requires="p15">
+  <mc:AlternateContent xmlns:mc="http://schemas.openxmlformats.org/markup-compatibility/2006" xmlns:p15="http://schemas.microsoft.com/office/powerpoint/2012/main">
+    <mc:Choice Requires="p15">
       <p:transition xmlns:p14="http://schemas.microsoft.com/office/powerpoint/2010/main" spd="slow" p14:dur="2000">
         <p15:prstTrans prst="fallOver"/>
       </p:transition>
     </mc:Choice>
-    <mc:Fallback>
+    <mc:Fallback xmlns="">
       <p:transition spd="slow">
         <p:fade/>
       </p:transition>
@@ -14534,7 +14579,7 @@
         </p:blipFill>
         <p:spPr>
           <a:xfrm>
-            <a:off x="0" y="-1"/>
+            <a:off x="0" y="12164"/>
             <a:ext cx="6257024" cy="6857990"/>
           </a:xfrm>
           <a:prstGeom prst="rect">
@@ -14873,6 +14918,50 @@
           </a:prstGeom>
         </p:spPr>
       </p:pic>
+      <p:sp>
+        <p:nvSpPr>
+          <p:cNvPr id="4" name="TextBox 3">
+            <a:extLst>
+              <a:ext uri="{FF2B5EF4-FFF2-40B4-BE49-F238E27FC236}">
+                <a16:creationId xmlns:a16="http://schemas.microsoft.com/office/drawing/2014/main" id="{4A65C8E5-EC3F-F5FE-42AF-57F303617A4F}"/>
+              </a:ext>
+            </a:extLst>
+          </p:cNvPr>
+          <p:cNvSpPr txBox="1"/>
+          <p:nvPr/>
+        </p:nvSpPr>
+        <p:spPr>
+          <a:xfrm>
+            <a:off x="1043119" y="2183363"/>
+            <a:ext cx="4170784" cy="646331"/>
+          </a:xfrm>
+          <a:prstGeom prst="rect">
+            <a:avLst/>
+          </a:prstGeom>
+          <a:noFill/>
+        </p:spPr>
+        <p:txBody>
+          <a:bodyPr wrap="square" rtlCol="0">
+            <a:spAutoFit/>
+          </a:bodyPr>
+          <a:lstStyle/>
+          <a:p>
+            <a:r>
+              <a:rPr lang="it-IT" dirty="0">
+                <a:solidFill>
+                  <a:schemeClr val="bg1">
+                    <a:lumMod val="85000"/>
+                    <a:lumOff val="15000"/>
+                  </a:schemeClr>
+                </a:solidFill>
+                <a:latin typeface="Cascadia Code" panose="020B0609020000020004" pitchFamily="49" charset="0"/>
+                <a:cs typeface="Cascadia Code" panose="020B0609020000020004" pitchFamily="49" charset="0"/>
+              </a:rPr>
+              <a:t>Random Forest si dichiara il miglior modello di ensemble.</a:t>
+            </a:r>
+          </a:p>
+        </p:txBody>
+      </p:sp>
     </p:spTree>
     <p:extLst>
       <p:ext uri="{BB962C8B-B14F-4D97-AF65-F5344CB8AC3E}">
@@ -14883,13 +14972,13 @@
   <p:clrMapOvr>
     <a:masterClrMapping/>
   </p:clrMapOvr>
-  <mc:AlternateContent xmlns:mc="http://schemas.openxmlformats.org/markup-compatibility/2006">
-    <mc:Choice xmlns:p14="http://schemas.microsoft.com/office/powerpoint/2010/main" Requires="p14">
+  <mc:AlternateContent xmlns:mc="http://schemas.openxmlformats.org/markup-compatibility/2006" xmlns:p14="http://schemas.microsoft.com/office/powerpoint/2010/main">
+    <mc:Choice Requires="p14">
       <p:transition spd="slow" p14:dur="2500">
         <p:checker/>
       </p:transition>
     </mc:Choice>
-    <mc:Fallback>
+    <mc:Fallback xmlns="">
       <p:transition spd="slow">
         <p:checker/>
       </p:transition>
@@ -15165,7 +15254,7 @@
         </p:blipFill>
         <p:spPr>
           <a:xfrm>
-            <a:off x="3369962" y="5889632"/>
+            <a:off x="3332979" y="5922459"/>
             <a:ext cx="2217040" cy="365124"/>
           </a:xfrm>
           <a:prstGeom prst="rect">
@@ -15390,13 +15479,13 @@
   <p:clrMapOvr>
     <a:masterClrMapping/>
   </p:clrMapOvr>
-  <mc:AlternateContent xmlns:mc="http://schemas.openxmlformats.org/markup-compatibility/2006">
-    <mc:Choice xmlns:p15="http://schemas.microsoft.com/office/powerpoint/2012/main" Requires="p15">
+  <mc:AlternateContent xmlns:mc="http://schemas.openxmlformats.org/markup-compatibility/2006" xmlns:p15="http://schemas.microsoft.com/office/powerpoint/2012/main">
+    <mc:Choice Requires="p15">
       <p:transition xmlns:p14="http://schemas.microsoft.com/office/powerpoint/2010/main" spd="slow" p14:dur="2000">
         <p15:prstTrans prst="drape"/>
       </p:transition>
     </mc:Choice>
-    <mc:Fallback>
+    <mc:Fallback xmlns="">
       <p:transition spd="slow">
         <p:fade/>
       </p:transition>
@@ -15856,13 +15945,13 @@
   <p:clrMapOvr>
     <a:masterClrMapping/>
   </p:clrMapOvr>
-  <mc:AlternateContent xmlns:mc="http://schemas.openxmlformats.org/markup-compatibility/2006">
-    <mc:Choice xmlns:p14="http://schemas.microsoft.com/office/powerpoint/2010/main" Requires="p14">
+  <mc:AlternateContent xmlns:mc="http://schemas.openxmlformats.org/markup-compatibility/2006" xmlns:p14="http://schemas.microsoft.com/office/powerpoint/2010/main">
+    <mc:Choice Requires="p14">
       <p:transition spd="slow" p14:dur="2500">
         <p:checker/>
       </p:transition>
     </mc:Choice>
-    <mc:Fallback>
+    <mc:Fallback xmlns="">
       <p:transition spd="slow">
         <p:checker/>
       </p:transition>
@@ -16358,13 +16447,13 @@
   <p:clrMapOvr>
     <a:masterClrMapping/>
   </p:clrMapOvr>
-  <mc:AlternateContent xmlns:mc="http://schemas.openxmlformats.org/markup-compatibility/2006">
-    <mc:Choice xmlns:p14="http://schemas.microsoft.com/office/powerpoint/2010/main" Requires="p14">
+  <mc:AlternateContent xmlns:mc="http://schemas.openxmlformats.org/markup-compatibility/2006" xmlns:p14="http://schemas.microsoft.com/office/powerpoint/2010/main">
+    <mc:Choice Requires="p14">
       <p:transition spd="slow" p14:dur="2500">
         <p:checker/>
       </p:transition>
     </mc:Choice>
-    <mc:Fallback>
+    <mc:Fallback xmlns="">
       <p:transition spd="slow">
         <p:checker/>
       </p:transition>
@@ -16859,13 +16948,13 @@
   <p:clrMapOvr>
     <a:masterClrMapping/>
   </p:clrMapOvr>
-  <mc:AlternateContent xmlns:mc="http://schemas.openxmlformats.org/markup-compatibility/2006">
-    <mc:Choice xmlns:p14="http://schemas.microsoft.com/office/powerpoint/2010/main" Requires="p14">
+  <mc:AlternateContent xmlns:mc="http://schemas.openxmlformats.org/markup-compatibility/2006" xmlns:p14="http://schemas.microsoft.com/office/powerpoint/2010/main">
+    <mc:Choice Requires="p14">
       <p:transition spd="slow" p14:dur="2500">
         <p:checker/>
       </p:transition>
     </mc:Choice>
-    <mc:Fallback>
+    <mc:Fallback xmlns="">
       <p:transition spd="slow">
         <p:checker/>
       </p:transition>
@@ -17227,13 +17316,13 @@
   <p:clrMapOvr>
     <a:masterClrMapping/>
   </p:clrMapOvr>
-  <mc:AlternateContent xmlns:mc="http://schemas.openxmlformats.org/markup-compatibility/2006">
-    <mc:Choice xmlns:p14="http://schemas.microsoft.com/office/powerpoint/2010/main" Requires="p14">
+  <mc:AlternateContent xmlns:mc="http://schemas.openxmlformats.org/markup-compatibility/2006" xmlns:p14="http://schemas.microsoft.com/office/powerpoint/2010/main">
+    <mc:Choice Requires="p14">
       <p:transition spd="slow" p14:dur="2500">
         <p:checker/>
       </p:transition>
     </mc:Choice>
-    <mc:Fallback>
+    <mc:Fallback xmlns="">
       <p:transition spd="slow">
         <p:checker/>
       </p:transition>
@@ -17499,13 +17588,13 @@
   <p:clrMapOvr>
     <a:masterClrMapping/>
   </p:clrMapOvr>
-  <mc:AlternateContent xmlns:mc="http://schemas.openxmlformats.org/markup-compatibility/2006">
-    <mc:Choice xmlns:p14="http://schemas.microsoft.com/office/powerpoint/2010/main" Requires="p14">
+  <mc:AlternateContent xmlns:mc="http://schemas.openxmlformats.org/markup-compatibility/2006" xmlns:p14="http://schemas.microsoft.com/office/powerpoint/2010/main">
+    <mc:Choice Requires="p14">
       <p:transition spd="slow" p14:dur="2500">
         <p:checker/>
       </p:transition>
     </mc:Choice>
-    <mc:Fallback>
+    <mc:Fallback xmlns="">
       <p:transition spd="slow">
         <p:checker/>
       </p:transition>
@@ -17892,8 +17981,8 @@
         </p:blipFill>
         <p:spPr>
           <a:xfrm>
-            <a:off x="6965709" y="1768158"/>
-            <a:ext cx="4689268" cy="1895474"/>
+            <a:off x="6965709" y="1739402"/>
+            <a:ext cx="4689268" cy="1924230"/>
           </a:xfrm>
           <a:prstGeom prst="rect">
             <a:avLst/>
@@ -17991,13 +18080,13 @@
   <p:clrMapOvr>
     <a:masterClrMapping/>
   </p:clrMapOvr>
-  <mc:AlternateContent xmlns:mc="http://schemas.openxmlformats.org/markup-compatibility/2006">
-    <mc:Choice xmlns:p14="http://schemas.microsoft.com/office/powerpoint/2010/main" Requires="p14">
+  <mc:AlternateContent xmlns:mc="http://schemas.openxmlformats.org/markup-compatibility/2006" xmlns:p14="http://schemas.microsoft.com/office/powerpoint/2010/main">
+    <mc:Choice Requires="p14">
       <p:transition spd="slow" p14:dur="2500">
         <p:checker/>
       </p:transition>
     </mc:Choice>
-    <mc:Fallback>
+    <mc:Fallback xmlns="">
       <p:transition spd="slow">
         <p:checker/>
       </p:transition>
@@ -18504,7 +18593,7 @@
                 <a:latin typeface="Cascadia Code" panose="020B0609020000020004" pitchFamily="49" charset="0"/>
                 <a:cs typeface="Cascadia Code" panose="020B0609020000020004" pitchFamily="49" charset="0"/>
               </a:rPr>
-              <a:t>Nel complesso le performance migliorano i particolare si nota una miglioramento del recall sulla classe di nostro interesse</a:t>
+              <a:t>Nel complesso le performance migliorano in particolare si nota una miglioramento del recall sulla classe di nostro interesse</a:t>
             </a:r>
           </a:p>
         </p:txBody>
@@ -18558,13 +18647,13 @@
   <p:clrMapOvr>
     <a:masterClrMapping/>
   </p:clrMapOvr>
-  <mc:AlternateContent xmlns:mc="http://schemas.openxmlformats.org/markup-compatibility/2006">
-    <mc:Choice xmlns:p14="http://schemas.microsoft.com/office/powerpoint/2010/main" Requires="p14">
+  <mc:AlternateContent xmlns:mc="http://schemas.openxmlformats.org/markup-compatibility/2006" xmlns:p14="http://schemas.microsoft.com/office/powerpoint/2010/main">
+    <mc:Choice Requires="p14">
       <p:transition spd="slow" p14:dur="2500">
         <p:checker/>
       </p:transition>
     </mc:Choice>
-    <mc:Fallback>
+    <mc:Fallback xmlns="">
       <p:transition spd="slow">
         <p:checker/>
       </p:transition>

--- a/documentation/presentazione_progetto_ICON.pptx
+++ b/documentation/presentazione_progetto_ICON.pptx
@@ -17,20 +17,20 @@
     <p:sldId id="288" r:id="rId8"/>
     <p:sldId id="283" r:id="rId9"/>
     <p:sldId id="300" r:id="rId10"/>
-    <p:sldId id="299" r:id="rId11"/>
-    <p:sldId id="287" r:id="rId12"/>
-    <p:sldId id="286" r:id="rId13"/>
-    <p:sldId id="285" r:id="rId14"/>
-    <p:sldId id="282" r:id="rId15"/>
-    <p:sldId id="284" r:id="rId16"/>
-    <p:sldId id="289" r:id="rId17"/>
-    <p:sldId id="290" r:id="rId18"/>
-    <p:sldId id="291" r:id="rId19"/>
-    <p:sldId id="295" r:id="rId20"/>
-    <p:sldId id="297" r:id="rId21"/>
-    <p:sldId id="294" r:id="rId22"/>
-    <p:sldId id="293" r:id="rId23"/>
-    <p:sldId id="292" r:id="rId24"/>
+    <p:sldId id="287" r:id="rId11"/>
+    <p:sldId id="286" r:id="rId12"/>
+    <p:sldId id="285" r:id="rId13"/>
+    <p:sldId id="282" r:id="rId14"/>
+    <p:sldId id="284" r:id="rId15"/>
+    <p:sldId id="289" r:id="rId16"/>
+    <p:sldId id="290" r:id="rId17"/>
+    <p:sldId id="291" r:id="rId18"/>
+    <p:sldId id="295" r:id="rId19"/>
+    <p:sldId id="297" r:id="rId20"/>
+    <p:sldId id="294" r:id="rId21"/>
+    <p:sldId id="293" r:id="rId22"/>
+    <p:sldId id="292" r:id="rId23"/>
+    <p:sldId id="299" r:id="rId24"/>
     <p:sldId id="296" r:id="rId25"/>
   </p:sldIdLst>
   <p:sldSz cx="12192000" cy="6858000"/>
@@ -227,7 +227,7 @@
           <a:p>
             <a:fld id="{7D1B6EC6-B3D5-463C-81D6-CFCB32E6316D}" type="datetime1">
               <a:rPr lang="it-IT" smtClean="0"/>
-              <a:t>03/09/2023</a:t>
+              <a:t>04/09/2023</a:t>
             </a:fld>
             <a:endParaRPr lang="it-IT" dirty="0"/>
           </a:p>
@@ -399,7 +399,7 @@
             <a:pPr rtl="0"/>
             <a:fld id="{6C3BD83F-4E98-4492-9EEF-7E22B46C52B7}" type="datetime1">
               <a:rPr lang="it-IT" noProof="0" smtClean="0"/>
-              <a:t>03/09/2023</a:t>
+              <a:t>04/09/2023</a:t>
             </a:fld>
             <a:endParaRPr lang="it-IT" noProof="0" dirty="0"/>
           </a:p>
@@ -815,7 +815,7 @@
           <p:cNvPr id="5" name="Header Placeholder 4">
             <a:extLst>
               <a:ext uri="{FF2B5EF4-FFF2-40B4-BE49-F238E27FC236}">
-                <a16:creationId xmlns:a16="http://schemas.microsoft.com/office/drawing/2014/main" id="{4CFBA072-6091-BCAB-C716-4B3B3EF45A83}"/>
+                <a16:creationId xmlns:a16="http://schemas.microsoft.com/office/drawing/2014/main" id="{F1F5500C-0628-2134-9776-A81F9A32C196}"/>
               </a:ext>
             </a:extLst>
           </p:cNvPr>
@@ -843,7 +843,7 @@
     </p:spTree>
     <p:extLst>
       <p:ext uri="{BB962C8B-B14F-4D97-AF65-F5344CB8AC3E}">
-        <p14:creationId xmlns:p14="http://schemas.microsoft.com/office/powerpoint/2010/main" val="3862710718"/>
+        <p14:creationId xmlns:p14="http://schemas.microsoft.com/office/powerpoint/2010/main" val="2368763410"/>
       </p:ext>
     </p:extLst>
   </p:cSld>
@@ -907,7 +907,7 @@
           <p:cNvPr id="5" name="Header Placeholder 4">
             <a:extLst>
               <a:ext uri="{FF2B5EF4-FFF2-40B4-BE49-F238E27FC236}">
-                <a16:creationId xmlns:a16="http://schemas.microsoft.com/office/drawing/2014/main" id="{F1F5500C-0628-2134-9776-A81F9A32C196}"/>
+                <a16:creationId xmlns:a16="http://schemas.microsoft.com/office/drawing/2014/main" id="{FF399FD5-3E5E-EAAF-E86A-5E1C228DBFD3}"/>
               </a:ext>
             </a:extLst>
           </p:cNvPr>
@@ -935,7 +935,7 @@
     </p:spTree>
     <p:extLst>
       <p:ext uri="{BB962C8B-B14F-4D97-AF65-F5344CB8AC3E}">
-        <p14:creationId xmlns:p14="http://schemas.microsoft.com/office/powerpoint/2010/main" val="2368763410"/>
+        <p14:creationId xmlns:p14="http://schemas.microsoft.com/office/powerpoint/2010/main" val="1669454484"/>
       </p:ext>
     </p:extLst>
   </p:cSld>
@@ -999,7 +999,7 @@
           <p:cNvPr id="5" name="Header Placeholder 4">
             <a:extLst>
               <a:ext uri="{FF2B5EF4-FFF2-40B4-BE49-F238E27FC236}">
-                <a16:creationId xmlns:a16="http://schemas.microsoft.com/office/drawing/2014/main" id="{FF399FD5-3E5E-EAAF-E86A-5E1C228DBFD3}"/>
+                <a16:creationId xmlns:a16="http://schemas.microsoft.com/office/drawing/2014/main" id="{AFF1453A-8E0A-F79D-1509-853C1BE85040}"/>
               </a:ext>
             </a:extLst>
           </p:cNvPr>
@@ -1027,7 +1027,7 @@
     </p:spTree>
     <p:extLst>
       <p:ext uri="{BB962C8B-B14F-4D97-AF65-F5344CB8AC3E}">
-        <p14:creationId xmlns:p14="http://schemas.microsoft.com/office/powerpoint/2010/main" val="1669454484"/>
+        <p14:creationId xmlns:p14="http://schemas.microsoft.com/office/powerpoint/2010/main" val="4103499532"/>
       </p:ext>
     </p:extLst>
   </p:cSld>
@@ -1119,7 +1119,7 @@
     </p:spTree>
     <p:extLst>
       <p:ext uri="{BB962C8B-B14F-4D97-AF65-F5344CB8AC3E}">
-        <p14:creationId xmlns:p14="http://schemas.microsoft.com/office/powerpoint/2010/main" val="4103499532"/>
+        <p14:creationId xmlns:p14="http://schemas.microsoft.com/office/powerpoint/2010/main" val="1419324209"/>
       </p:ext>
     </p:extLst>
   </p:cSld>
@@ -1211,7 +1211,7 @@
     </p:spTree>
     <p:extLst>
       <p:ext uri="{BB962C8B-B14F-4D97-AF65-F5344CB8AC3E}">
-        <p14:creationId xmlns:p14="http://schemas.microsoft.com/office/powerpoint/2010/main" val="1419324209"/>
+        <p14:creationId xmlns:p14="http://schemas.microsoft.com/office/powerpoint/2010/main" val="2904017277"/>
       </p:ext>
     </p:extLst>
   </p:cSld>
@@ -1303,7 +1303,7 @@
     </p:spTree>
     <p:extLst>
       <p:ext uri="{BB962C8B-B14F-4D97-AF65-F5344CB8AC3E}">
-        <p14:creationId xmlns:p14="http://schemas.microsoft.com/office/powerpoint/2010/main" val="2904017277"/>
+        <p14:creationId xmlns:p14="http://schemas.microsoft.com/office/powerpoint/2010/main" val="291106220"/>
       </p:ext>
     </p:extLst>
   </p:cSld>
@@ -1395,7 +1395,7 @@
     </p:spTree>
     <p:extLst>
       <p:ext uri="{BB962C8B-B14F-4D97-AF65-F5344CB8AC3E}">
-        <p14:creationId xmlns:p14="http://schemas.microsoft.com/office/powerpoint/2010/main" val="291106220"/>
+        <p14:creationId xmlns:p14="http://schemas.microsoft.com/office/powerpoint/2010/main" val="217443470"/>
       </p:ext>
     </p:extLst>
   </p:cSld>
@@ -1487,7 +1487,7 @@
     </p:spTree>
     <p:extLst>
       <p:ext uri="{BB962C8B-B14F-4D97-AF65-F5344CB8AC3E}">
-        <p14:creationId xmlns:p14="http://schemas.microsoft.com/office/powerpoint/2010/main" val="217443470"/>
+        <p14:creationId xmlns:p14="http://schemas.microsoft.com/office/powerpoint/2010/main" val="3493224308"/>
       </p:ext>
     </p:extLst>
   </p:cSld>
@@ -1579,7 +1579,7 @@
     </p:spTree>
     <p:extLst>
       <p:ext uri="{BB962C8B-B14F-4D97-AF65-F5344CB8AC3E}">
-        <p14:creationId xmlns:p14="http://schemas.microsoft.com/office/powerpoint/2010/main" val="3493224308"/>
+        <p14:creationId xmlns:p14="http://schemas.microsoft.com/office/powerpoint/2010/main" val="1191996674"/>
       </p:ext>
     </p:extLst>
   </p:cSld>
@@ -1671,7 +1671,7 @@
     </p:spTree>
     <p:extLst>
       <p:ext uri="{BB962C8B-B14F-4D97-AF65-F5344CB8AC3E}">
-        <p14:creationId xmlns:p14="http://schemas.microsoft.com/office/powerpoint/2010/main" val="1191996674"/>
+        <p14:creationId xmlns:p14="http://schemas.microsoft.com/office/powerpoint/2010/main" val="3332616364"/>
       </p:ext>
     </p:extLst>
   </p:cSld>
@@ -1855,7 +1855,7 @@
     </p:spTree>
     <p:extLst>
       <p:ext uri="{BB962C8B-B14F-4D97-AF65-F5344CB8AC3E}">
-        <p14:creationId xmlns:p14="http://schemas.microsoft.com/office/powerpoint/2010/main" val="3332616364"/>
+        <p14:creationId xmlns:p14="http://schemas.microsoft.com/office/powerpoint/2010/main" val="3939853025"/>
       </p:ext>
     </p:extLst>
   </p:cSld>
@@ -2379,7 +2379,7 @@
           <p:cNvPr id="5" name="Header Placeholder 4">
             <a:extLst>
               <a:ext uri="{FF2B5EF4-FFF2-40B4-BE49-F238E27FC236}">
-                <a16:creationId xmlns:a16="http://schemas.microsoft.com/office/drawing/2014/main" id="{AFF1453A-8E0A-F79D-1509-853C1BE85040}"/>
+                <a16:creationId xmlns:a16="http://schemas.microsoft.com/office/drawing/2014/main" id="{B393C49E-89F3-DC2F-F219-9DFAB1BC0839}"/>
               </a:ext>
             </a:extLst>
           </p:cNvPr>
@@ -2407,7 +2407,7 @@
     </p:spTree>
     <p:extLst>
       <p:ext uri="{BB962C8B-B14F-4D97-AF65-F5344CB8AC3E}">
-        <p14:creationId xmlns:p14="http://schemas.microsoft.com/office/powerpoint/2010/main" val="3373757150"/>
+        <p14:creationId xmlns:p14="http://schemas.microsoft.com/office/powerpoint/2010/main" val="1893003402"/>
       </p:ext>
     </p:extLst>
   </p:cSld>
@@ -2471,7 +2471,7 @@
           <p:cNvPr id="5" name="Header Placeholder 4">
             <a:extLst>
               <a:ext uri="{FF2B5EF4-FFF2-40B4-BE49-F238E27FC236}">
-                <a16:creationId xmlns:a16="http://schemas.microsoft.com/office/drawing/2014/main" id="{B393C49E-89F3-DC2F-F219-9DFAB1BC0839}"/>
+                <a16:creationId xmlns:a16="http://schemas.microsoft.com/office/drawing/2014/main" id="{8EEA9543-1955-7CA9-89E4-F82424CAAD04}"/>
               </a:ext>
             </a:extLst>
           </p:cNvPr>
@@ -2499,7 +2499,7 @@
     </p:spTree>
     <p:extLst>
       <p:ext uri="{BB962C8B-B14F-4D97-AF65-F5344CB8AC3E}">
-        <p14:creationId xmlns:p14="http://schemas.microsoft.com/office/powerpoint/2010/main" val="1893003402"/>
+        <p14:creationId xmlns:p14="http://schemas.microsoft.com/office/powerpoint/2010/main" val="3268823207"/>
       </p:ext>
     </p:extLst>
   </p:cSld>
@@ -2563,7 +2563,7 @@
           <p:cNvPr id="5" name="Header Placeholder 4">
             <a:extLst>
               <a:ext uri="{FF2B5EF4-FFF2-40B4-BE49-F238E27FC236}">
-                <a16:creationId xmlns:a16="http://schemas.microsoft.com/office/drawing/2014/main" id="{8EEA9543-1955-7CA9-89E4-F82424CAAD04}"/>
+                <a16:creationId xmlns:a16="http://schemas.microsoft.com/office/drawing/2014/main" id="{4CFBA072-6091-BCAB-C716-4B3B3EF45A83}"/>
               </a:ext>
             </a:extLst>
           </p:cNvPr>
@@ -2591,7 +2591,7 @@
     </p:spTree>
     <p:extLst>
       <p:ext uri="{BB962C8B-B14F-4D97-AF65-F5344CB8AC3E}">
-        <p14:creationId xmlns:p14="http://schemas.microsoft.com/office/powerpoint/2010/main" val="3268823207"/>
+        <p14:creationId xmlns:p14="http://schemas.microsoft.com/office/powerpoint/2010/main" val="3862710718"/>
       </p:ext>
     </p:extLst>
   </p:cSld>
@@ -2789,7 +2789,7 @@
             <a:pPr rtl="0"/>
             <a:fld id="{CD48488A-4F48-47E0-8260-7D41BE6FA410}" type="datetime1">
               <a:rPr lang="it-IT" noProof="0" smtClean="0"/>
-              <a:t>03/09/2023</a:t>
+              <a:t>04/09/2023</a:t>
             </a:fld>
             <a:endParaRPr lang="it-IT" noProof="0" dirty="0"/>
           </a:p>
@@ -3103,7 +3103,7 @@
             <a:pPr rtl="0"/>
             <a:fld id="{733C4794-128B-4C0F-A4A7-AA8BE03E2FA9}" type="datetime1">
               <a:rPr lang="it-IT" noProof="0" smtClean="0"/>
-              <a:t>03/09/2023</a:t>
+              <a:t>04/09/2023</a:t>
             </a:fld>
             <a:endParaRPr lang="it-IT" noProof="0" dirty="0"/>
           </a:p>
@@ -3305,7 +3305,7 @@
             <a:pPr rtl="0"/>
             <a:fld id="{0503ED1E-7018-4DA6-8134-83156A27BB10}" type="datetime1">
               <a:rPr lang="it-IT" noProof="0" smtClean="0"/>
-              <a:t>03/09/2023</a:t>
+              <a:t>04/09/2023</a:t>
             </a:fld>
             <a:endParaRPr lang="it-IT" noProof="0" dirty="0"/>
           </a:p>
@@ -3576,7 +3576,7 @@
             <a:pPr rtl="0"/>
             <a:fld id="{84337AEC-A7EA-4682-AFCF-5F27F47858F3}" type="datetime1">
               <a:rPr lang="it-IT" noProof="0" smtClean="0"/>
-              <a:t>03/09/2023</a:t>
+              <a:t>04/09/2023</a:t>
             </a:fld>
             <a:endParaRPr lang="it-IT" noProof="0" dirty="0"/>
           </a:p>
@@ -4020,7 +4020,7 @@
             <a:pPr rtl="0"/>
             <a:fld id="{927D96A8-8287-4D86-94B7-4B8917520367}" type="datetime1">
               <a:rPr lang="it-IT" noProof="0" smtClean="0"/>
-              <a:t>03/09/2023</a:t>
+              <a:t>04/09/2023</a:t>
             </a:fld>
             <a:endParaRPr lang="it-IT" noProof="0" dirty="0"/>
           </a:p>
@@ -4565,7 +4565,7 @@
             <a:pPr rtl="0"/>
             <a:fld id="{9369EE22-9270-48A6-AFD0-E535A94FE8E0}" type="datetime1">
               <a:rPr lang="it-IT" noProof="0" smtClean="0"/>
-              <a:t>03/09/2023</a:t>
+              <a:t>04/09/2023</a:t>
             </a:fld>
             <a:endParaRPr lang="it-IT" noProof="0" dirty="0"/>
           </a:p>
@@ -5458,7 +5458,7 @@
             <a:pPr rtl="0"/>
             <a:fld id="{D607C866-0730-46A6-BB84-9179799DF62A}" type="datetime1">
               <a:rPr lang="it-IT" noProof="0" smtClean="0"/>
-              <a:t>03/09/2023</a:t>
+              <a:t>04/09/2023</a:t>
             </a:fld>
             <a:endParaRPr lang="it-IT" noProof="0" dirty="0"/>
           </a:p>
@@ -5636,7 +5636,7 @@
             <a:pPr rtl="0"/>
             <a:fld id="{1592212A-5A91-4B75-9DE0-88668A603883}" type="datetime1">
               <a:rPr lang="it-IT" noProof="0" smtClean="0"/>
-              <a:t>03/09/2023</a:t>
+              <a:t>04/09/2023</a:t>
             </a:fld>
             <a:endParaRPr lang="it-IT" noProof="0" dirty="0"/>
           </a:p>
@@ -5888,7 +5888,7 @@
             <a:pPr rtl="0"/>
             <a:fld id="{DE025C23-2866-4ADA-8F2F-B4AD19F29B5F}" type="datetime1">
               <a:rPr lang="it-IT" noProof="0" smtClean="0"/>
-              <a:t>03/09/2023</a:t>
+              <a:t>04/09/2023</a:t>
             </a:fld>
             <a:endParaRPr lang="it-IT" noProof="0" dirty="0"/>
           </a:p>
@@ -6138,7 +6138,7 @@
             <a:pPr rtl="0"/>
             <a:fld id="{42824D65-0630-4173-B0ED-465456127AA4}" type="datetime1">
               <a:rPr lang="it-IT" noProof="0" smtClean="0"/>
-              <a:t>03/09/2023</a:t>
+              <a:t>04/09/2023</a:t>
             </a:fld>
             <a:endParaRPr lang="it-IT" noProof="0" dirty="0"/>
           </a:p>
@@ -6629,7 +6629,7 @@
             <a:pPr rtl="0"/>
             <a:fld id="{86CA28E9-762F-4647-BD97-F1D5BB551A5F}" type="datetime1">
               <a:rPr lang="it-IT" noProof="0" smtClean="0"/>
-              <a:t>03/09/2023</a:t>
+              <a:t>04/09/2023</a:t>
             </a:fld>
             <a:endParaRPr lang="it-IT" noProof="0" dirty="0"/>
           </a:p>
@@ -6755,7 +6755,7 @@
             <a:pPr rtl="0"/>
             <a:fld id="{EF997553-0891-4141-8A2F-CABA328D53DC}" type="datetime1">
               <a:rPr lang="it-IT" noProof="0" smtClean="0"/>
-              <a:t>03/09/2023</a:t>
+              <a:t>04/09/2023</a:t>
             </a:fld>
             <a:endParaRPr lang="it-IT" noProof="0" dirty="0"/>
           </a:p>
@@ -6857,7 +6857,7 @@
             <a:pPr rtl="0"/>
             <a:fld id="{841CA6A7-31ED-46FD-93E2-0C054543503A}" type="datetime1">
               <a:rPr lang="it-IT" noProof="0" smtClean="0"/>
-              <a:t>03/09/2023</a:t>
+              <a:t>04/09/2023</a:t>
             </a:fld>
             <a:endParaRPr lang="it-IT" noProof="0" dirty="0"/>
           </a:p>
@@ -7120,7 +7120,7 @@
             <a:pPr rtl="0"/>
             <a:fld id="{6706D2B0-4130-4963-AD98-6B1613213BEB}" type="datetime1">
               <a:rPr lang="it-IT" noProof="0" smtClean="0"/>
-              <a:t>03/09/2023</a:t>
+              <a:t>04/09/2023</a:t>
             </a:fld>
             <a:endParaRPr lang="it-IT" noProof="0" dirty="0"/>
           </a:p>
@@ -7436,7 +7436,7 @@
             <a:pPr rtl="0"/>
             <a:fld id="{9269901F-A34B-4352-8E4D-BBCD6CEF0AA4}" type="datetime1">
               <a:rPr lang="it-IT" noProof="0" smtClean="0"/>
-              <a:t>03/09/2023</a:t>
+              <a:t>04/09/2023</a:t>
             </a:fld>
             <a:endParaRPr lang="it-IT" noProof="0" dirty="0"/>
           </a:p>
@@ -7676,7 +7676,7 @@
             <a:pPr rtl="0"/>
             <a:fld id="{3B46ECF3-FDF4-4B28-B17D-8C5F232B4BD1}" type="datetime1">
               <a:rPr lang="it-IT" noProof="0" smtClean="0"/>
-              <a:t>03/09/2023</a:t>
+              <a:t>04/09/2023</a:t>
             </a:fld>
             <a:endParaRPr lang="it-IT" noProof="0" dirty="0"/>
           </a:p>
@@ -9092,7 +9092,7 @@
         </p:blipFill>
         <p:spPr>
           <a:xfrm>
-            <a:off x="0" y="-1"/>
+            <a:off x="0" y="10"/>
             <a:ext cx="6257024" cy="6857990"/>
           </a:xfrm>
           <a:prstGeom prst="rect">
@@ -9118,8 +9118,8 @@
         </p:nvSpPr>
         <p:spPr>
           <a:xfrm>
-            <a:off x="6424510" y="681297"/>
-            <a:ext cx="3755066" cy="970450"/>
+            <a:off x="6751390" y="1457907"/>
+            <a:ext cx="4538124" cy="970450"/>
           </a:xfrm>
         </p:spPr>
         <p:txBody>
@@ -9134,7 +9134,7 @@
                 <a:latin typeface="Cascadia Code" panose="020B0609020000020004" pitchFamily="49" charset="0"/>
                 <a:cs typeface="Cascadia Code" panose="020B0609020000020004" pitchFamily="49" charset="0"/>
               </a:rPr>
-              <a:t>RANDOM UNDER SAMPLING</a:t>
+              <a:t>RUS: CURVE DI APPRENDIMENTO</a:t>
             </a:r>
           </a:p>
         </p:txBody>
@@ -9163,8 +9163,8 @@
         </p:blipFill>
         <p:spPr>
           <a:xfrm>
-            <a:off x="5744194" y="4933491"/>
-            <a:ext cx="2057355" cy="970450"/>
+            <a:off x="7777791" y="5206483"/>
+            <a:ext cx="2901730" cy="658352"/>
           </a:xfrm>
         </p:spPr>
       </p:pic>
@@ -9203,7 +9203,7 @@
                 <a:latin typeface="Cascadia Code" panose="020B0609020000020004" pitchFamily="49" charset="0"/>
                 <a:cs typeface="Cascadia Code" panose="020B0609020000020004" pitchFamily="49" charset="0"/>
               </a:rPr>
-              <a:t>03/09/2023</a:t>
+              <a:t>04/09/2023</a:t>
             </a:fld>
             <a:endParaRPr lang="it-IT" sz="1400" noProof="0" dirty="0">
               <a:solidFill>
@@ -9300,10 +9300,10 @@
       </p:sp>
       <p:pic>
         <p:nvPicPr>
-          <p:cNvPr id="5" name="Picture 4" descr="A graph with a number of data&#10;&#10;Description automatically generated with medium confidence">
-            <a:extLst>
-              <a:ext uri="{FF2B5EF4-FFF2-40B4-BE49-F238E27FC236}">
-                <a16:creationId xmlns:a16="http://schemas.microsoft.com/office/drawing/2014/main" id="{4DFF9EB9-2102-A53C-1460-D368B31639D7}"/>
+          <p:cNvPr id="5" name="Picture 4" descr="A graph showing a line&#10;&#10;Description automatically generated">
+            <a:extLst>
+              <a:ext uri="{FF2B5EF4-FFF2-40B4-BE49-F238E27FC236}">
+                <a16:creationId xmlns:a16="http://schemas.microsoft.com/office/drawing/2014/main" id="{367C8002-911B-4647-FF44-8E85DE12C155}"/>
               </a:ext>
             </a:extLst>
           </p:cNvPr>
@@ -9320,20 +9320,64 @@
         </p:blipFill>
         <p:spPr>
           <a:xfrm>
-            <a:off x="119675" y="760328"/>
-            <a:ext cx="4928185" cy="2668672"/>
+            <a:off x="494366" y="475862"/>
+            <a:ext cx="5440607" cy="2402454"/>
           </a:xfrm>
           <a:prstGeom prst="rect">
             <a:avLst/>
           </a:prstGeom>
         </p:spPr>
       </p:pic>
+      <p:sp>
+        <p:nvSpPr>
+          <p:cNvPr id="6" name="TextBox 5">
+            <a:extLst>
+              <a:ext uri="{FF2B5EF4-FFF2-40B4-BE49-F238E27FC236}">
+                <a16:creationId xmlns:a16="http://schemas.microsoft.com/office/drawing/2014/main" id="{F2CBF946-108C-D4F9-6FEE-DC52A38E111F}"/>
+              </a:ext>
+            </a:extLst>
+          </p:cNvPr>
+          <p:cNvSpPr txBox="1"/>
+          <p:nvPr/>
+        </p:nvSpPr>
+        <p:spPr>
+          <a:xfrm>
+            <a:off x="803853" y="197846"/>
+            <a:ext cx="4649318" cy="307777"/>
+          </a:xfrm>
+          <a:prstGeom prst="rect">
+            <a:avLst/>
+          </a:prstGeom>
+          <a:noFill/>
+        </p:spPr>
+        <p:txBody>
+          <a:bodyPr wrap="square" rtlCol="0">
+            <a:spAutoFit/>
+          </a:bodyPr>
+          <a:lstStyle/>
+          <a:p>
+            <a:r>
+              <a:rPr lang="it-IT" sz="1400" dirty="0">
+                <a:solidFill>
+                  <a:schemeClr val="bg1">
+                    <a:lumMod val="85000"/>
+                    <a:lumOff val="15000"/>
+                  </a:schemeClr>
+                </a:solidFill>
+                <a:latin typeface="Cascadia Code" panose="020B0609020000020004" pitchFamily="49" charset="0"/>
+                <a:cs typeface="Cascadia Code" panose="020B0609020000020004" pitchFamily="49" charset="0"/>
+              </a:rPr>
+              <a:t>Curva di Recall del gaussian naive bayes</a:t>
+            </a:r>
+          </a:p>
+        </p:txBody>
+      </p:sp>
       <p:pic>
         <p:nvPicPr>
-          <p:cNvPr id="7" name="Picture 6" descr="A pie chart with numbers and text&#10;&#10;Description automatically generated">
-            <a:extLst>
-              <a:ext uri="{FF2B5EF4-FFF2-40B4-BE49-F238E27FC236}">
-                <a16:creationId xmlns:a16="http://schemas.microsoft.com/office/drawing/2014/main" id="{0E7E2D80-E1EF-4A67-6B7A-4BB6813632D7}"/>
+          <p:cNvPr id="8" name="Picture 7" descr="A graph showing the growth of a stock market&#10;&#10;Description automatically generated">
+            <a:extLst>
+              <a:ext uri="{FF2B5EF4-FFF2-40B4-BE49-F238E27FC236}">
+                <a16:creationId xmlns:a16="http://schemas.microsoft.com/office/drawing/2014/main" id="{AC41597A-70FD-D712-2183-1A9A7BF4FE89}"/>
               </a:ext>
             </a:extLst>
           </p:cNvPr>
@@ -9350,20 +9394,64 @@
         </p:blipFill>
         <p:spPr>
           <a:xfrm>
-            <a:off x="2410397" y="3579243"/>
-            <a:ext cx="3713435" cy="2708496"/>
+            <a:off x="494366" y="3429000"/>
+            <a:ext cx="5440609" cy="2610201"/>
           </a:xfrm>
           <a:prstGeom prst="rect">
             <a:avLst/>
           </a:prstGeom>
         </p:spPr>
       </p:pic>
+      <p:sp>
+        <p:nvSpPr>
+          <p:cNvPr id="9" name="TextBox 8">
+            <a:extLst>
+              <a:ext uri="{FF2B5EF4-FFF2-40B4-BE49-F238E27FC236}">
+                <a16:creationId xmlns:a16="http://schemas.microsoft.com/office/drawing/2014/main" id="{EDD6E3F6-D530-6F62-E2CF-6FBD43E73765}"/>
+              </a:ext>
+            </a:extLst>
+          </p:cNvPr>
+          <p:cNvSpPr txBox="1"/>
+          <p:nvPr/>
+        </p:nvSpPr>
+        <p:spPr>
+          <a:xfrm>
+            <a:off x="803853" y="3156332"/>
+            <a:ext cx="4884004" cy="307777"/>
+          </a:xfrm>
+          <a:prstGeom prst="rect">
+            <a:avLst/>
+          </a:prstGeom>
+          <a:noFill/>
+        </p:spPr>
+        <p:txBody>
+          <a:bodyPr wrap="square" rtlCol="0">
+            <a:spAutoFit/>
+          </a:bodyPr>
+          <a:lstStyle/>
+          <a:p>
+            <a:r>
+              <a:rPr lang="it-IT" sz="1400" dirty="0">
+                <a:solidFill>
+                  <a:schemeClr val="bg1">
+                    <a:lumMod val="85000"/>
+                    <a:lumOff val="15000"/>
+                  </a:schemeClr>
+                </a:solidFill>
+                <a:latin typeface="Cascadia Code" panose="020B0609020000020004" pitchFamily="49" charset="0"/>
+                <a:cs typeface="Cascadia Code" panose="020B0609020000020004" pitchFamily="49" charset="0"/>
+              </a:rPr>
+              <a:t>Curva di Recall della regressione logistica</a:t>
+            </a:r>
+          </a:p>
+        </p:txBody>
+      </p:sp>
       <p:pic>
         <p:nvPicPr>
-          <p:cNvPr id="8" name="Picture 7" descr="A circular emblem with a shield and a lighthouse&#10;&#10;Description automatically generated">
-            <a:extLst>
-              <a:ext uri="{FF2B5EF4-FFF2-40B4-BE49-F238E27FC236}">
-                <a16:creationId xmlns:a16="http://schemas.microsoft.com/office/drawing/2014/main" id="{C1F043BD-BA0E-23B3-8ACB-80C36DF43682}"/>
+          <p:cNvPr id="10" name="Picture 9" descr="A circular emblem with a shield and a lighthouse&#10;&#10;Description automatically generated">
+            <a:extLst>
+              <a:ext uri="{FF2B5EF4-FFF2-40B4-BE49-F238E27FC236}">
+                <a16:creationId xmlns:a16="http://schemas.microsoft.com/office/drawing/2014/main" id="{302AE4AB-6C6D-7A35-9BCE-CDFBBA252031}"/>
               </a:ext>
             </a:extLst>
           </p:cNvPr>
@@ -9390,10 +9478,10 @@
       </p:pic>
       <p:sp>
         <p:nvSpPr>
-          <p:cNvPr id="9" name="TextBox 8">
-            <a:extLst>
-              <a:ext uri="{FF2B5EF4-FFF2-40B4-BE49-F238E27FC236}">
-                <a16:creationId xmlns:a16="http://schemas.microsoft.com/office/drawing/2014/main" id="{1BDDE36D-195D-EDAD-5C43-013E6DB4EF82}"/>
+          <p:cNvPr id="17" name="TextBox 16">
+            <a:extLst>
+              <a:ext uri="{FF2B5EF4-FFF2-40B4-BE49-F238E27FC236}">
+                <a16:creationId xmlns:a16="http://schemas.microsoft.com/office/drawing/2014/main" id="{6A0C28FD-E79C-90B0-90DE-C47D0C983C04}"/>
               </a:ext>
             </a:extLst>
           </p:cNvPr>
@@ -9402,8 +9490,8 @@
         </p:nvSpPr>
         <p:spPr>
           <a:xfrm>
-            <a:off x="6614917" y="2247705"/>
-            <a:ext cx="5040060" cy="2062103"/>
+            <a:off x="6704941" y="3310220"/>
+            <a:ext cx="4928803" cy="1323439"/>
           </a:xfrm>
           <a:prstGeom prst="rect">
             <a:avLst/>
@@ -9422,66 +9510,7 @@
                 <a:latin typeface="Cascadia Code" panose="020B0609020000020004" pitchFamily="49" charset="0"/>
                 <a:cs typeface="Cascadia Code" panose="020B0609020000020004" pitchFamily="49" charset="0"/>
               </a:rPr>
-              <a:t>Tra le tecniche di campionamento per lo studio è stato usato il RUS che ha permesso di bilanciare perfettamente le 2 classi.</a:t>
-            </a:r>
-          </a:p>
-          <a:p>
-            <a:pPr algn="just"/>
-            <a:endParaRPr lang="it-IT" sz="1600" dirty="0">
-              <a:latin typeface="Cascadia Code" panose="020B0609020000020004" pitchFamily="49" charset="0"/>
-              <a:cs typeface="Cascadia Code" panose="020B0609020000020004" pitchFamily="49" charset="0"/>
-            </a:endParaRPr>
-          </a:p>
-          <a:p>
-            <a:pPr algn="just"/>
-            <a:r>
-              <a:rPr lang="it-IT" sz="1600" dirty="0">
-                <a:latin typeface="Cascadia Code" panose="020B0609020000020004" pitchFamily="49" charset="0"/>
-                <a:cs typeface="Cascadia Code" panose="020B0609020000020004" pitchFamily="49" charset="0"/>
-              </a:rPr>
-              <a:t>I modelli a confronto sono stati la regressione logistica contro il gaussian naive bayes</a:t>
-            </a:r>
-          </a:p>
-        </p:txBody>
-      </p:sp>
-      <p:sp>
-        <p:nvSpPr>
-          <p:cNvPr id="4" name="TextBox 3">
-            <a:extLst>
-              <a:ext uri="{FF2B5EF4-FFF2-40B4-BE49-F238E27FC236}">
-                <a16:creationId xmlns:a16="http://schemas.microsoft.com/office/drawing/2014/main" id="{791839A5-06F2-3B4A-AC06-FDCA56899F5D}"/>
-              </a:ext>
-            </a:extLst>
-          </p:cNvPr>
-          <p:cNvSpPr txBox="1"/>
-          <p:nvPr/>
-        </p:nvSpPr>
-        <p:spPr>
-          <a:xfrm>
-            <a:off x="8304245" y="4665306"/>
-            <a:ext cx="3350732" cy="954107"/>
-          </a:xfrm>
-          <a:prstGeom prst="rect">
-            <a:avLst/>
-          </a:prstGeom>
-          <a:noFill/>
-        </p:spPr>
-        <p:txBody>
-          <a:bodyPr wrap="square" rtlCol="0">
-            <a:spAutoFit/>
-          </a:bodyPr>
-          <a:lstStyle/>
-          <a:p>
-            <a:pPr algn="just"/>
-            <a:r>
-              <a:rPr lang="it-IT" sz="1400" dirty="0">
-                <a:solidFill>
-                  <a:srgbClr val="D3AB03"/>
-                </a:solidFill>
-                <a:latin typeface="Cascadia Code" panose="020B0609020000020004" pitchFamily="49" charset="0"/>
-                <a:cs typeface="Cascadia Code" panose="020B0609020000020004" pitchFamily="49" charset="0"/>
-              </a:rPr>
-              <a:t>Il RUS lavora andando a rimuovere casualmente esempi appartenenti alla classe maggioritaria.</a:t>
+              <a:t>Durante l’addestramento e dai grafici si evince come il gaussian naive bayes abbia avuto meno difficolta di apprendimento rispetto alla regressione logistica. </a:t>
             </a:r>
           </a:p>
         </p:txBody>
@@ -9489,22 +9518,22 @@
     </p:spTree>
     <p:extLst>
       <p:ext uri="{BB962C8B-B14F-4D97-AF65-F5344CB8AC3E}">
-        <p14:creationId xmlns:p14="http://schemas.microsoft.com/office/powerpoint/2010/main" val="1369693975"/>
+        <p14:creationId xmlns:p14="http://schemas.microsoft.com/office/powerpoint/2010/main" val="1776296925"/>
       </p:ext>
     </p:extLst>
   </p:cSld>
   <p:clrMapOvr>
     <a:masterClrMapping/>
   </p:clrMapOvr>
-  <mc:AlternateContent xmlns:mc="http://schemas.openxmlformats.org/markup-compatibility/2006" xmlns:p15="http://schemas.microsoft.com/office/powerpoint/2012/main">
-    <mc:Choice Requires="p15">
-      <p:transition xmlns:p14="http://schemas.microsoft.com/office/powerpoint/2010/main" spd="slow" p14:dur="2000">
-        <p15:prstTrans prst="fallOver"/>
+  <mc:AlternateContent xmlns:mc="http://schemas.openxmlformats.org/markup-compatibility/2006" xmlns:p14="http://schemas.microsoft.com/office/powerpoint/2010/main">
+    <mc:Choice Requires="p14">
+      <p:transition spd="slow" p14:dur="2500">
+        <p:checker/>
       </p:transition>
     </mc:Choice>
     <mc:Fallback xmlns="">
       <p:transition spd="slow">
-        <p:fade/>
+        <p:checker/>
       </p:transition>
     </mc:Fallback>
   </mc:AlternateContent>
@@ -9558,7 +9587,7 @@
         </p:blipFill>
         <p:spPr>
           <a:xfrm>
-            <a:off x="0" y="10"/>
+            <a:off x="0" y="-1"/>
             <a:ext cx="6257024" cy="6857990"/>
           </a:xfrm>
           <a:prstGeom prst="rect">
@@ -9584,23 +9613,36 @@
         </p:nvSpPr>
         <p:spPr>
           <a:xfrm>
-            <a:off x="6751390" y="1457907"/>
+            <a:off x="4110639" y="100983"/>
             <a:ext cx="4538124" cy="970450"/>
           </a:xfrm>
         </p:spPr>
         <p:txBody>
           <a:bodyPr rtlCol="0" anchor="b">
-            <a:normAutofit fontScale="90000"/>
+            <a:normAutofit/>
           </a:bodyPr>
           <a:lstStyle/>
           <a:p>
             <a:pPr algn="l"/>
+            <a:r>
+              <a:rPr lang="it-IT" sz="4000" dirty="0">
+                <a:solidFill>
+                  <a:schemeClr val="bg1">
+                    <a:lumMod val="85000"/>
+                    <a:lumOff val="15000"/>
+                  </a:schemeClr>
+                </a:solidFill>
+                <a:latin typeface="Cascadia Code" panose="020B0609020000020004" pitchFamily="49" charset="0"/>
+                <a:cs typeface="Cascadia Code" panose="020B0609020000020004" pitchFamily="49" charset="0"/>
+              </a:rPr>
+              <a:t>RUS: RI</a:t>
+            </a:r>
             <a:r>
               <a:rPr lang="it-IT" sz="4000" dirty="0">
                 <a:latin typeface="Cascadia Code" panose="020B0609020000020004" pitchFamily="49" charset="0"/>
                 <a:cs typeface="Cascadia Code" panose="020B0609020000020004" pitchFamily="49" charset="0"/>
               </a:rPr>
-              <a:t>RUS: CURVE DI APPRENDIMENTO</a:t>
+              <a:t>SULTATI</a:t>
             </a:r>
           </a:p>
         </p:txBody>
@@ -9629,8 +9671,8 @@
         </p:blipFill>
         <p:spPr>
           <a:xfrm>
-            <a:off x="7777791" y="5206483"/>
-            <a:ext cx="2901730" cy="658352"/>
+            <a:off x="4773456" y="4357276"/>
+            <a:ext cx="2967135" cy="1399591"/>
           </a:xfrm>
         </p:spPr>
       </p:pic>
@@ -9669,7 +9711,7 @@
                 <a:latin typeface="Cascadia Code" panose="020B0609020000020004" pitchFamily="49" charset="0"/>
                 <a:cs typeface="Cascadia Code" panose="020B0609020000020004" pitchFamily="49" charset="0"/>
               </a:rPr>
-              <a:t>03/09/2023</a:t>
+              <a:t>04/09/2023</a:t>
             </a:fld>
             <a:endParaRPr lang="it-IT" sz="1400" noProof="0" dirty="0">
               <a:solidFill>
@@ -9766,10 +9808,10 @@
       </p:sp>
       <p:pic>
         <p:nvPicPr>
-          <p:cNvPr id="5" name="Picture 4" descr="A graph showing a line&#10;&#10;Description automatically generated">
-            <a:extLst>
-              <a:ext uri="{FF2B5EF4-FFF2-40B4-BE49-F238E27FC236}">
-                <a16:creationId xmlns:a16="http://schemas.microsoft.com/office/drawing/2014/main" id="{367C8002-911B-4647-FF44-8E85DE12C155}"/>
+          <p:cNvPr id="5" name="Picture 4" descr="A graph of a number of data&#10;&#10;Description automatically generated with medium confidence">
+            <a:extLst>
+              <a:ext uri="{FF2B5EF4-FFF2-40B4-BE49-F238E27FC236}">
+                <a16:creationId xmlns:a16="http://schemas.microsoft.com/office/drawing/2014/main" id="{5E0F2642-69AA-1FC8-AF0B-E4A292E2BAF6}"/>
               </a:ext>
             </a:extLst>
           </p:cNvPr>
@@ -9786,64 +9828,20 @@
         </p:blipFill>
         <p:spPr>
           <a:xfrm>
-            <a:off x="494366" y="475862"/>
-            <a:ext cx="5440607" cy="2402454"/>
+            <a:off x="232660" y="1082592"/>
+            <a:ext cx="5702315" cy="3694103"/>
           </a:xfrm>
           <a:prstGeom prst="rect">
             <a:avLst/>
           </a:prstGeom>
         </p:spPr>
       </p:pic>
-      <p:sp>
-        <p:nvSpPr>
-          <p:cNvPr id="6" name="TextBox 5">
-            <a:extLst>
-              <a:ext uri="{FF2B5EF4-FFF2-40B4-BE49-F238E27FC236}">
-                <a16:creationId xmlns:a16="http://schemas.microsoft.com/office/drawing/2014/main" id="{F2CBF946-108C-D4F9-6FEE-DC52A38E111F}"/>
-              </a:ext>
-            </a:extLst>
-          </p:cNvPr>
-          <p:cNvSpPr txBox="1"/>
-          <p:nvPr/>
-        </p:nvSpPr>
-        <p:spPr>
-          <a:xfrm>
-            <a:off x="803853" y="197846"/>
-            <a:ext cx="4649318" cy="307777"/>
-          </a:xfrm>
-          <a:prstGeom prst="rect">
-            <a:avLst/>
-          </a:prstGeom>
-          <a:noFill/>
-        </p:spPr>
-        <p:txBody>
-          <a:bodyPr wrap="square" rtlCol="0">
-            <a:spAutoFit/>
-          </a:bodyPr>
-          <a:lstStyle/>
-          <a:p>
-            <a:r>
-              <a:rPr lang="it-IT" sz="1400" dirty="0">
-                <a:solidFill>
-                  <a:schemeClr val="bg1">
-                    <a:lumMod val="85000"/>
-                    <a:lumOff val="15000"/>
-                  </a:schemeClr>
-                </a:solidFill>
-                <a:latin typeface="Cascadia Code" panose="020B0609020000020004" pitchFamily="49" charset="0"/>
-                <a:cs typeface="Cascadia Code" panose="020B0609020000020004" pitchFamily="49" charset="0"/>
-              </a:rPr>
-              <a:t>Curva di Recall del gaussian naive bayes</a:t>
-            </a:r>
-          </a:p>
-        </p:txBody>
-      </p:sp>
       <p:pic>
         <p:nvPicPr>
-          <p:cNvPr id="8" name="Picture 7" descr="A graph showing the growth of a stock market&#10;&#10;Description automatically generated">
-            <a:extLst>
-              <a:ext uri="{FF2B5EF4-FFF2-40B4-BE49-F238E27FC236}">
-                <a16:creationId xmlns:a16="http://schemas.microsoft.com/office/drawing/2014/main" id="{AC41597A-70FD-D712-2183-1A9A7BF4FE89}"/>
+          <p:cNvPr id="7" name="Picture 6" descr="A screenshot of a computer&#10;&#10;Description automatically generated">
+            <a:extLst>
+              <a:ext uri="{FF2B5EF4-FFF2-40B4-BE49-F238E27FC236}">
+                <a16:creationId xmlns:a16="http://schemas.microsoft.com/office/drawing/2014/main" id="{8F0084EB-E92E-545B-7004-20BF5103827C}"/>
               </a:ext>
             </a:extLst>
           </p:cNvPr>
@@ -9860,64 +9858,20 @@
         </p:blipFill>
         <p:spPr>
           <a:xfrm>
-            <a:off x="494366" y="3429000"/>
-            <a:ext cx="5440609" cy="2610201"/>
+            <a:off x="6856470" y="1433697"/>
+            <a:ext cx="5102869" cy="2184281"/>
           </a:xfrm>
           <a:prstGeom prst="rect">
             <a:avLst/>
           </a:prstGeom>
         </p:spPr>
       </p:pic>
-      <p:sp>
-        <p:nvSpPr>
-          <p:cNvPr id="9" name="TextBox 8">
-            <a:extLst>
-              <a:ext uri="{FF2B5EF4-FFF2-40B4-BE49-F238E27FC236}">
-                <a16:creationId xmlns:a16="http://schemas.microsoft.com/office/drawing/2014/main" id="{EDD6E3F6-D530-6F62-E2CF-6FBD43E73765}"/>
-              </a:ext>
-            </a:extLst>
-          </p:cNvPr>
-          <p:cNvSpPr txBox="1"/>
-          <p:nvPr/>
-        </p:nvSpPr>
-        <p:spPr>
-          <a:xfrm>
-            <a:off x="803853" y="3156332"/>
-            <a:ext cx="4884004" cy="307777"/>
-          </a:xfrm>
-          <a:prstGeom prst="rect">
-            <a:avLst/>
-          </a:prstGeom>
-          <a:noFill/>
-        </p:spPr>
-        <p:txBody>
-          <a:bodyPr wrap="square" rtlCol="0">
-            <a:spAutoFit/>
-          </a:bodyPr>
-          <a:lstStyle/>
-          <a:p>
-            <a:r>
-              <a:rPr lang="it-IT" sz="1400" dirty="0">
-                <a:solidFill>
-                  <a:schemeClr val="bg1">
-                    <a:lumMod val="85000"/>
-                    <a:lumOff val="15000"/>
-                  </a:schemeClr>
-                </a:solidFill>
-                <a:latin typeface="Cascadia Code" panose="020B0609020000020004" pitchFamily="49" charset="0"/>
-                <a:cs typeface="Cascadia Code" panose="020B0609020000020004" pitchFamily="49" charset="0"/>
-              </a:rPr>
-              <a:t>Curva di Recall della regressione logistica</a:t>
-            </a:r>
-          </a:p>
-        </p:txBody>
-      </p:sp>
       <p:pic>
         <p:nvPicPr>
-          <p:cNvPr id="10" name="Picture 9" descr="A circular emblem with a shield and a lighthouse&#10;&#10;Description automatically generated">
-            <a:extLst>
-              <a:ext uri="{FF2B5EF4-FFF2-40B4-BE49-F238E27FC236}">
-                <a16:creationId xmlns:a16="http://schemas.microsoft.com/office/drawing/2014/main" id="{302AE4AB-6C6D-7A35-9BCE-CDFBBA252031}"/>
+          <p:cNvPr id="9" name="Picture 8" descr="A screenshot of a computer&#10;&#10;Description automatically generated">
+            <a:extLst>
+              <a:ext uri="{FF2B5EF4-FFF2-40B4-BE49-F238E27FC236}">
+                <a16:creationId xmlns:a16="http://schemas.microsoft.com/office/drawing/2014/main" id="{BCA73DCF-0176-7E14-17AD-6863E31D7B4E}"/>
               </a:ext>
             </a:extLst>
           </p:cNvPr>
@@ -9934,20 +9888,50 @@
         </p:blipFill>
         <p:spPr>
           <a:xfrm>
-            <a:off x="10906351" y="79758"/>
-            <a:ext cx="1182737" cy="1170544"/>
+            <a:off x="6856471" y="3874003"/>
+            <a:ext cx="5102869" cy="2118544"/>
           </a:xfrm>
           <a:prstGeom prst="rect">
             <a:avLst/>
           </a:prstGeom>
         </p:spPr>
       </p:pic>
-      <p:sp>
-        <p:nvSpPr>
-          <p:cNvPr id="17" name="TextBox 16">
-            <a:extLst>
-              <a:ext uri="{FF2B5EF4-FFF2-40B4-BE49-F238E27FC236}">
-                <a16:creationId xmlns:a16="http://schemas.microsoft.com/office/drawing/2014/main" id="{6A0C28FD-E79C-90B0-90DE-C47D0C983C04}"/>
+      <p:pic>
+        <p:nvPicPr>
+          <p:cNvPr id="10" name="Picture 9" descr="A circular emblem with a shield and a lighthouse&#10;&#10;Description automatically generated">
+            <a:extLst>
+              <a:ext uri="{FF2B5EF4-FFF2-40B4-BE49-F238E27FC236}">
+                <a16:creationId xmlns:a16="http://schemas.microsoft.com/office/drawing/2014/main" id="{E298BD3D-5444-5E44-1DB0-D93E8E9CE50F}"/>
+              </a:ext>
+            </a:extLst>
+          </p:cNvPr>
+          <p:cNvPicPr>
+            <a:picLocks noChangeAspect="1"/>
+          </p:cNvPicPr>
+          <p:nvPr/>
+        </p:nvPicPr>
+        <p:blipFill>
+          <a:blip r:embed="rId8"/>
+          <a:stretch>
+            <a:fillRect/>
+          </a:stretch>
+        </p:blipFill>
+        <p:spPr>
+          <a:xfrm>
+            <a:off x="10906351" y="79758"/>
+            <a:ext cx="1182737" cy="1170544"/>
+          </a:xfrm>
+          <a:prstGeom prst="rect">
+            <a:avLst/>
+          </a:prstGeom>
+        </p:spPr>
+      </p:pic>
+      <p:sp>
+        <p:nvSpPr>
+          <p:cNvPr id="15" name="TextBox 14">
+            <a:extLst>
+              <a:ext uri="{FF2B5EF4-FFF2-40B4-BE49-F238E27FC236}">
+                <a16:creationId xmlns:a16="http://schemas.microsoft.com/office/drawing/2014/main" id="{203720FE-039D-9BFC-5BA4-24BD94FBE851}"/>
               </a:ext>
             </a:extLst>
           </p:cNvPr>
@@ -9956,8 +9940,8 @@
         </p:nvSpPr>
         <p:spPr>
           <a:xfrm>
-            <a:off x="6704941" y="3310220"/>
-            <a:ext cx="4928803" cy="1323439"/>
+            <a:off x="668768" y="4986344"/>
+            <a:ext cx="4033861" cy="830997"/>
           </a:xfrm>
           <a:prstGeom prst="rect">
             <a:avLst/>
@@ -9973,10 +9957,16 @@
             <a:pPr algn="just"/>
             <a:r>
               <a:rPr lang="it-IT" sz="1600" dirty="0">
+                <a:solidFill>
+                  <a:schemeClr val="bg1">
+                    <a:lumMod val="85000"/>
+                    <a:lumOff val="15000"/>
+                  </a:schemeClr>
+                </a:solidFill>
                 <a:latin typeface="Cascadia Code" panose="020B0609020000020004" pitchFamily="49" charset="0"/>
                 <a:cs typeface="Cascadia Code" panose="020B0609020000020004" pitchFamily="49" charset="0"/>
               </a:rPr>
-              <a:t>Durante l’addestramento e dai grafici si evince come il gaussian naive bayes abbia avuto meno difficolta di apprendimento rispetto alla regressione logistica. </a:t>
+              <a:t>Migliore modello Gaussian naive bayes accentando il rischio di allarmismo!</a:t>
             </a:r>
           </a:p>
         </p:txBody>
@@ -9984,7 +9974,7 @@
     </p:spTree>
     <p:extLst>
       <p:ext uri="{BB962C8B-B14F-4D97-AF65-F5344CB8AC3E}">
-        <p14:creationId xmlns:p14="http://schemas.microsoft.com/office/powerpoint/2010/main" val="1776296925"/>
+        <p14:creationId xmlns:p14="http://schemas.microsoft.com/office/powerpoint/2010/main" val="2298047937"/>
       </p:ext>
     </p:extLst>
   </p:cSld>
@@ -10079,36 +10069,23 @@
         </p:nvSpPr>
         <p:spPr>
           <a:xfrm>
-            <a:off x="4110639" y="100983"/>
-            <a:ext cx="4538124" cy="970450"/>
+            <a:off x="6311747" y="515651"/>
+            <a:ext cx="4754484" cy="1056206"/>
           </a:xfrm>
         </p:spPr>
         <p:txBody>
           <a:bodyPr rtlCol="0" anchor="b">
-            <a:normAutofit/>
+            <a:noAutofit/>
           </a:bodyPr>
           <a:lstStyle/>
           <a:p>
             <a:pPr algn="l"/>
             <a:r>
-              <a:rPr lang="it-IT" sz="4000" dirty="0">
-                <a:solidFill>
-                  <a:schemeClr val="bg1">
-                    <a:lumMod val="85000"/>
-                    <a:lumOff val="15000"/>
-                  </a:schemeClr>
-                </a:solidFill>
+              <a:rPr lang="it-IT" sz="3200" dirty="0">
                 <a:latin typeface="Cascadia Code" panose="020B0609020000020004" pitchFamily="49" charset="0"/>
                 <a:cs typeface="Cascadia Code" panose="020B0609020000020004" pitchFamily="49" charset="0"/>
               </a:rPr>
-              <a:t>RUS: RI</a:t>
-            </a:r>
-            <a:r>
-              <a:rPr lang="it-IT" sz="4000" dirty="0">
-                <a:latin typeface="Cascadia Code" panose="020B0609020000020004" pitchFamily="49" charset="0"/>
-                <a:cs typeface="Cascadia Code" panose="020B0609020000020004" pitchFamily="49" charset="0"/>
-              </a:rPr>
-              <a:t>SULTATI</a:t>
+              <a:t>ADASYN: ADAPTIVE SYNTETHIC SAMPLING</a:t>
             </a:r>
           </a:p>
         </p:txBody>
@@ -10137,8 +10114,8 @@
         </p:blipFill>
         <p:spPr>
           <a:xfrm>
-            <a:off x="4773456" y="4357276"/>
-            <a:ext cx="2967135" cy="1399591"/>
+            <a:off x="5753467" y="4972316"/>
+            <a:ext cx="2239159" cy="1056206"/>
           </a:xfrm>
         </p:spPr>
       </p:pic>
@@ -10177,7 +10154,7 @@
                 <a:latin typeface="Cascadia Code" panose="020B0609020000020004" pitchFamily="49" charset="0"/>
                 <a:cs typeface="Cascadia Code" panose="020B0609020000020004" pitchFamily="49" charset="0"/>
               </a:rPr>
-              <a:t>03/09/2023</a:t>
+              <a:t>04/09/2023</a:t>
             </a:fld>
             <a:endParaRPr lang="it-IT" sz="1400" noProof="0" dirty="0">
               <a:solidFill>
@@ -10274,10 +10251,10 @@
       </p:sp>
       <p:pic>
         <p:nvPicPr>
-          <p:cNvPr id="5" name="Picture 4" descr="A graph of a number of data&#10;&#10;Description automatically generated with medium confidence">
-            <a:extLst>
-              <a:ext uri="{FF2B5EF4-FFF2-40B4-BE49-F238E27FC236}">
-                <a16:creationId xmlns:a16="http://schemas.microsoft.com/office/drawing/2014/main" id="{5E0F2642-69AA-1FC8-AF0B-E4A292E2BAF6}"/>
+          <p:cNvPr id="4" name="Picture 3" descr="A circular emblem with a shield and a lighthouse&#10;&#10;Description automatically generated">
+            <a:extLst>
+              <a:ext uri="{FF2B5EF4-FFF2-40B4-BE49-F238E27FC236}">
+                <a16:creationId xmlns:a16="http://schemas.microsoft.com/office/drawing/2014/main" id="{7CE2C5A7-0EA1-AFE5-911D-E4826A8BB09E}"/>
               </a:ext>
             </a:extLst>
           </p:cNvPr>
@@ -10294,8 +10271,8 @@
         </p:blipFill>
         <p:spPr>
           <a:xfrm>
-            <a:off x="232660" y="1082592"/>
-            <a:ext cx="5702315" cy="3694103"/>
+            <a:off x="10906351" y="79758"/>
+            <a:ext cx="1182737" cy="1170544"/>
           </a:xfrm>
           <a:prstGeom prst="rect">
             <a:avLst/>
@@ -10304,10 +10281,10 @@
       </p:pic>
       <p:pic>
         <p:nvPicPr>
-          <p:cNvPr id="7" name="Picture 6" descr="A screenshot of a computer&#10;&#10;Description automatically generated">
-            <a:extLst>
-              <a:ext uri="{FF2B5EF4-FFF2-40B4-BE49-F238E27FC236}">
-                <a16:creationId xmlns:a16="http://schemas.microsoft.com/office/drawing/2014/main" id="{8F0084EB-E92E-545B-7004-20BF5103827C}"/>
+          <p:cNvPr id="8" name="Picture 7" descr="A pie chart with numbers and a few words&#10;&#10;Description automatically generated">
+            <a:extLst>
+              <a:ext uri="{FF2B5EF4-FFF2-40B4-BE49-F238E27FC236}">
+                <a16:creationId xmlns:a16="http://schemas.microsoft.com/office/drawing/2014/main" id="{DBE91066-5DBE-5905-0C8C-6BA623319D32}"/>
               </a:ext>
             </a:extLst>
           </p:cNvPr>
@@ -10324,8 +10301,8 @@
         </p:blipFill>
         <p:spPr>
           <a:xfrm>
-            <a:off x="6856470" y="1433697"/>
-            <a:ext cx="5102869" cy="2184281"/>
+            <a:off x="2633233" y="3429000"/>
+            <a:ext cx="3574059" cy="2936861"/>
           </a:xfrm>
           <a:prstGeom prst="rect">
             <a:avLst/>
@@ -10334,10 +10311,10 @@
       </p:pic>
       <p:pic>
         <p:nvPicPr>
-          <p:cNvPr id="9" name="Picture 8" descr="A screenshot of a computer&#10;&#10;Description automatically generated">
-            <a:extLst>
-              <a:ext uri="{FF2B5EF4-FFF2-40B4-BE49-F238E27FC236}">
-                <a16:creationId xmlns:a16="http://schemas.microsoft.com/office/drawing/2014/main" id="{BCA73DCF-0176-7E14-17AD-6863E31D7B4E}"/>
+          <p:cNvPr id="10" name="Picture 9" descr="A graph of a number of data&#10;&#10;Description automatically generated with medium confidence">
+            <a:extLst>
+              <a:ext uri="{FF2B5EF4-FFF2-40B4-BE49-F238E27FC236}">
+                <a16:creationId xmlns:a16="http://schemas.microsoft.com/office/drawing/2014/main" id="{A707AC82-41A0-65B5-ED09-60DD3B8E984E}"/>
               </a:ext>
             </a:extLst>
           </p:cNvPr>
@@ -10354,50 +10331,20 @@
         </p:blipFill>
         <p:spPr>
           <a:xfrm>
-            <a:off x="6856471" y="3874003"/>
-            <a:ext cx="5102869" cy="2118544"/>
+            <a:off x="261258" y="500591"/>
+            <a:ext cx="5027632" cy="2755794"/>
           </a:xfrm>
           <a:prstGeom prst="rect">
             <a:avLst/>
           </a:prstGeom>
         </p:spPr>
       </p:pic>
-      <p:pic>
-        <p:nvPicPr>
-          <p:cNvPr id="10" name="Picture 9" descr="A circular emblem with a shield and a lighthouse&#10;&#10;Description automatically generated">
-            <a:extLst>
-              <a:ext uri="{FF2B5EF4-FFF2-40B4-BE49-F238E27FC236}">
-                <a16:creationId xmlns:a16="http://schemas.microsoft.com/office/drawing/2014/main" id="{E298BD3D-5444-5E44-1DB0-D93E8E9CE50F}"/>
-              </a:ext>
-            </a:extLst>
-          </p:cNvPr>
-          <p:cNvPicPr>
-            <a:picLocks noChangeAspect="1"/>
-          </p:cNvPicPr>
-          <p:nvPr/>
-        </p:nvPicPr>
-        <p:blipFill>
-          <a:blip r:embed="rId8"/>
-          <a:stretch>
-            <a:fillRect/>
-          </a:stretch>
-        </p:blipFill>
-        <p:spPr>
-          <a:xfrm>
-            <a:off x="10906351" y="79758"/>
-            <a:ext cx="1182737" cy="1170544"/>
-          </a:xfrm>
-          <a:prstGeom prst="rect">
-            <a:avLst/>
-          </a:prstGeom>
-        </p:spPr>
-      </p:pic>
       <p:sp>
         <p:nvSpPr>
           <p:cNvPr id="15" name="TextBox 14">
             <a:extLst>
               <a:ext uri="{FF2B5EF4-FFF2-40B4-BE49-F238E27FC236}">
-                <a16:creationId xmlns:a16="http://schemas.microsoft.com/office/drawing/2014/main" id="{203720FE-039D-9BFC-5BA4-24BD94FBE851}"/>
+                <a16:creationId xmlns:a16="http://schemas.microsoft.com/office/drawing/2014/main" id="{BE17CE71-1019-7545-67B9-A96E958BC26B}"/>
               </a:ext>
             </a:extLst>
           </p:cNvPr>
@@ -10406,8 +10353,8 @@
         </p:nvSpPr>
         <p:spPr>
           <a:xfrm>
-            <a:off x="668768" y="4986344"/>
-            <a:ext cx="4033861" cy="830997"/>
+            <a:off x="6920785" y="4323156"/>
+            <a:ext cx="4894862" cy="1077218"/>
           </a:xfrm>
           <a:prstGeom prst="rect">
             <a:avLst/>
@@ -10420,19 +10367,93 @@
           </a:bodyPr>
           <a:lstStyle/>
           <a:p>
+            <a:pPr algn="r"/>
+            <a:r>
+              <a:rPr lang="it-IT" sz="1600" dirty="0">
+                <a:latin typeface="Cascadia Code" panose="020B0609020000020004" pitchFamily="49" charset="0"/>
+                <a:cs typeface="Cascadia Code" panose="020B0609020000020004" pitchFamily="49" charset="0"/>
+              </a:rPr>
+              <a:t>Tecnica di oversampling con la quale si aumentano gli esempi della classe minoritaria per risolvere lo sbilanciamento</a:t>
+            </a:r>
+          </a:p>
+        </p:txBody>
+      </p:sp>
+      <p:sp>
+        <p:nvSpPr>
+          <p:cNvPr id="16" name="TextBox 15">
+            <a:extLst>
+              <a:ext uri="{FF2B5EF4-FFF2-40B4-BE49-F238E27FC236}">
+                <a16:creationId xmlns:a16="http://schemas.microsoft.com/office/drawing/2014/main" id="{4A560B03-9665-4E44-CC98-9014C5C0AAB1}"/>
+              </a:ext>
+            </a:extLst>
+          </p:cNvPr>
+          <p:cNvSpPr txBox="1"/>
+          <p:nvPr/>
+        </p:nvSpPr>
+        <p:spPr>
+          <a:xfrm>
+            <a:off x="6456254" y="1950069"/>
+            <a:ext cx="5570806" cy="584775"/>
+          </a:xfrm>
+          <a:prstGeom prst="rect">
+            <a:avLst/>
+          </a:prstGeom>
+          <a:noFill/>
+        </p:spPr>
+        <p:txBody>
+          <a:bodyPr wrap="square" rtlCol="0">
+            <a:spAutoFit/>
+          </a:bodyPr>
+          <a:lstStyle/>
+          <a:p>
+            <a:r>
+              <a:rPr lang="it-IT" sz="1600" dirty="0">
+                <a:latin typeface="Cascadia Code" panose="020B0609020000020004" pitchFamily="49" charset="0"/>
+                <a:cs typeface="Cascadia Code" panose="020B0609020000020004" pitchFamily="49" charset="0"/>
+              </a:rPr>
+              <a:t>I modelli a confronto: regressione logistica e gaussian naive bayes</a:t>
+            </a:r>
+          </a:p>
+        </p:txBody>
+      </p:sp>
+      <p:sp>
+        <p:nvSpPr>
+          <p:cNvPr id="5" name="TextBox 4">
+            <a:extLst>
+              <a:ext uri="{FF2B5EF4-FFF2-40B4-BE49-F238E27FC236}">
+                <a16:creationId xmlns:a16="http://schemas.microsoft.com/office/drawing/2014/main" id="{C438A103-F980-8B04-8FA7-1F614202460E}"/>
+              </a:ext>
+            </a:extLst>
+          </p:cNvPr>
+          <p:cNvSpPr txBox="1"/>
+          <p:nvPr/>
+        </p:nvSpPr>
+        <p:spPr>
+          <a:xfrm>
+            <a:off x="6456254" y="2793618"/>
+            <a:ext cx="5359393" cy="1384995"/>
+          </a:xfrm>
+          <a:prstGeom prst="rect">
+            <a:avLst/>
+          </a:prstGeom>
+          <a:noFill/>
+        </p:spPr>
+        <p:txBody>
+          <a:bodyPr wrap="square" rtlCol="0">
+            <a:spAutoFit/>
+          </a:bodyPr>
+          <a:lstStyle/>
+          <a:p>
             <a:pPr algn="just"/>
             <a:r>
-              <a:rPr lang="it-IT" sz="1600" dirty="0">
+              <a:rPr lang="it-IT" sz="1400" dirty="0">
                 <a:solidFill>
-                  <a:schemeClr val="bg1">
-                    <a:lumMod val="85000"/>
-                    <a:lumOff val="15000"/>
-                  </a:schemeClr>
+                  <a:srgbClr val="D3AB03"/>
                 </a:solidFill>
                 <a:latin typeface="Cascadia Code" panose="020B0609020000020004" pitchFamily="49" charset="0"/>
                 <a:cs typeface="Cascadia Code" panose="020B0609020000020004" pitchFamily="49" charset="0"/>
               </a:rPr>
-              <a:t>Migliore modello Gaussian naive bayes accentando il rischio di allarmismo!</a:t>
+              <a:t>Questa tecnica va a generare degli esempi sintetici. Questa è la principale differenza tra under sampling e over sampling mentre il primo perde informazione rimuovendo esempi, l’altro introduce informazione poco valida con esempi fittizi.</a:t>
             </a:r>
           </a:p>
         </p:txBody>
@@ -10440,22 +10461,22 @@
     </p:spTree>
     <p:extLst>
       <p:ext uri="{BB962C8B-B14F-4D97-AF65-F5344CB8AC3E}">
-        <p14:creationId xmlns:p14="http://schemas.microsoft.com/office/powerpoint/2010/main" val="2298047937"/>
+        <p14:creationId xmlns:p14="http://schemas.microsoft.com/office/powerpoint/2010/main" val="3164777077"/>
       </p:ext>
     </p:extLst>
   </p:cSld>
   <p:clrMapOvr>
     <a:masterClrMapping/>
   </p:clrMapOvr>
-  <mc:AlternateContent xmlns:mc="http://schemas.openxmlformats.org/markup-compatibility/2006" xmlns:p14="http://schemas.microsoft.com/office/powerpoint/2010/main">
-    <mc:Choice Requires="p14">
-      <p:transition spd="slow" p14:dur="2500">
-        <p:checker/>
+  <mc:AlternateContent xmlns:mc="http://schemas.openxmlformats.org/markup-compatibility/2006" xmlns:p15="http://schemas.microsoft.com/office/powerpoint/2012/main">
+    <mc:Choice Requires="p15">
+      <p:transition xmlns:p14="http://schemas.microsoft.com/office/powerpoint/2010/main" spd="slow" p14:dur="2000">
+        <p15:prstTrans prst="fallOver"/>
       </p:transition>
     </mc:Choice>
     <mc:Fallback xmlns="">
       <p:transition spd="slow">
-        <p:checker/>
+        <p:fade/>
       </p:transition>
     </mc:Fallback>
   </mc:AlternateContent>
@@ -10535,23 +10556,23 @@
         </p:nvSpPr>
         <p:spPr>
           <a:xfrm>
-            <a:off x="6311747" y="515651"/>
-            <a:ext cx="4754484" cy="1056206"/>
+            <a:off x="6785111" y="1355773"/>
+            <a:ext cx="4869866" cy="970450"/>
           </a:xfrm>
         </p:spPr>
         <p:txBody>
           <a:bodyPr rtlCol="0" anchor="b">
-            <a:noAutofit/>
+            <a:normAutofit fontScale="90000"/>
           </a:bodyPr>
           <a:lstStyle/>
           <a:p>
             <a:pPr algn="l"/>
             <a:r>
-              <a:rPr lang="it-IT" sz="3200" dirty="0">
+              <a:rPr lang="it-IT" sz="4000" dirty="0">
                 <a:latin typeface="Cascadia Code" panose="020B0609020000020004" pitchFamily="49" charset="0"/>
                 <a:cs typeface="Cascadia Code" panose="020B0609020000020004" pitchFamily="49" charset="0"/>
               </a:rPr>
-              <a:t>ADASYN: ADAPTIVE SYNTETHIC SAMPLING</a:t>
+              <a:t>ADASYN: CURVE DI APPRENDIMENTO</a:t>
             </a:r>
           </a:p>
         </p:txBody>
@@ -10580,8 +10601,8 @@
         </p:blipFill>
         <p:spPr>
           <a:xfrm>
-            <a:off x="5753467" y="4972316"/>
-            <a:ext cx="2239159" cy="1056206"/>
+            <a:off x="7848444" y="5268217"/>
+            <a:ext cx="2743200" cy="724330"/>
           </a:xfrm>
         </p:spPr>
       </p:pic>
@@ -10620,7 +10641,7 @@
                 <a:latin typeface="Cascadia Code" panose="020B0609020000020004" pitchFamily="49" charset="0"/>
                 <a:cs typeface="Cascadia Code" panose="020B0609020000020004" pitchFamily="49" charset="0"/>
               </a:rPr>
-              <a:t>03/09/2023</a:t>
+              <a:t>04/09/2023</a:t>
             </a:fld>
             <a:endParaRPr lang="it-IT" sz="1400" noProof="0" dirty="0">
               <a:solidFill>
@@ -10720,7 +10741,7 @@
           <p:cNvPr id="4" name="Picture 3" descr="A circular emblem with a shield and a lighthouse&#10;&#10;Description automatically generated">
             <a:extLst>
               <a:ext uri="{FF2B5EF4-FFF2-40B4-BE49-F238E27FC236}">
-                <a16:creationId xmlns:a16="http://schemas.microsoft.com/office/drawing/2014/main" id="{7CE2C5A7-0EA1-AFE5-911D-E4826A8BB09E}"/>
+                <a16:creationId xmlns:a16="http://schemas.microsoft.com/office/drawing/2014/main" id="{A79D2647-C18F-8FC9-86F1-B79C0621B4F5}"/>
               </a:ext>
             </a:extLst>
           </p:cNvPr>
@@ -10747,10 +10768,10 @@
       </p:pic>
       <p:pic>
         <p:nvPicPr>
-          <p:cNvPr id="8" name="Picture 7" descr="A pie chart with numbers and a few words&#10;&#10;Description automatically generated">
-            <a:extLst>
-              <a:ext uri="{FF2B5EF4-FFF2-40B4-BE49-F238E27FC236}">
-                <a16:creationId xmlns:a16="http://schemas.microsoft.com/office/drawing/2014/main" id="{DBE91066-5DBE-5905-0C8C-6BA623319D32}"/>
+          <p:cNvPr id="10" name="Picture 9" descr="A graph showing the growth of a stock market&#10;&#10;Description automatically generated">
+            <a:extLst>
+              <a:ext uri="{FF2B5EF4-FFF2-40B4-BE49-F238E27FC236}">
+                <a16:creationId xmlns:a16="http://schemas.microsoft.com/office/drawing/2014/main" id="{29EB1936-EBBF-8ADE-6B90-407B8A0BF8B0}"/>
               </a:ext>
             </a:extLst>
           </p:cNvPr>
@@ -10767,8 +10788,8 @@
         </p:blipFill>
         <p:spPr>
           <a:xfrm>
-            <a:off x="2633233" y="3429000"/>
-            <a:ext cx="3574059" cy="2936861"/>
+            <a:off x="485190" y="3469027"/>
+            <a:ext cx="5610809" cy="2469884"/>
           </a:xfrm>
           <a:prstGeom prst="rect">
             <a:avLst/>
@@ -10777,10 +10798,10 @@
       </p:pic>
       <p:pic>
         <p:nvPicPr>
-          <p:cNvPr id="10" name="Picture 9" descr="A graph of a number of data&#10;&#10;Description automatically generated with medium confidence">
-            <a:extLst>
-              <a:ext uri="{FF2B5EF4-FFF2-40B4-BE49-F238E27FC236}">
-                <a16:creationId xmlns:a16="http://schemas.microsoft.com/office/drawing/2014/main" id="{A707AC82-41A0-65B5-ED09-60DD3B8E984E}"/>
+          <p:cNvPr id="16" name="Picture 15" descr="A graph showing a line&#10;&#10;Description automatically generated">
+            <a:extLst>
+              <a:ext uri="{FF2B5EF4-FFF2-40B4-BE49-F238E27FC236}">
+                <a16:creationId xmlns:a16="http://schemas.microsoft.com/office/drawing/2014/main" id="{10A55557-6703-6952-3C81-3FC3A48A905F}"/>
               </a:ext>
             </a:extLst>
           </p:cNvPr>
@@ -10797,8 +10818,8 @@
         </p:blipFill>
         <p:spPr>
           <a:xfrm>
-            <a:off x="261258" y="500591"/>
-            <a:ext cx="5027632" cy="2755794"/>
+            <a:off x="485192" y="566051"/>
+            <a:ext cx="5610808" cy="2410847"/>
           </a:xfrm>
           <a:prstGeom prst="rect">
             <a:avLst/>
@@ -10807,10 +10828,10 @@
       </p:pic>
       <p:sp>
         <p:nvSpPr>
-          <p:cNvPr id="15" name="TextBox 14">
-            <a:extLst>
-              <a:ext uri="{FF2B5EF4-FFF2-40B4-BE49-F238E27FC236}">
-                <a16:creationId xmlns:a16="http://schemas.microsoft.com/office/drawing/2014/main" id="{BE17CE71-1019-7545-67B9-A96E958BC26B}"/>
+          <p:cNvPr id="17" name="TextBox 16">
+            <a:extLst>
+              <a:ext uri="{FF2B5EF4-FFF2-40B4-BE49-F238E27FC236}">
+                <a16:creationId xmlns:a16="http://schemas.microsoft.com/office/drawing/2014/main" id="{CA1568C3-84F4-F30F-8BCD-BC723B9AB585}"/>
               </a:ext>
             </a:extLst>
           </p:cNvPr>
@@ -10819,8 +10840,8 @@
         </p:nvSpPr>
         <p:spPr>
           <a:xfrm>
-            <a:off x="6920785" y="4323156"/>
-            <a:ext cx="4894862" cy="1077218"/>
+            <a:off x="1013972" y="254179"/>
+            <a:ext cx="4259515" cy="307777"/>
           </a:xfrm>
           <a:prstGeom prst="rect">
             <a:avLst/>
@@ -10833,23 +10854,28 @@
           </a:bodyPr>
           <a:lstStyle/>
           <a:p>
-            <a:pPr algn="r"/>
-            <a:r>
-              <a:rPr lang="it-IT" sz="1600" dirty="0">
+            <a:r>
+              <a:rPr lang="it-IT" sz="1400" dirty="0">
+                <a:solidFill>
+                  <a:schemeClr val="bg1">
+                    <a:lumMod val="85000"/>
+                    <a:lumOff val="15000"/>
+                  </a:schemeClr>
+                </a:solidFill>
                 <a:latin typeface="Cascadia Code" panose="020B0609020000020004" pitchFamily="49" charset="0"/>
                 <a:cs typeface="Cascadia Code" panose="020B0609020000020004" pitchFamily="49" charset="0"/>
               </a:rPr>
-              <a:t>Tecnica di oversampling con la quale si aumentano gli esempi della classe minoritaria per risolvere lo sbilanciamento</a:t>
-            </a:r>
-          </a:p>
-        </p:txBody>
-      </p:sp>
-      <p:sp>
-        <p:nvSpPr>
-          <p:cNvPr id="16" name="TextBox 15">
-            <a:extLst>
-              <a:ext uri="{FF2B5EF4-FFF2-40B4-BE49-F238E27FC236}">
-                <a16:creationId xmlns:a16="http://schemas.microsoft.com/office/drawing/2014/main" id="{4A560B03-9665-4E44-CC98-9014C5C0AAB1}"/>
+              <a:t>Curva di Recall Gaussian Naive Bayes</a:t>
+            </a:r>
+          </a:p>
+        </p:txBody>
+      </p:sp>
+      <p:sp>
+        <p:nvSpPr>
+          <p:cNvPr id="18" name="TextBox 17">
+            <a:extLst>
+              <a:ext uri="{FF2B5EF4-FFF2-40B4-BE49-F238E27FC236}">
+                <a16:creationId xmlns:a16="http://schemas.microsoft.com/office/drawing/2014/main" id="{57DC8EC0-90BD-AC1A-A1AE-50FB9F009AE1}"/>
               </a:ext>
             </a:extLst>
           </p:cNvPr>
@@ -10858,8 +10884,8 @@
         </p:nvSpPr>
         <p:spPr>
           <a:xfrm>
-            <a:off x="6456254" y="1950069"/>
-            <a:ext cx="5570806" cy="584775"/>
+            <a:off x="1013972" y="3193835"/>
+            <a:ext cx="4330330" cy="307777"/>
           </a:xfrm>
           <a:prstGeom prst="rect">
             <a:avLst/>
@@ -10873,21 +10899,27 @@
           <a:lstStyle/>
           <a:p>
             <a:r>
-              <a:rPr lang="it-IT" sz="1600" dirty="0">
+              <a:rPr lang="it-IT" sz="1400" dirty="0">
+                <a:solidFill>
+                  <a:schemeClr val="bg1">
+                    <a:lumMod val="85000"/>
+                    <a:lumOff val="15000"/>
+                  </a:schemeClr>
+                </a:solidFill>
                 <a:latin typeface="Cascadia Code" panose="020B0609020000020004" pitchFamily="49" charset="0"/>
                 <a:cs typeface="Cascadia Code" panose="020B0609020000020004" pitchFamily="49" charset="0"/>
               </a:rPr>
-              <a:t>I modelli a confronto: regressione logistica e gaussian naive bayes</a:t>
-            </a:r>
-          </a:p>
-        </p:txBody>
-      </p:sp>
-      <p:sp>
-        <p:nvSpPr>
-          <p:cNvPr id="5" name="TextBox 4">
-            <a:extLst>
-              <a:ext uri="{FF2B5EF4-FFF2-40B4-BE49-F238E27FC236}">
-                <a16:creationId xmlns:a16="http://schemas.microsoft.com/office/drawing/2014/main" id="{C438A103-F980-8B04-8FA7-1F614202460E}"/>
+              <a:t>Curva di Recall Regressione Logistica</a:t>
+            </a:r>
+          </a:p>
+        </p:txBody>
+      </p:sp>
+      <p:sp>
+        <p:nvSpPr>
+          <p:cNvPr id="19" name="TextBox 18">
+            <a:extLst>
+              <a:ext uri="{FF2B5EF4-FFF2-40B4-BE49-F238E27FC236}">
+                <a16:creationId xmlns:a16="http://schemas.microsoft.com/office/drawing/2014/main" id="{FF1E3AD2-141F-9B0F-5FB5-01B4CBD48092}"/>
               </a:ext>
             </a:extLst>
           </p:cNvPr>
@@ -10896,8 +10928,8 @@
         </p:nvSpPr>
         <p:spPr>
           <a:xfrm>
-            <a:off x="6456254" y="2793618"/>
-            <a:ext cx="5359393" cy="1384995"/>
+            <a:off x="6785111" y="2818764"/>
+            <a:ext cx="4759656" cy="1754326"/>
           </a:xfrm>
           <a:prstGeom prst="rect">
             <a:avLst/>
@@ -10912,14 +10944,11 @@
           <a:p>
             <a:pPr algn="just"/>
             <a:r>
-              <a:rPr lang="it-IT" sz="1400" dirty="0">
-                <a:solidFill>
-                  <a:srgbClr val="D3AB03"/>
-                </a:solidFill>
+              <a:rPr lang="it-IT" dirty="0">
                 <a:latin typeface="Cascadia Code" panose="020B0609020000020004" pitchFamily="49" charset="0"/>
                 <a:cs typeface="Cascadia Code" panose="020B0609020000020004" pitchFamily="49" charset="0"/>
               </a:rPr>
-              <a:t>Questa tecnica va a generare degli esempi sintetici. Questa è la principale differenza tra under sampling e over sampling mentre il primo perde informazione rimuovendo esempi, l’altro introduce informazione poco valida con esempi fittizi.</a:t>
+              <a:t>Dai grafici del recall durante il processo di apprendimento si nota come nel tempo dopo aver osservato un buon numero di esempi le percentuali tendano a stabilizzarsi.</a:t>
             </a:r>
           </a:p>
         </p:txBody>
@@ -10927,22 +10956,22 @@
     </p:spTree>
     <p:extLst>
       <p:ext uri="{BB962C8B-B14F-4D97-AF65-F5344CB8AC3E}">
-        <p14:creationId xmlns:p14="http://schemas.microsoft.com/office/powerpoint/2010/main" val="3164777077"/>
+        <p14:creationId xmlns:p14="http://schemas.microsoft.com/office/powerpoint/2010/main" val="1561796969"/>
       </p:ext>
     </p:extLst>
   </p:cSld>
   <p:clrMapOvr>
     <a:masterClrMapping/>
   </p:clrMapOvr>
-  <mc:AlternateContent xmlns:mc="http://schemas.openxmlformats.org/markup-compatibility/2006" xmlns:p15="http://schemas.microsoft.com/office/powerpoint/2012/main">
-    <mc:Choice Requires="p15">
-      <p:transition xmlns:p14="http://schemas.microsoft.com/office/powerpoint/2010/main" spd="slow" p14:dur="2000">
-        <p15:prstTrans prst="fallOver"/>
+  <mc:AlternateContent xmlns:mc="http://schemas.openxmlformats.org/markup-compatibility/2006" xmlns:p14="http://schemas.microsoft.com/office/powerpoint/2010/main">
+    <mc:Choice Requires="p14">
+      <p:transition spd="slow" p14:dur="2500">
+        <p:checker/>
       </p:transition>
     </mc:Choice>
     <mc:Fallback xmlns="">
       <p:transition spd="slow">
-        <p:fade/>
+        <p:checker/>
       </p:transition>
     </mc:Fallback>
   </mc:AlternateContent>
@@ -10996,7 +11025,7 @@
         </p:blipFill>
         <p:spPr>
           <a:xfrm>
-            <a:off x="0" y="-1"/>
+            <a:off x="0" y="0"/>
             <a:ext cx="6257024" cy="6857990"/>
           </a:xfrm>
           <a:prstGeom prst="rect">
@@ -11022,8 +11051,8 @@
         </p:nvSpPr>
         <p:spPr>
           <a:xfrm>
-            <a:off x="6785111" y="1355773"/>
-            <a:ext cx="4869866" cy="970450"/>
+            <a:off x="4102186" y="206381"/>
+            <a:ext cx="5793597" cy="587894"/>
           </a:xfrm>
         </p:spPr>
         <p:txBody>
@@ -11033,12 +11062,25 @@
           <a:lstStyle/>
           <a:p>
             <a:pPr algn="l"/>
+            <a:r>
+              <a:rPr lang="it-IT" sz="4000" dirty="0">
+                <a:solidFill>
+                  <a:schemeClr val="bg1">
+                    <a:lumMod val="85000"/>
+                    <a:lumOff val="15000"/>
+                  </a:schemeClr>
+                </a:solidFill>
+                <a:latin typeface="Cascadia Code" panose="020B0609020000020004" pitchFamily="49" charset="0"/>
+                <a:cs typeface="Cascadia Code" panose="020B0609020000020004" pitchFamily="49" charset="0"/>
+              </a:rPr>
+              <a:t>ADASYN: </a:t>
+            </a:r>
             <a:r>
               <a:rPr lang="it-IT" sz="4000" dirty="0">
                 <a:latin typeface="Cascadia Code" panose="020B0609020000020004" pitchFamily="49" charset="0"/>
                 <a:cs typeface="Cascadia Code" panose="020B0609020000020004" pitchFamily="49" charset="0"/>
               </a:rPr>
-              <a:t>ADASYN: CURVE DI APPRENDIMENTO</a:t>
+              <a:t>RISULTATI</a:t>
             </a:r>
           </a:p>
         </p:txBody>
@@ -11067,8 +11109,8 @@
         </p:blipFill>
         <p:spPr>
           <a:xfrm>
-            <a:off x="7848444" y="5268217"/>
-            <a:ext cx="2743200" cy="724330"/>
+            <a:off x="4951944" y="4777550"/>
+            <a:ext cx="2610159" cy="1231206"/>
           </a:xfrm>
         </p:spPr>
       </p:pic>
@@ -11107,7 +11149,7 @@
                 <a:latin typeface="Cascadia Code" panose="020B0609020000020004" pitchFamily="49" charset="0"/>
                 <a:cs typeface="Cascadia Code" panose="020B0609020000020004" pitchFamily="49" charset="0"/>
               </a:rPr>
-              <a:t>03/09/2023</a:t>
+              <a:t>04/09/2023</a:t>
             </a:fld>
             <a:endParaRPr lang="it-IT" sz="1400" noProof="0" dirty="0">
               <a:solidFill>
@@ -11207,7 +11249,7 @@
           <p:cNvPr id="4" name="Picture 3" descr="A circular emblem with a shield and a lighthouse&#10;&#10;Description automatically generated">
             <a:extLst>
               <a:ext uri="{FF2B5EF4-FFF2-40B4-BE49-F238E27FC236}">
-                <a16:creationId xmlns:a16="http://schemas.microsoft.com/office/drawing/2014/main" id="{A79D2647-C18F-8FC9-86F1-B79C0621B4F5}"/>
+                <a16:creationId xmlns:a16="http://schemas.microsoft.com/office/drawing/2014/main" id="{9584D0B1-AA07-ED5C-DDCA-0B7275F33345}"/>
               </a:ext>
             </a:extLst>
           </p:cNvPr>
@@ -11234,10 +11276,10 @@
       </p:pic>
       <p:pic>
         <p:nvPicPr>
-          <p:cNvPr id="10" name="Picture 9" descr="A graph showing the growth of a stock market&#10;&#10;Description automatically generated">
-            <a:extLst>
-              <a:ext uri="{FF2B5EF4-FFF2-40B4-BE49-F238E27FC236}">
-                <a16:creationId xmlns:a16="http://schemas.microsoft.com/office/drawing/2014/main" id="{29EB1936-EBBF-8ADE-6B90-407B8A0BF8B0}"/>
+          <p:cNvPr id="6" name="Picture 5" descr="A graph of a number of objects&#10;&#10;Description automatically generated with medium confidence">
+            <a:extLst>
+              <a:ext uri="{FF2B5EF4-FFF2-40B4-BE49-F238E27FC236}">
+                <a16:creationId xmlns:a16="http://schemas.microsoft.com/office/drawing/2014/main" id="{337CC8E5-0ECE-FDB8-A8C2-2B627B807E4F}"/>
               </a:ext>
             </a:extLst>
           </p:cNvPr>
@@ -11254,20 +11296,64 @@
         </p:blipFill>
         <p:spPr>
           <a:xfrm>
-            <a:off x="485190" y="3469027"/>
-            <a:ext cx="5610809" cy="2469884"/>
+            <a:off x="309322" y="1000656"/>
+            <a:ext cx="5786677" cy="3704222"/>
           </a:xfrm>
           <a:prstGeom prst="rect">
             <a:avLst/>
           </a:prstGeom>
         </p:spPr>
       </p:pic>
+      <p:sp>
+        <p:nvSpPr>
+          <p:cNvPr id="7" name="TextBox 6">
+            <a:extLst>
+              <a:ext uri="{FF2B5EF4-FFF2-40B4-BE49-F238E27FC236}">
+                <a16:creationId xmlns:a16="http://schemas.microsoft.com/office/drawing/2014/main" id="{C4F19683-1886-B3ED-3A29-702F6DE55709}"/>
+              </a:ext>
+            </a:extLst>
+          </p:cNvPr>
+          <p:cNvSpPr txBox="1"/>
+          <p:nvPr/>
+        </p:nvSpPr>
+        <p:spPr>
+          <a:xfrm>
+            <a:off x="1050249" y="4904271"/>
+            <a:ext cx="2743200" cy="584775"/>
+          </a:xfrm>
+          <a:prstGeom prst="rect">
+            <a:avLst/>
+          </a:prstGeom>
+          <a:noFill/>
+        </p:spPr>
+        <p:txBody>
+          <a:bodyPr wrap="square" rtlCol="0">
+            <a:spAutoFit/>
+          </a:bodyPr>
+          <a:lstStyle/>
+          <a:p>
+            <a:r>
+              <a:rPr lang="it-IT" sz="1600" dirty="0">
+                <a:solidFill>
+                  <a:schemeClr val="bg1">
+                    <a:lumMod val="85000"/>
+                    <a:lumOff val="15000"/>
+                  </a:schemeClr>
+                </a:solidFill>
+                <a:latin typeface="Cascadia Code" panose="020B0609020000020004" pitchFamily="49" charset="0"/>
+                <a:cs typeface="Cascadia Code" panose="020B0609020000020004" pitchFamily="49" charset="0"/>
+              </a:rPr>
+              <a:t>Migliore modello regressione logistica </a:t>
+            </a:r>
+          </a:p>
+        </p:txBody>
+      </p:sp>
       <p:pic>
         <p:nvPicPr>
-          <p:cNvPr id="16" name="Picture 15" descr="A graph showing a line&#10;&#10;Description automatically generated">
-            <a:extLst>
-              <a:ext uri="{FF2B5EF4-FFF2-40B4-BE49-F238E27FC236}">
-                <a16:creationId xmlns:a16="http://schemas.microsoft.com/office/drawing/2014/main" id="{10A55557-6703-6952-3C81-3FC3A48A905F}"/>
+          <p:cNvPr id="9" name="Picture 8" descr="A screenshot of a computer screen&#10;&#10;Description automatically generated">
+            <a:extLst>
+              <a:ext uri="{FF2B5EF4-FFF2-40B4-BE49-F238E27FC236}">
+                <a16:creationId xmlns:a16="http://schemas.microsoft.com/office/drawing/2014/main" id="{AD9397CB-AEE6-090E-5773-1A5CDC4DFB7E}"/>
               </a:ext>
             </a:extLst>
           </p:cNvPr>
@@ -11284,145 +11370,48 @@
         </p:blipFill>
         <p:spPr>
           <a:xfrm>
-            <a:off x="485192" y="566051"/>
-            <a:ext cx="5610808" cy="2410847"/>
+            <a:off x="6866450" y="1389198"/>
+            <a:ext cx="4979174" cy="2216471"/>
           </a:xfrm>
           <a:prstGeom prst="rect">
             <a:avLst/>
           </a:prstGeom>
         </p:spPr>
       </p:pic>
-      <p:sp>
-        <p:nvSpPr>
-          <p:cNvPr id="17" name="TextBox 16">
-            <a:extLst>
-              <a:ext uri="{FF2B5EF4-FFF2-40B4-BE49-F238E27FC236}">
-                <a16:creationId xmlns:a16="http://schemas.microsoft.com/office/drawing/2014/main" id="{CA1568C3-84F4-F30F-8BCD-BC723B9AB585}"/>
-              </a:ext>
-            </a:extLst>
-          </p:cNvPr>
-          <p:cNvSpPr txBox="1"/>
+      <p:pic>
+        <p:nvPicPr>
+          <p:cNvPr id="15" name="Picture 14" descr="A screen shot of a black screen&#10;&#10;Description automatically generated">
+            <a:extLst>
+              <a:ext uri="{FF2B5EF4-FFF2-40B4-BE49-F238E27FC236}">
+                <a16:creationId xmlns:a16="http://schemas.microsoft.com/office/drawing/2014/main" id="{FFFF377B-89A0-9A46-7FA4-CE17E46207D8}"/>
+              </a:ext>
+            </a:extLst>
+          </p:cNvPr>
+          <p:cNvPicPr>
+            <a:picLocks noChangeAspect="1"/>
+          </p:cNvPicPr>
           <p:nvPr/>
-        </p:nvSpPr>
-        <p:spPr>
-          <a:xfrm>
-            <a:off x="1013972" y="254179"/>
-            <a:ext cx="4259515" cy="307777"/>
+        </p:nvPicPr>
+        <p:blipFill>
+          <a:blip r:embed="rId8"/>
+          <a:stretch>
+            <a:fillRect/>
+          </a:stretch>
+        </p:blipFill>
+        <p:spPr>
+          <a:xfrm>
+            <a:off x="6866450" y="3900196"/>
+            <a:ext cx="4979174" cy="2155340"/>
           </a:xfrm>
           <a:prstGeom prst="rect">
             <a:avLst/>
           </a:prstGeom>
-          <a:noFill/>
-        </p:spPr>
-        <p:txBody>
-          <a:bodyPr wrap="square" rtlCol="0">
-            <a:spAutoFit/>
-          </a:bodyPr>
-          <a:lstStyle/>
-          <a:p>
-            <a:r>
-              <a:rPr lang="it-IT" sz="1400" dirty="0">
-                <a:solidFill>
-                  <a:schemeClr val="bg1">
-                    <a:lumMod val="85000"/>
-                    <a:lumOff val="15000"/>
-                  </a:schemeClr>
-                </a:solidFill>
-                <a:latin typeface="Cascadia Code" panose="020B0609020000020004" pitchFamily="49" charset="0"/>
-                <a:cs typeface="Cascadia Code" panose="020B0609020000020004" pitchFamily="49" charset="0"/>
-              </a:rPr>
-              <a:t>Curva di Recall Gaussian Naive Bayes</a:t>
-            </a:r>
-          </a:p>
-        </p:txBody>
-      </p:sp>
-      <p:sp>
-        <p:nvSpPr>
-          <p:cNvPr id="18" name="TextBox 17">
-            <a:extLst>
-              <a:ext uri="{FF2B5EF4-FFF2-40B4-BE49-F238E27FC236}">
-                <a16:creationId xmlns:a16="http://schemas.microsoft.com/office/drawing/2014/main" id="{57DC8EC0-90BD-AC1A-A1AE-50FB9F009AE1}"/>
-              </a:ext>
-            </a:extLst>
-          </p:cNvPr>
-          <p:cNvSpPr txBox="1"/>
-          <p:nvPr/>
-        </p:nvSpPr>
-        <p:spPr>
-          <a:xfrm>
-            <a:off x="1013972" y="3193835"/>
-            <a:ext cx="4330330" cy="307777"/>
-          </a:xfrm>
-          <a:prstGeom prst="rect">
-            <a:avLst/>
-          </a:prstGeom>
-          <a:noFill/>
-        </p:spPr>
-        <p:txBody>
-          <a:bodyPr wrap="square" rtlCol="0">
-            <a:spAutoFit/>
-          </a:bodyPr>
-          <a:lstStyle/>
-          <a:p>
-            <a:r>
-              <a:rPr lang="it-IT" sz="1400" dirty="0">
-                <a:solidFill>
-                  <a:schemeClr val="bg1">
-                    <a:lumMod val="85000"/>
-                    <a:lumOff val="15000"/>
-                  </a:schemeClr>
-                </a:solidFill>
-                <a:latin typeface="Cascadia Code" panose="020B0609020000020004" pitchFamily="49" charset="0"/>
-                <a:cs typeface="Cascadia Code" panose="020B0609020000020004" pitchFamily="49" charset="0"/>
-              </a:rPr>
-              <a:t>Curva di Recall Regressione Logistica</a:t>
-            </a:r>
-          </a:p>
-        </p:txBody>
-      </p:sp>
-      <p:sp>
-        <p:nvSpPr>
-          <p:cNvPr id="19" name="TextBox 18">
-            <a:extLst>
-              <a:ext uri="{FF2B5EF4-FFF2-40B4-BE49-F238E27FC236}">
-                <a16:creationId xmlns:a16="http://schemas.microsoft.com/office/drawing/2014/main" id="{FF1E3AD2-141F-9B0F-5FB5-01B4CBD48092}"/>
-              </a:ext>
-            </a:extLst>
-          </p:cNvPr>
-          <p:cNvSpPr txBox="1"/>
-          <p:nvPr/>
-        </p:nvSpPr>
-        <p:spPr>
-          <a:xfrm>
-            <a:off x="6785111" y="2818764"/>
-            <a:ext cx="4759656" cy="1754326"/>
-          </a:xfrm>
-          <a:prstGeom prst="rect">
-            <a:avLst/>
-          </a:prstGeom>
-          <a:noFill/>
-        </p:spPr>
-        <p:txBody>
-          <a:bodyPr wrap="square" rtlCol="0">
-            <a:spAutoFit/>
-          </a:bodyPr>
-          <a:lstStyle/>
-          <a:p>
-            <a:pPr algn="just"/>
-            <a:r>
-              <a:rPr lang="it-IT" dirty="0">
-                <a:latin typeface="Cascadia Code" panose="020B0609020000020004" pitchFamily="49" charset="0"/>
-                <a:cs typeface="Cascadia Code" panose="020B0609020000020004" pitchFamily="49" charset="0"/>
-              </a:rPr>
-              <a:t>Dai grafici del recall durante il processo di apprendimento si nota come nel tempo dopo aver osservato un buon numero di esempi le percentuali tendano a stabilizzarsi.</a:t>
-            </a:r>
-          </a:p>
-        </p:txBody>
-      </p:sp>
+        </p:spPr>
+      </p:pic>
     </p:spTree>
     <p:extLst>
       <p:ext uri="{BB962C8B-B14F-4D97-AF65-F5344CB8AC3E}">
-        <p14:creationId xmlns:p14="http://schemas.microsoft.com/office/powerpoint/2010/main" val="1561796969"/>
+        <p14:creationId xmlns:p14="http://schemas.microsoft.com/office/powerpoint/2010/main" val="3912415714"/>
       </p:ext>
     </p:extLst>
   </p:cSld>
@@ -11491,7 +11480,7 @@
         </p:blipFill>
         <p:spPr>
           <a:xfrm>
-            <a:off x="0" y="0"/>
+            <a:off x="0" y="-1"/>
             <a:ext cx="6257024" cy="6857990"/>
           </a:xfrm>
           <a:prstGeom prst="rect">
@@ -11517,8 +11506,8 @@
         </p:nvSpPr>
         <p:spPr>
           <a:xfrm>
-            <a:off x="4102186" y="206381"/>
-            <a:ext cx="5793597" cy="587894"/>
+            <a:off x="6311747" y="656253"/>
+            <a:ext cx="4240258" cy="970450"/>
           </a:xfrm>
         </p:spPr>
         <p:txBody>
@@ -11528,26 +11517,30 @@
           <a:lstStyle/>
           <a:p>
             <a:pPr algn="l"/>
-            <a:r>
-              <a:rPr lang="it-IT" sz="4000" dirty="0">
-                <a:solidFill>
-                  <a:schemeClr val="bg1">
-                    <a:lumMod val="85000"/>
-                    <a:lumOff val="15000"/>
-                  </a:schemeClr>
-                </a:solidFill>
-                <a:latin typeface="Cascadia Code" panose="020B0609020000020004" pitchFamily="49" charset="0"/>
-                <a:cs typeface="Cascadia Code" panose="020B0609020000020004" pitchFamily="49" charset="0"/>
-              </a:rPr>
-              <a:t>ADASYN: </a:t>
-            </a:r>
             <a:r>
               <a:rPr lang="it-IT" sz="4000" dirty="0">
                 <a:latin typeface="Cascadia Code" panose="020B0609020000020004" pitchFamily="49" charset="0"/>
                 <a:cs typeface="Cascadia Code" panose="020B0609020000020004" pitchFamily="49" charset="0"/>
               </a:rPr>
-              <a:t>RISULTATI</a:t>
-            </a:r>
+              <a:t>SMOTE-ENN:</a:t>
+            </a:r>
+            <a:r>
+              <a:rPr lang="en-US" sz="1400" b="0" i="0" dirty="0">
+                <a:solidFill>
+                  <a:srgbClr val="D3AB03"/>
+                </a:solidFill>
+                <a:effectLst/>
+                <a:latin typeface="Sitka Display" pitchFamily="2" charset="0"/>
+              </a:rPr>
+              <a:t>Synthetic Minority    	Over-sampling Technique Edited Nearest Neighbors</a:t>
+            </a:r>
+            <a:endParaRPr lang="it-IT" sz="4000" dirty="0">
+              <a:solidFill>
+                <a:srgbClr val="D3AB03"/>
+              </a:solidFill>
+              <a:latin typeface="Sitka Display" pitchFamily="2" charset="0"/>
+              <a:cs typeface="Cascadia Code" panose="020B0609020000020004" pitchFamily="49" charset="0"/>
+            </a:endParaRPr>
           </a:p>
         </p:txBody>
       </p:sp>
@@ -11575,8 +11568,8 @@
         </p:blipFill>
         <p:spPr>
           <a:xfrm>
-            <a:off x="4951944" y="4777550"/>
-            <a:ext cx="2610159" cy="1231206"/>
+            <a:off x="5934975" y="4986264"/>
+            <a:ext cx="2150683" cy="1014472"/>
           </a:xfrm>
         </p:spPr>
       </p:pic>
@@ -11615,7 +11608,7 @@
                 <a:latin typeface="Cascadia Code" panose="020B0609020000020004" pitchFamily="49" charset="0"/>
                 <a:cs typeface="Cascadia Code" panose="020B0609020000020004" pitchFamily="49" charset="0"/>
               </a:rPr>
-              <a:t>03/09/2023</a:t>
+              <a:t>04/09/2023</a:t>
             </a:fld>
             <a:endParaRPr lang="it-IT" sz="1400" noProof="0" dirty="0">
               <a:solidFill>
@@ -11715,7 +11708,7 @@
           <p:cNvPr id="4" name="Picture 3" descr="A circular emblem with a shield and a lighthouse&#10;&#10;Description automatically generated">
             <a:extLst>
               <a:ext uri="{FF2B5EF4-FFF2-40B4-BE49-F238E27FC236}">
-                <a16:creationId xmlns:a16="http://schemas.microsoft.com/office/drawing/2014/main" id="{9584D0B1-AA07-ED5C-DDCA-0B7275F33345}"/>
+                <a16:creationId xmlns:a16="http://schemas.microsoft.com/office/drawing/2014/main" id="{30245586-CA60-1D68-1AEC-11E0E25A4844}"/>
               </a:ext>
             </a:extLst>
           </p:cNvPr>
@@ -11742,10 +11735,10 @@
       </p:pic>
       <p:pic>
         <p:nvPicPr>
-          <p:cNvPr id="6" name="Picture 5" descr="A graph of a number of objects&#10;&#10;Description automatically generated with medium confidence">
-            <a:extLst>
-              <a:ext uri="{FF2B5EF4-FFF2-40B4-BE49-F238E27FC236}">
-                <a16:creationId xmlns:a16="http://schemas.microsoft.com/office/drawing/2014/main" id="{337CC8E5-0ECE-FDB8-A8C2-2B627B807E4F}"/>
+          <p:cNvPr id="6" name="Picture 5" descr="A graph of a number of data&#10;&#10;Description automatically generated with medium confidence">
+            <a:extLst>
+              <a:ext uri="{FF2B5EF4-FFF2-40B4-BE49-F238E27FC236}">
+                <a16:creationId xmlns:a16="http://schemas.microsoft.com/office/drawing/2014/main" id="{E7F8A1B4-8661-DF49-4B40-AA4CA9F1C21B}"/>
               </a:ext>
             </a:extLst>
           </p:cNvPr>
@@ -11762,64 +11755,20 @@
         </p:blipFill>
         <p:spPr>
           <a:xfrm>
-            <a:off x="309322" y="1000656"/>
-            <a:ext cx="5786677" cy="3704222"/>
+            <a:off x="284583" y="438721"/>
+            <a:ext cx="4865915" cy="2905587"/>
           </a:xfrm>
           <a:prstGeom prst="rect">
             <a:avLst/>
           </a:prstGeom>
         </p:spPr>
       </p:pic>
-      <p:sp>
-        <p:nvSpPr>
-          <p:cNvPr id="7" name="TextBox 6">
-            <a:extLst>
-              <a:ext uri="{FF2B5EF4-FFF2-40B4-BE49-F238E27FC236}">
-                <a16:creationId xmlns:a16="http://schemas.microsoft.com/office/drawing/2014/main" id="{C4F19683-1886-B3ED-3A29-702F6DE55709}"/>
-              </a:ext>
-            </a:extLst>
-          </p:cNvPr>
-          <p:cNvSpPr txBox="1"/>
-          <p:nvPr/>
-        </p:nvSpPr>
-        <p:spPr>
-          <a:xfrm>
-            <a:off x="1050249" y="4904271"/>
-            <a:ext cx="2743200" cy="584775"/>
-          </a:xfrm>
-          <a:prstGeom prst="rect">
-            <a:avLst/>
-          </a:prstGeom>
-          <a:noFill/>
-        </p:spPr>
-        <p:txBody>
-          <a:bodyPr wrap="square" rtlCol="0">
-            <a:spAutoFit/>
-          </a:bodyPr>
-          <a:lstStyle/>
-          <a:p>
-            <a:r>
-              <a:rPr lang="it-IT" sz="1600" dirty="0">
-                <a:solidFill>
-                  <a:schemeClr val="bg1">
-                    <a:lumMod val="85000"/>
-                    <a:lumOff val="15000"/>
-                  </a:schemeClr>
-                </a:solidFill>
-                <a:latin typeface="Cascadia Code" panose="020B0609020000020004" pitchFamily="49" charset="0"/>
-                <a:cs typeface="Cascadia Code" panose="020B0609020000020004" pitchFamily="49" charset="0"/>
-              </a:rPr>
-              <a:t>Migliore modello regressione logistica </a:t>
-            </a:r>
-          </a:p>
-        </p:txBody>
-      </p:sp>
       <p:pic>
         <p:nvPicPr>
-          <p:cNvPr id="9" name="Picture 8" descr="A screenshot of a computer screen&#10;&#10;Description automatically generated">
-            <a:extLst>
-              <a:ext uri="{FF2B5EF4-FFF2-40B4-BE49-F238E27FC236}">
-                <a16:creationId xmlns:a16="http://schemas.microsoft.com/office/drawing/2014/main" id="{AD9397CB-AEE6-090E-5773-1A5CDC4DFB7E}"/>
+          <p:cNvPr id="8" name="Picture 7" descr="A pie chart with numbers and a few percentages&#10;&#10;Description automatically generated">
+            <a:extLst>
+              <a:ext uri="{FF2B5EF4-FFF2-40B4-BE49-F238E27FC236}">
+                <a16:creationId xmlns:a16="http://schemas.microsoft.com/office/drawing/2014/main" id="{AF1D5754-A2ED-3601-E2FA-DDEE5FF85CCD}"/>
               </a:ext>
             </a:extLst>
           </p:cNvPr>
@@ -11836,63 +11785,153 @@
         </p:blipFill>
         <p:spPr>
           <a:xfrm>
-            <a:off x="6866450" y="1389198"/>
-            <a:ext cx="4979174" cy="2216471"/>
+            <a:off x="2605317" y="3513692"/>
+            <a:ext cx="3651707" cy="2834895"/>
           </a:xfrm>
           <a:prstGeom prst="rect">
             <a:avLst/>
           </a:prstGeom>
         </p:spPr>
       </p:pic>
-      <p:pic>
-        <p:nvPicPr>
-          <p:cNvPr id="15" name="Picture 14" descr="A screen shot of a black screen&#10;&#10;Description automatically generated">
-            <a:extLst>
-              <a:ext uri="{FF2B5EF4-FFF2-40B4-BE49-F238E27FC236}">
-                <a16:creationId xmlns:a16="http://schemas.microsoft.com/office/drawing/2014/main" id="{FFFF377B-89A0-9A46-7FA4-CE17E46207D8}"/>
-              </a:ext>
-            </a:extLst>
-          </p:cNvPr>
-          <p:cNvPicPr>
-            <a:picLocks noChangeAspect="1"/>
-          </p:cNvPicPr>
+      <p:sp>
+        <p:nvSpPr>
+          <p:cNvPr id="9" name="TextBox 8">
+            <a:extLst>
+              <a:ext uri="{FF2B5EF4-FFF2-40B4-BE49-F238E27FC236}">
+                <a16:creationId xmlns:a16="http://schemas.microsoft.com/office/drawing/2014/main" id="{39A6429A-6483-6BAC-822C-4EE6418F52C1}"/>
+              </a:ext>
+            </a:extLst>
+          </p:cNvPr>
+          <p:cNvSpPr txBox="1"/>
           <p:nvPr/>
-        </p:nvPicPr>
-        <p:blipFill>
-          <a:blip r:embed="rId8"/>
-          <a:stretch>
-            <a:fillRect/>
-          </a:stretch>
-        </p:blipFill>
-        <p:spPr>
-          <a:xfrm>
-            <a:off x="6866450" y="3900196"/>
-            <a:ext cx="4979174" cy="2155340"/>
+        </p:nvSpPr>
+        <p:spPr>
+          <a:xfrm>
+            <a:off x="6541607" y="1797191"/>
+            <a:ext cx="5406324" cy="3139321"/>
           </a:xfrm>
           <a:prstGeom prst="rect">
             <a:avLst/>
           </a:prstGeom>
-        </p:spPr>
-      </p:pic>
+          <a:noFill/>
+        </p:spPr>
+        <p:txBody>
+          <a:bodyPr wrap="square" rtlCol="0">
+            <a:spAutoFit/>
+          </a:bodyPr>
+          <a:lstStyle/>
+          <a:p>
+            <a:pPr algn="just"/>
+            <a:r>
+              <a:rPr lang="it-IT" dirty="0">
+                <a:latin typeface="Cascadia Code" panose="020B0609020000020004" pitchFamily="49" charset="0"/>
+                <a:cs typeface="Cascadia Code" panose="020B0609020000020004" pitchFamily="49" charset="0"/>
+              </a:rPr>
+              <a:t>Tecnica di campionamento ad approccio misto:</a:t>
+            </a:r>
+          </a:p>
+          <a:p>
+            <a:pPr algn="just"/>
+            <a:endParaRPr lang="it-IT" dirty="0">
+              <a:latin typeface="Cascadia Code" panose="020B0609020000020004" pitchFamily="49" charset="0"/>
+              <a:cs typeface="Cascadia Code" panose="020B0609020000020004" pitchFamily="49" charset="0"/>
+            </a:endParaRPr>
+          </a:p>
+          <a:p>
+            <a:pPr marL="285750" indent="-285750" algn="just">
+              <a:buFont typeface="Arial" panose="020B0604020202020204" pitchFamily="34" charset="0"/>
+              <a:buChar char="•"/>
+            </a:pPr>
+            <a:r>
+              <a:rPr lang="it-IT" dirty="0">
+                <a:latin typeface="Cascadia Code" panose="020B0609020000020004" pitchFamily="49" charset="0"/>
+                <a:cs typeface="Cascadia Code" panose="020B0609020000020004" pitchFamily="49" charset="0"/>
+              </a:rPr>
+              <a:t>SMOTE: tecnica di oversampling per la generazione sintetica di esempi della classe minoritaria.</a:t>
+            </a:r>
+          </a:p>
+          <a:p>
+            <a:pPr algn="just"/>
+            <a:endParaRPr lang="it-IT" dirty="0">
+              <a:latin typeface="Cascadia Code" panose="020B0609020000020004" pitchFamily="49" charset="0"/>
+              <a:cs typeface="Cascadia Code" panose="020B0609020000020004" pitchFamily="49" charset="0"/>
+            </a:endParaRPr>
+          </a:p>
+          <a:p>
+            <a:pPr marL="285750" indent="-285750" algn="just">
+              <a:buFont typeface="Arial" panose="020B0604020202020204" pitchFamily="34" charset="0"/>
+              <a:buChar char="•"/>
+            </a:pPr>
+            <a:r>
+              <a:rPr lang="it-IT" dirty="0">
+                <a:latin typeface="Cascadia Code" panose="020B0609020000020004" pitchFamily="49" charset="0"/>
+                <a:cs typeface="Cascadia Code" panose="020B0609020000020004" pitchFamily="49" charset="0"/>
+              </a:rPr>
+              <a:t>ENN: tecnica di undersampling la quale elimina esempi della classe maggioritaria rispetto alla densità della loro distribuzione. </a:t>
+            </a:r>
+          </a:p>
+        </p:txBody>
+      </p:sp>
+      <p:sp>
+        <p:nvSpPr>
+          <p:cNvPr id="10" name="TextBox 9">
+            <a:extLst>
+              <a:ext uri="{FF2B5EF4-FFF2-40B4-BE49-F238E27FC236}">
+                <a16:creationId xmlns:a16="http://schemas.microsoft.com/office/drawing/2014/main" id="{7A53F5A4-4835-54EA-6262-500300F9A0BE}"/>
+              </a:ext>
+            </a:extLst>
+          </p:cNvPr>
+          <p:cNvSpPr txBox="1"/>
+          <p:nvPr/>
+        </p:nvSpPr>
+        <p:spPr>
+          <a:xfrm>
+            <a:off x="9175427" y="5207019"/>
+            <a:ext cx="2640500" cy="523220"/>
+          </a:xfrm>
+          <a:prstGeom prst="rect">
+            <a:avLst/>
+          </a:prstGeom>
+          <a:noFill/>
+        </p:spPr>
+        <p:txBody>
+          <a:bodyPr wrap="square" rtlCol="0">
+            <a:spAutoFit/>
+          </a:bodyPr>
+          <a:lstStyle/>
+          <a:p>
+            <a:r>
+              <a:rPr lang="it-IT" sz="1400" dirty="0">
+                <a:solidFill>
+                  <a:srgbClr val="D3AB03"/>
+                </a:solidFill>
+                <a:latin typeface="Cascadia Code" panose="020B0609020000020004" pitchFamily="49" charset="0"/>
+                <a:cs typeface="Cascadia Code" panose="020B0609020000020004" pitchFamily="49" charset="0"/>
+              </a:rPr>
+              <a:t>ENN è capace di rimuovere outliers!!!</a:t>
+            </a:r>
+          </a:p>
+        </p:txBody>
+      </p:sp>
     </p:spTree>
     <p:extLst>
       <p:ext uri="{BB962C8B-B14F-4D97-AF65-F5344CB8AC3E}">
-        <p14:creationId xmlns:p14="http://schemas.microsoft.com/office/powerpoint/2010/main" val="3912415714"/>
+        <p14:creationId xmlns:p14="http://schemas.microsoft.com/office/powerpoint/2010/main" val="3863627104"/>
       </p:ext>
     </p:extLst>
   </p:cSld>
   <p:clrMapOvr>
     <a:masterClrMapping/>
   </p:clrMapOvr>
-  <mc:AlternateContent xmlns:mc="http://schemas.openxmlformats.org/markup-compatibility/2006" xmlns:p14="http://schemas.microsoft.com/office/powerpoint/2010/main">
-    <mc:Choice Requires="p14">
-      <p:transition spd="slow" p14:dur="2500">
-        <p:checker/>
+  <mc:AlternateContent xmlns:mc="http://schemas.openxmlformats.org/markup-compatibility/2006" xmlns:p15="http://schemas.microsoft.com/office/powerpoint/2012/main">
+    <mc:Choice Requires="p15">
+      <p:transition xmlns:p14="http://schemas.microsoft.com/office/powerpoint/2010/main" spd="slow" p14:dur="2000">
+        <p15:prstTrans prst="fallOver"/>
       </p:transition>
     </mc:Choice>
     <mc:Fallback xmlns="">
       <p:transition spd="slow">
-        <p:checker/>
+        <p:fade/>
       </p:transition>
     </mc:Fallback>
   </mc:AlternateContent>
@@ -11972,8 +12011,8 @@
         </p:nvSpPr>
         <p:spPr>
           <a:xfrm>
-            <a:off x="6311747" y="656253"/>
-            <a:ext cx="4240258" cy="970450"/>
+            <a:off x="6642714" y="1395800"/>
+            <a:ext cx="4538124" cy="970450"/>
           </a:xfrm>
         </p:spPr>
         <p:txBody>
@@ -11988,25 +12027,8 @@
                 <a:latin typeface="Cascadia Code" panose="020B0609020000020004" pitchFamily="49" charset="0"/>
                 <a:cs typeface="Cascadia Code" panose="020B0609020000020004" pitchFamily="49" charset="0"/>
               </a:rPr>
-              <a:t>SMOTE-ENN:</a:t>
-            </a:r>
-            <a:r>
-              <a:rPr lang="en-US" sz="1400" b="0" i="0" dirty="0">
-                <a:solidFill>
-                  <a:srgbClr val="D3AB03"/>
-                </a:solidFill>
-                <a:effectLst/>
-                <a:latin typeface="Sitka Display" pitchFamily="2" charset="0"/>
-              </a:rPr>
-              <a:t>Synthetic Minority    	Over-sampling Technique Edited Nearest Neighbors</a:t>
-            </a:r>
-            <a:endParaRPr lang="it-IT" sz="4000" dirty="0">
-              <a:solidFill>
-                <a:srgbClr val="D3AB03"/>
-              </a:solidFill>
-              <a:latin typeface="Sitka Display" pitchFamily="2" charset="0"/>
-              <a:cs typeface="Cascadia Code" panose="020B0609020000020004" pitchFamily="49" charset="0"/>
-            </a:endParaRPr>
+              <a:t>SMOTE-ENN: CURVE DI APPRENDIMENTO</a:t>
+            </a:r>
           </a:p>
         </p:txBody>
       </p:sp>
@@ -12034,8 +12056,8 @@
         </p:blipFill>
         <p:spPr>
           <a:xfrm>
-            <a:off x="5934975" y="4986264"/>
-            <a:ext cx="2150683" cy="1014472"/>
+            <a:off x="7768935" y="5005963"/>
+            <a:ext cx="2879694" cy="812700"/>
           </a:xfrm>
         </p:spPr>
       </p:pic>
@@ -12074,7 +12096,7 @@
                 <a:latin typeface="Cascadia Code" panose="020B0609020000020004" pitchFamily="49" charset="0"/>
                 <a:cs typeface="Cascadia Code" panose="020B0609020000020004" pitchFamily="49" charset="0"/>
               </a:rPr>
-              <a:t>03/09/2023</a:t>
+              <a:t>04/09/2023</a:t>
             </a:fld>
             <a:endParaRPr lang="it-IT" sz="1400" noProof="0" dirty="0">
               <a:solidFill>
@@ -12174,7 +12196,7 @@
           <p:cNvPr id="4" name="Picture 3" descr="A circular emblem with a shield and a lighthouse&#10;&#10;Description automatically generated">
             <a:extLst>
               <a:ext uri="{FF2B5EF4-FFF2-40B4-BE49-F238E27FC236}">
-                <a16:creationId xmlns:a16="http://schemas.microsoft.com/office/drawing/2014/main" id="{30245586-CA60-1D68-1AEC-11E0E25A4844}"/>
+                <a16:creationId xmlns:a16="http://schemas.microsoft.com/office/drawing/2014/main" id="{BE383101-6B80-D1D5-7791-DA58722FB567}"/>
               </a:ext>
             </a:extLst>
           </p:cNvPr>
@@ -12201,10 +12223,10 @@
       </p:pic>
       <p:pic>
         <p:nvPicPr>
-          <p:cNvPr id="6" name="Picture 5" descr="A graph of a number of data&#10;&#10;Description automatically generated with medium confidence">
-            <a:extLst>
-              <a:ext uri="{FF2B5EF4-FFF2-40B4-BE49-F238E27FC236}">
-                <a16:creationId xmlns:a16="http://schemas.microsoft.com/office/drawing/2014/main" id="{E7F8A1B4-8661-DF49-4B40-AA4CA9F1C21B}"/>
+          <p:cNvPr id="6" name="Picture 5" descr="A graph showing the growth of a stock market&#10;&#10;Description automatically generated">
+            <a:extLst>
+              <a:ext uri="{FF2B5EF4-FFF2-40B4-BE49-F238E27FC236}">
+                <a16:creationId xmlns:a16="http://schemas.microsoft.com/office/drawing/2014/main" id="{5ECA4327-FA6C-1DC1-DA88-44AAF83B5FC7}"/>
               </a:ext>
             </a:extLst>
           </p:cNvPr>
@@ -12221,8 +12243,8 @@
         </p:blipFill>
         <p:spPr>
           <a:xfrm>
-            <a:off x="284583" y="438721"/>
-            <a:ext cx="4865915" cy="2905587"/>
+            <a:off x="400610" y="519662"/>
+            <a:ext cx="5695389" cy="2389669"/>
           </a:xfrm>
           <a:prstGeom prst="rect">
             <a:avLst/>
@@ -12231,10 +12253,10 @@
       </p:pic>
       <p:pic>
         <p:nvPicPr>
-          <p:cNvPr id="8" name="Picture 7" descr="A pie chart with numbers and a few percentages&#10;&#10;Description automatically generated">
-            <a:extLst>
-              <a:ext uri="{FF2B5EF4-FFF2-40B4-BE49-F238E27FC236}">
-                <a16:creationId xmlns:a16="http://schemas.microsoft.com/office/drawing/2014/main" id="{AF1D5754-A2ED-3601-E2FA-DDEE5FF85CCD}"/>
+          <p:cNvPr id="8" name="Picture 7" descr="A graph showing a line&#10;&#10;Description automatically generated">
+            <a:extLst>
+              <a:ext uri="{FF2B5EF4-FFF2-40B4-BE49-F238E27FC236}">
+                <a16:creationId xmlns:a16="http://schemas.microsoft.com/office/drawing/2014/main" id="{63E66F4F-0D35-EA51-9EE0-8392A1C2D5AB}"/>
               </a:ext>
             </a:extLst>
           </p:cNvPr>
@@ -12251,8 +12273,8 @@
         </p:blipFill>
         <p:spPr>
           <a:xfrm>
-            <a:off x="2605317" y="3513692"/>
-            <a:ext cx="3651707" cy="2834895"/>
+            <a:off x="487695" y="3428994"/>
+            <a:ext cx="5608304" cy="2389669"/>
           </a:xfrm>
           <a:prstGeom prst="rect">
             <a:avLst/>
@@ -12261,10 +12283,10 @@
       </p:pic>
       <p:sp>
         <p:nvSpPr>
-          <p:cNvPr id="9" name="TextBox 8">
-            <a:extLst>
-              <a:ext uri="{FF2B5EF4-FFF2-40B4-BE49-F238E27FC236}">
-                <a16:creationId xmlns:a16="http://schemas.microsoft.com/office/drawing/2014/main" id="{39A6429A-6483-6BAC-822C-4EE6418F52C1}"/>
+          <p:cNvPr id="15" name="TextBox 14">
+            <a:extLst>
+              <a:ext uri="{FF2B5EF4-FFF2-40B4-BE49-F238E27FC236}">
+                <a16:creationId xmlns:a16="http://schemas.microsoft.com/office/drawing/2014/main" id="{583F50C2-BB26-6A05-E73D-46FEFCA3A9BB}"/>
               </a:ext>
             </a:extLst>
           </p:cNvPr>
@@ -12273,8 +12295,8 @@
         </p:nvSpPr>
         <p:spPr>
           <a:xfrm>
-            <a:off x="6541607" y="1797191"/>
-            <a:ext cx="5406324" cy="3139321"/>
+            <a:off x="1013972" y="254179"/>
+            <a:ext cx="4259515" cy="307777"/>
           </a:xfrm>
           <a:prstGeom prst="rect">
             <a:avLst/>
@@ -12287,63 +12309,28 @@
           </a:bodyPr>
           <a:lstStyle/>
           <a:p>
-            <a:pPr algn="just"/>
-            <a:r>
-              <a:rPr lang="it-IT" dirty="0">
+            <a:r>
+              <a:rPr lang="it-IT" sz="1400" dirty="0">
+                <a:solidFill>
+                  <a:schemeClr val="bg1">
+                    <a:lumMod val="85000"/>
+                    <a:lumOff val="15000"/>
+                  </a:schemeClr>
+                </a:solidFill>
                 <a:latin typeface="Cascadia Code" panose="020B0609020000020004" pitchFamily="49" charset="0"/>
                 <a:cs typeface="Cascadia Code" panose="020B0609020000020004" pitchFamily="49" charset="0"/>
               </a:rPr>
-              <a:t>Tecnica di campionamento ad approccio misto:</a:t>
-            </a:r>
-          </a:p>
-          <a:p>
-            <a:pPr algn="just"/>
-            <a:endParaRPr lang="it-IT" dirty="0">
-              <a:latin typeface="Cascadia Code" panose="020B0609020000020004" pitchFamily="49" charset="0"/>
-              <a:cs typeface="Cascadia Code" panose="020B0609020000020004" pitchFamily="49" charset="0"/>
-            </a:endParaRPr>
-          </a:p>
-          <a:p>
-            <a:pPr marL="285750" indent="-285750" algn="just">
-              <a:buFont typeface="Arial" panose="020B0604020202020204" pitchFamily="34" charset="0"/>
-              <a:buChar char="•"/>
-            </a:pPr>
-            <a:r>
-              <a:rPr lang="it-IT" dirty="0">
-                <a:latin typeface="Cascadia Code" panose="020B0609020000020004" pitchFamily="49" charset="0"/>
-                <a:cs typeface="Cascadia Code" panose="020B0609020000020004" pitchFamily="49" charset="0"/>
-              </a:rPr>
-              <a:t>SMOTE: tecnica di oversampling per la generazione sintetica di esempi della classe minoritaria.</a:t>
-            </a:r>
-          </a:p>
-          <a:p>
-            <a:pPr algn="just"/>
-            <a:endParaRPr lang="it-IT" dirty="0">
-              <a:latin typeface="Cascadia Code" panose="020B0609020000020004" pitchFamily="49" charset="0"/>
-              <a:cs typeface="Cascadia Code" panose="020B0609020000020004" pitchFamily="49" charset="0"/>
-            </a:endParaRPr>
-          </a:p>
-          <a:p>
-            <a:pPr marL="285750" indent="-285750" algn="just">
-              <a:buFont typeface="Arial" panose="020B0604020202020204" pitchFamily="34" charset="0"/>
-              <a:buChar char="•"/>
-            </a:pPr>
-            <a:r>
-              <a:rPr lang="it-IT" dirty="0">
-                <a:latin typeface="Cascadia Code" panose="020B0609020000020004" pitchFamily="49" charset="0"/>
-                <a:cs typeface="Cascadia Code" panose="020B0609020000020004" pitchFamily="49" charset="0"/>
-              </a:rPr>
-              <a:t>ENN: tecnica di undersampling la quale elimina esempi della classe maggioritaria rispetto alla densità della loro distribuzione. </a:t>
-            </a:r>
-          </a:p>
-        </p:txBody>
-      </p:sp>
-      <p:sp>
-        <p:nvSpPr>
-          <p:cNvPr id="10" name="TextBox 9">
-            <a:extLst>
-              <a:ext uri="{FF2B5EF4-FFF2-40B4-BE49-F238E27FC236}">
-                <a16:creationId xmlns:a16="http://schemas.microsoft.com/office/drawing/2014/main" id="{7A53F5A4-4835-54EA-6262-500300F9A0BE}"/>
+              <a:t>Curva di Recall Gaussian Naive Bayes</a:t>
+            </a:r>
+          </a:p>
+        </p:txBody>
+      </p:sp>
+      <p:sp>
+        <p:nvSpPr>
+          <p:cNvPr id="16" name="TextBox 15">
+            <a:extLst>
+              <a:ext uri="{FF2B5EF4-FFF2-40B4-BE49-F238E27FC236}">
+                <a16:creationId xmlns:a16="http://schemas.microsoft.com/office/drawing/2014/main" id="{EB260007-3076-0877-326D-357657350922}"/>
               </a:ext>
             </a:extLst>
           </p:cNvPr>
@@ -12352,8 +12339,8 @@
         </p:nvSpPr>
         <p:spPr>
           <a:xfrm>
-            <a:off x="9175427" y="5207019"/>
-            <a:ext cx="2640500" cy="523220"/>
+            <a:off x="1013972" y="3193835"/>
+            <a:ext cx="4330330" cy="307777"/>
           </a:xfrm>
           <a:prstGeom prst="rect">
             <a:avLst/>
@@ -12369,12 +12356,54 @@
             <a:r>
               <a:rPr lang="it-IT" sz="1400" dirty="0">
                 <a:solidFill>
-                  <a:srgbClr val="D3AB03"/>
+                  <a:schemeClr val="bg1">
+                    <a:lumMod val="85000"/>
+                    <a:lumOff val="15000"/>
+                  </a:schemeClr>
                 </a:solidFill>
                 <a:latin typeface="Cascadia Code" panose="020B0609020000020004" pitchFamily="49" charset="0"/>
                 <a:cs typeface="Cascadia Code" panose="020B0609020000020004" pitchFamily="49" charset="0"/>
               </a:rPr>
-              <a:t>ENN è capace di rimuovere outliers!!!</a:t>
+              <a:t>Curva di Recall Regressione Logistica</a:t>
+            </a:r>
+          </a:p>
+        </p:txBody>
+      </p:sp>
+      <p:sp>
+        <p:nvSpPr>
+          <p:cNvPr id="17" name="TextBox 16">
+            <a:extLst>
+              <a:ext uri="{FF2B5EF4-FFF2-40B4-BE49-F238E27FC236}">
+                <a16:creationId xmlns:a16="http://schemas.microsoft.com/office/drawing/2014/main" id="{DAC8D6D8-D9E3-5FAD-41E3-71A829EFC530}"/>
+              </a:ext>
+            </a:extLst>
+          </p:cNvPr>
+          <p:cNvSpPr txBox="1"/>
+          <p:nvPr/>
+        </p:nvSpPr>
+        <p:spPr>
+          <a:xfrm>
+            <a:off x="6688520" y="2944175"/>
+            <a:ext cx="4767943" cy="1569660"/>
+          </a:xfrm>
+          <a:prstGeom prst="rect">
+            <a:avLst/>
+          </a:prstGeom>
+          <a:noFill/>
+        </p:spPr>
+        <p:txBody>
+          <a:bodyPr wrap="square" rtlCol="0">
+            <a:spAutoFit/>
+          </a:bodyPr>
+          <a:lstStyle/>
+          <a:p>
+            <a:pPr algn="just"/>
+            <a:r>
+              <a:rPr lang="it-IT" sz="1600" dirty="0">
+                <a:latin typeface="Cascadia Code" panose="020B0609020000020004" pitchFamily="49" charset="0"/>
+                <a:cs typeface="Cascadia Code" panose="020B0609020000020004" pitchFamily="49" charset="0"/>
+              </a:rPr>
+              <a:t>Anche con lo smote-enn si distingue un buon apprendimento che inizialmente prima dei 2000 esempi necessita di assestarsi, ma con il numero maggiore di esempi si stabilizza per entrambi i modelli.</a:t>
             </a:r>
           </a:p>
         </p:txBody>
@@ -12382,22 +12411,22 @@
     </p:spTree>
     <p:extLst>
       <p:ext uri="{BB962C8B-B14F-4D97-AF65-F5344CB8AC3E}">
-        <p14:creationId xmlns:p14="http://schemas.microsoft.com/office/powerpoint/2010/main" val="3863627104"/>
+        <p14:creationId xmlns:p14="http://schemas.microsoft.com/office/powerpoint/2010/main" val="1572204746"/>
       </p:ext>
     </p:extLst>
   </p:cSld>
   <p:clrMapOvr>
     <a:masterClrMapping/>
   </p:clrMapOvr>
-  <mc:AlternateContent xmlns:mc="http://schemas.openxmlformats.org/markup-compatibility/2006" xmlns:p15="http://schemas.microsoft.com/office/powerpoint/2012/main">
-    <mc:Choice Requires="p15">
-      <p:transition xmlns:p14="http://schemas.microsoft.com/office/powerpoint/2010/main" spd="slow" p14:dur="2000">
-        <p15:prstTrans prst="fallOver"/>
+  <mc:AlternateContent xmlns:mc="http://schemas.openxmlformats.org/markup-compatibility/2006" xmlns:p14="http://schemas.microsoft.com/office/powerpoint/2010/main">
+    <mc:Choice Requires="p14">
+      <p:transition spd="slow" p14:dur="2500">
+        <p:checker/>
       </p:transition>
     </mc:Choice>
     <mc:Fallback xmlns="">
       <p:transition spd="slow">
-        <p:fade/>
+        <p:checker/>
       </p:transition>
     </mc:Fallback>
   </mc:AlternateContent>
@@ -12477,8 +12506,8 @@
         </p:nvSpPr>
         <p:spPr>
           <a:xfrm>
-            <a:off x="6642714" y="1395800"/>
-            <a:ext cx="4538124" cy="970450"/>
+            <a:off x="3307646" y="135976"/>
+            <a:ext cx="6008201" cy="712303"/>
           </a:xfrm>
         </p:spPr>
         <p:txBody>
@@ -12488,12 +12517,25 @@
           <a:lstStyle/>
           <a:p>
             <a:pPr algn="l"/>
+            <a:r>
+              <a:rPr lang="it-IT" sz="4000" dirty="0">
+                <a:solidFill>
+                  <a:schemeClr val="bg1">
+                    <a:lumMod val="85000"/>
+                    <a:lumOff val="15000"/>
+                  </a:schemeClr>
+                </a:solidFill>
+                <a:latin typeface="Cascadia Code" panose="020B0609020000020004" pitchFamily="49" charset="0"/>
+                <a:cs typeface="Cascadia Code" panose="020B0609020000020004" pitchFamily="49" charset="0"/>
+              </a:rPr>
+              <a:t>SMOTE-ENN: </a:t>
+            </a:r>
             <a:r>
               <a:rPr lang="it-IT" sz="4000" dirty="0">
                 <a:latin typeface="Cascadia Code" panose="020B0609020000020004" pitchFamily="49" charset="0"/>
                 <a:cs typeface="Cascadia Code" panose="020B0609020000020004" pitchFamily="49" charset="0"/>
               </a:rPr>
-              <a:t>SMOTE-ENN: CURVE DI APPRENDIMENTO</a:t>
+              <a:t>RISULTATI</a:t>
             </a:r>
           </a:p>
         </p:txBody>
@@ -12522,8 +12564,8 @@
         </p:blipFill>
         <p:spPr>
           <a:xfrm>
-            <a:off x="7768935" y="5005963"/>
-            <a:ext cx="2879694" cy="812700"/>
+            <a:off x="4934069" y="4761897"/>
+            <a:ext cx="2645909" cy="1248069"/>
           </a:xfrm>
         </p:spPr>
       </p:pic>
@@ -12562,7 +12604,7 @@
                 <a:latin typeface="Cascadia Code" panose="020B0609020000020004" pitchFamily="49" charset="0"/>
                 <a:cs typeface="Cascadia Code" panose="020B0609020000020004" pitchFamily="49" charset="0"/>
               </a:rPr>
-              <a:t>03/09/2023</a:t>
+              <a:t>04/09/2023</a:t>
             </a:fld>
             <a:endParaRPr lang="it-IT" sz="1400" noProof="0" dirty="0">
               <a:solidFill>
@@ -12662,7 +12704,7 @@
           <p:cNvPr id="4" name="Picture 3" descr="A circular emblem with a shield and a lighthouse&#10;&#10;Description automatically generated">
             <a:extLst>
               <a:ext uri="{FF2B5EF4-FFF2-40B4-BE49-F238E27FC236}">
-                <a16:creationId xmlns:a16="http://schemas.microsoft.com/office/drawing/2014/main" id="{BE383101-6B80-D1D5-7791-DA58722FB567}"/>
+                <a16:creationId xmlns:a16="http://schemas.microsoft.com/office/drawing/2014/main" id="{DF0D854A-0540-F6C7-BF30-8AD5C2F70067}"/>
               </a:ext>
             </a:extLst>
           </p:cNvPr>
@@ -12689,10 +12731,10 @@
       </p:pic>
       <p:pic>
         <p:nvPicPr>
-          <p:cNvPr id="6" name="Picture 5" descr="A graph showing the growth of a stock market&#10;&#10;Description automatically generated">
-            <a:extLst>
-              <a:ext uri="{FF2B5EF4-FFF2-40B4-BE49-F238E27FC236}">
-                <a16:creationId xmlns:a16="http://schemas.microsoft.com/office/drawing/2014/main" id="{5ECA4327-FA6C-1DC1-DA88-44AAF83B5FC7}"/>
+          <p:cNvPr id="8" name="Picture 7" descr="A graph showing the number of indicators&#10;&#10;Description automatically generated with medium confidence">
+            <a:extLst>
+              <a:ext uri="{FF2B5EF4-FFF2-40B4-BE49-F238E27FC236}">
+                <a16:creationId xmlns:a16="http://schemas.microsoft.com/office/drawing/2014/main" id="{2AB09783-1F27-305E-0D90-2371602E4B57}"/>
               </a:ext>
             </a:extLst>
           </p:cNvPr>
@@ -12709,8 +12751,8 @@
         </p:blipFill>
         <p:spPr>
           <a:xfrm>
-            <a:off x="400610" y="519662"/>
-            <a:ext cx="5695389" cy="2389669"/>
+            <a:off x="444699" y="984256"/>
+            <a:ext cx="5651301" cy="3578413"/>
           </a:xfrm>
           <a:prstGeom prst="rect">
             <a:avLst/>
@@ -12719,10 +12761,10 @@
       </p:pic>
       <p:pic>
         <p:nvPicPr>
-          <p:cNvPr id="8" name="Picture 7" descr="A graph showing a line&#10;&#10;Description automatically generated">
-            <a:extLst>
-              <a:ext uri="{FF2B5EF4-FFF2-40B4-BE49-F238E27FC236}">
-                <a16:creationId xmlns:a16="http://schemas.microsoft.com/office/drawing/2014/main" id="{63E66F4F-0D35-EA51-9EE0-8392A1C2D5AB}"/>
+          <p:cNvPr id="10" name="Picture 9" descr="A screenshot of a computer screen&#10;&#10;Description automatically generated">
+            <a:extLst>
+              <a:ext uri="{FF2B5EF4-FFF2-40B4-BE49-F238E27FC236}">
+                <a16:creationId xmlns:a16="http://schemas.microsoft.com/office/drawing/2014/main" id="{46363621-B0CE-096D-A800-B5070554EF0D}"/>
               </a:ext>
             </a:extLst>
           </p:cNvPr>
@@ -12739,20 +12781,50 @@
         </p:blipFill>
         <p:spPr>
           <a:xfrm>
-            <a:off x="487695" y="3428994"/>
-            <a:ext cx="5608304" cy="2389669"/>
+            <a:off x="6841803" y="1460352"/>
+            <a:ext cx="5066523" cy="2057578"/>
           </a:xfrm>
           <a:prstGeom prst="rect">
             <a:avLst/>
           </a:prstGeom>
         </p:spPr>
       </p:pic>
-      <p:sp>
-        <p:nvSpPr>
-          <p:cNvPr id="15" name="TextBox 14">
-            <a:extLst>
-              <a:ext uri="{FF2B5EF4-FFF2-40B4-BE49-F238E27FC236}">
-                <a16:creationId xmlns:a16="http://schemas.microsoft.com/office/drawing/2014/main" id="{583F50C2-BB26-6A05-E73D-46FEFCA3A9BB}"/>
+      <p:pic>
+        <p:nvPicPr>
+          <p:cNvPr id="16" name="Picture 15" descr="A screen shot of a computer&#10;&#10;Description automatically generated">
+            <a:extLst>
+              <a:ext uri="{FF2B5EF4-FFF2-40B4-BE49-F238E27FC236}">
+                <a16:creationId xmlns:a16="http://schemas.microsoft.com/office/drawing/2014/main" id="{4FF4E214-AFB9-98A4-9B10-2CF6E82AD216}"/>
+              </a:ext>
+            </a:extLst>
+          </p:cNvPr>
+          <p:cNvPicPr>
+            <a:picLocks noChangeAspect="1"/>
+          </p:cNvPicPr>
+          <p:nvPr/>
+        </p:nvPicPr>
+        <p:blipFill>
+          <a:blip r:embed="rId8"/>
+          <a:stretch>
+            <a:fillRect/>
+          </a:stretch>
+        </p:blipFill>
+        <p:spPr>
+          <a:xfrm>
+            <a:off x="6859418" y="3877674"/>
+            <a:ext cx="5048908" cy="2156647"/>
+          </a:xfrm>
+          <a:prstGeom prst="rect">
+            <a:avLst/>
+          </a:prstGeom>
+        </p:spPr>
+      </p:pic>
+      <p:sp>
+        <p:nvSpPr>
+          <p:cNvPr id="17" name="TextBox 16">
+            <a:extLst>
+              <a:ext uri="{FF2B5EF4-FFF2-40B4-BE49-F238E27FC236}">
+                <a16:creationId xmlns:a16="http://schemas.microsoft.com/office/drawing/2014/main" id="{B2A84299-721E-B262-6D89-C539D1386F7E}"/>
               </a:ext>
             </a:extLst>
           </p:cNvPr>
@@ -12761,8 +12833,8 @@
         </p:nvSpPr>
         <p:spPr>
           <a:xfrm>
-            <a:off x="1013972" y="254179"/>
-            <a:ext cx="4259515" cy="307777"/>
+            <a:off x="591948" y="4628209"/>
+            <a:ext cx="4040924" cy="1323439"/>
           </a:xfrm>
           <a:prstGeom prst="rect">
             <a:avLst/>
@@ -12775,8 +12847,9 @@
           </a:bodyPr>
           <a:lstStyle/>
           <a:p>
-            <a:r>
-              <a:rPr lang="it-IT" sz="1400" dirty="0">
+            <a:pPr algn="just"/>
+            <a:r>
+              <a:rPr lang="it-IT" sz="1600" dirty="0">
                 <a:solidFill>
                   <a:schemeClr val="bg1">
                     <a:lumMod val="85000"/>
@@ -12786,90 +12859,7 @@
                 <a:latin typeface="Cascadia Code" panose="020B0609020000020004" pitchFamily="49" charset="0"/>
                 <a:cs typeface="Cascadia Code" panose="020B0609020000020004" pitchFamily="49" charset="0"/>
               </a:rPr>
-              <a:t>Curva di Recall Gaussian Naive Bayes</a:t>
-            </a:r>
-          </a:p>
-        </p:txBody>
-      </p:sp>
-      <p:sp>
-        <p:nvSpPr>
-          <p:cNvPr id="16" name="TextBox 15">
-            <a:extLst>
-              <a:ext uri="{FF2B5EF4-FFF2-40B4-BE49-F238E27FC236}">
-                <a16:creationId xmlns:a16="http://schemas.microsoft.com/office/drawing/2014/main" id="{EB260007-3076-0877-326D-357657350922}"/>
-              </a:ext>
-            </a:extLst>
-          </p:cNvPr>
-          <p:cNvSpPr txBox="1"/>
-          <p:nvPr/>
-        </p:nvSpPr>
-        <p:spPr>
-          <a:xfrm>
-            <a:off x="1013972" y="3193835"/>
-            <a:ext cx="4330330" cy="307777"/>
-          </a:xfrm>
-          <a:prstGeom prst="rect">
-            <a:avLst/>
-          </a:prstGeom>
-          <a:noFill/>
-        </p:spPr>
-        <p:txBody>
-          <a:bodyPr wrap="square" rtlCol="0">
-            <a:spAutoFit/>
-          </a:bodyPr>
-          <a:lstStyle/>
-          <a:p>
-            <a:r>
-              <a:rPr lang="it-IT" sz="1400" dirty="0">
-                <a:solidFill>
-                  <a:schemeClr val="bg1">
-                    <a:lumMod val="85000"/>
-                    <a:lumOff val="15000"/>
-                  </a:schemeClr>
-                </a:solidFill>
-                <a:latin typeface="Cascadia Code" panose="020B0609020000020004" pitchFamily="49" charset="0"/>
-                <a:cs typeface="Cascadia Code" panose="020B0609020000020004" pitchFamily="49" charset="0"/>
-              </a:rPr>
-              <a:t>Curva di Recall Regressione Logistica</a:t>
-            </a:r>
-          </a:p>
-        </p:txBody>
-      </p:sp>
-      <p:sp>
-        <p:nvSpPr>
-          <p:cNvPr id="17" name="TextBox 16">
-            <a:extLst>
-              <a:ext uri="{FF2B5EF4-FFF2-40B4-BE49-F238E27FC236}">
-                <a16:creationId xmlns:a16="http://schemas.microsoft.com/office/drawing/2014/main" id="{DAC8D6D8-D9E3-5FAD-41E3-71A829EFC530}"/>
-              </a:ext>
-            </a:extLst>
-          </p:cNvPr>
-          <p:cNvSpPr txBox="1"/>
-          <p:nvPr/>
-        </p:nvSpPr>
-        <p:spPr>
-          <a:xfrm>
-            <a:off x="6688520" y="2944175"/>
-            <a:ext cx="4767943" cy="1569660"/>
-          </a:xfrm>
-          <a:prstGeom prst="rect">
-            <a:avLst/>
-          </a:prstGeom>
-          <a:noFill/>
-        </p:spPr>
-        <p:txBody>
-          <a:bodyPr wrap="square" rtlCol="0">
-            <a:spAutoFit/>
-          </a:bodyPr>
-          <a:lstStyle/>
-          <a:p>
-            <a:pPr algn="just"/>
-            <a:r>
-              <a:rPr lang="it-IT" sz="1600" dirty="0">
-                <a:latin typeface="Cascadia Code" panose="020B0609020000020004" pitchFamily="49" charset="0"/>
-                <a:cs typeface="Cascadia Code" panose="020B0609020000020004" pitchFamily="49" charset="0"/>
-              </a:rPr>
-              <a:t>Anche con lo smote-enn si distingue un buon apprendimento che inizialmente prima dei 2000 esempi necessita di assestarsi, ma con il numero maggiore di esempi si stabilizza per entrambi i modelli.</a:t>
+              <a:t>Contesa dura e non facile per noi dato il task meglio il gaussian naive bayes l’azienda potrà avere più certezze di non rimanere a corto di staff.</a:t>
             </a:r>
           </a:p>
         </p:txBody>
@@ -12877,7 +12867,7 @@
     </p:spTree>
     <p:extLst>
       <p:ext uri="{BB962C8B-B14F-4D97-AF65-F5344CB8AC3E}">
-        <p14:creationId xmlns:p14="http://schemas.microsoft.com/office/powerpoint/2010/main" val="1572204746"/>
+        <p14:creationId xmlns:p14="http://schemas.microsoft.com/office/powerpoint/2010/main" val="2042739400"/>
       </p:ext>
     </p:extLst>
   </p:cSld>
@@ -12946,7 +12936,7 @@
         </p:blipFill>
         <p:spPr>
           <a:xfrm>
-            <a:off x="0" y="-1"/>
+            <a:off x="7595" y="0"/>
             <a:ext cx="6257024" cy="6857990"/>
           </a:xfrm>
           <a:prstGeom prst="rect">
@@ -12972,37 +12962,41 @@
         </p:nvSpPr>
         <p:spPr>
           <a:xfrm>
-            <a:off x="3307646" y="135976"/>
-            <a:ext cx="6008201" cy="712303"/>
+            <a:off x="6311747" y="370474"/>
+            <a:ext cx="2967135" cy="1480620"/>
           </a:xfrm>
         </p:spPr>
         <p:txBody>
           <a:bodyPr rtlCol="0" anchor="b">
-            <a:normAutofit fontScale="90000"/>
+            <a:normAutofit/>
           </a:bodyPr>
           <a:lstStyle/>
           <a:p>
             <a:pPr algn="l"/>
-            <a:r>
-              <a:rPr lang="it-IT" sz="4000" dirty="0">
-                <a:solidFill>
-                  <a:schemeClr val="bg1">
-                    <a:lumMod val="85000"/>
-                    <a:lumOff val="15000"/>
-                  </a:schemeClr>
-                </a:solidFill>
-                <a:latin typeface="Cascadia Code" panose="020B0609020000020004" pitchFamily="49" charset="0"/>
-                <a:cs typeface="Cascadia Code" panose="020B0609020000020004" pitchFamily="49" charset="0"/>
-              </a:rPr>
-              <a:t>SMOTE-ENN: </a:t>
-            </a:r>
             <a:r>
               <a:rPr lang="it-IT" sz="4000" dirty="0">
                 <a:latin typeface="Cascadia Code" panose="020B0609020000020004" pitchFamily="49" charset="0"/>
                 <a:cs typeface="Cascadia Code" panose="020B0609020000020004" pitchFamily="49" charset="0"/>
               </a:rPr>
-              <a:t>RISULTATI</a:t>
-            </a:r>
+              <a:t>ESEMBLE LEARNING: </a:t>
+            </a:r>
+            <a:r>
+              <a:rPr lang="it-IT" sz="1800" dirty="0">
+                <a:solidFill>
+                  <a:srgbClr val="D3AB03"/>
+                </a:solidFill>
+                <a:latin typeface="Sitka Display" pitchFamily="2" charset="0"/>
+                <a:cs typeface="Cascadia Code" panose="020B0609020000020004" pitchFamily="49" charset="0"/>
+              </a:rPr>
+              <a:t>quando l’unione fa la forza</a:t>
+            </a:r>
+            <a:endParaRPr lang="it-IT" sz="4000" dirty="0">
+              <a:solidFill>
+                <a:srgbClr val="D3AB03"/>
+              </a:solidFill>
+              <a:latin typeface="Sitka Display" pitchFamily="2" charset="0"/>
+              <a:cs typeface="Cascadia Code" panose="020B0609020000020004" pitchFamily="49" charset="0"/>
+            </a:endParaRPr>
           </a:p>
         </p:txBody>
       </p:sp>
@@ -13030,8 +13024,8 @@
         </p:blipFill>
         <p:spPr>
           <a:xfrm>
-            <a:off x="4934069" y="4761897"/>
-            <a:ext cx="2645909" cy="1248069"/>
+            <a:off x="4931447" y="4647569"/>
+            <a:ext cx="2651153" cy="1250543"/>
           </a:xfrm>
         </p:spPr>
       </p:pic>
@@ -13070,7 +13064,7 @@
                 <a:latin typeface="Cascadia Code" panose="020B0609020000020004" pitchFamily="49" charset="0"/>
                 <a:cs typeface="Cascadia Code" panose="020B0609020000020004" pitchFamily="49" charset="0"/>
               </a:rPr>
-              <a:t>03/09/2023</a:t>
+              <a:t>04/09/2023</a:t>
             </a:fld>
             <a:endParaRPr lang="it-IT" sz="1400" noProof="0" dirty="0">
               <a:solidFill>
@@ -13170,7 +13164,7 @@
           <p:cNvPr id="4" name="Picture 3" descr="A circular emblem with a shield and a lighthouse&#10;&#10;Description automatically generated">
             <a:extLst>
               <a:ext uri="{FF2B5EF4-FFF2-40B4-BE49-F238E27FC236}">
-                <a16:creationId xmlns:a16="http://schemas.microsoft.com/office/drawing/2014/main" id="{DF0D854A-0540-F6C7-BF30-8AD5C2F70067}"/>
+                <a16:creationId xmlns:a16="http://schemas.microsoft.com/office/drawing/2014/main" id="{2FC8408C-1D0F-40BA-3C60-67D27D1B4426}"/>
               </a:ext>
             </a:extLst>
           </p:cNvPr>
@@ -13195,12 +13189,135 @@
           </a:prstGeom>
         </p:spPr>
       </p:pic>
+      <p:sp>
+        <p:nvSpPr>
+          <p:cNvPr id="5" name="TextBox 4">
+            <a:extLst>
+              <a:ext uri="{FF2B5EF4-FFF2-40B4-BE49-F238E27FC236}">
+                <a16:creationId xmlns:a16="http://schemas.microsoft.com/office/drawing/2014/main" id="{0AB51A90-FB77-14E6-C6D5-05397F728299}"/>
+              </a:ext>
+            </a:extLst>
+          </p:cNvPr>
+          <p:cNvSpPr txBox="1"/>
+          <p:nvPr/>
+        </p:nvSpPr>
+        <p:spPr>
+          <a:xfrm>
+            <a:off x="6405114" y="1851094"/>
+            <a:ext cx="5013325" cy="4801314"/>
+          </a:xfrm>
+          <a:prstGeom prst="rect">
+            <a:avLst/>
+          </a:prstGeom>
+          <a:noFill/>
+        </p:spPr>
+        <p:txBody>
+          <a:bodyPr wrap="square" rtlCol="0">
+            <a:spAutoFit/>
+          </a:bodyPr>
+          <a:lstStyle/>
+          <a:p>
+            <a:r>
+              <a:rPr lang="it-IT" dirty="0">
+                <a:latin typeface="Cascadia Code" panose="020B0609020000020004" pitchFamily="49" charset="0"/>
+                <a:cs typeface="Cascadia Code" panose="020B0609020000020004" pitchFamily="49" charset="0"/>
+              </a:rPr>
+              <a:t>3 Modelli messi a confronto ogniuno per una tecnica dell’ensemble learning:</a:t>
+            </a:r>
+          </a:p>
+          <a:p>
+            <a:endParaRPr lang="it-IT" dirty="0">
+              <a:latin typeface="Cascadia Code" panose="020B0609020000020004" pitchFamily="49" charset="0"/>
+              <a:cs typeface="Cascadia Code" panose="020B0609020000020004" pitchFamily="49" charset="0"/>
+            </a:endParaRPr>
+          </a:p>
+          <a:p>
+            <a:pPr marL="285750" indent="-285750">
+              <a:buFont typeface="Wingdings" panose="05000000000000000000" pitchFamily="2" charset="2"/>
+              <a:buChar char="Ø"/>
+            </a:pPr>
+            <a:r>
+              <a:rPr lang="it-IT" dirty="0">
+                <a:latin typeface="Cascadia Code" panose="020B0609020000020004" pitchFamily="49" charset="0"/>
+                <a:cs typeface="Cascadia Code" panose="020B0609020000020004" pitchFamily="49" charset="0"/>
+              </a:rPr>
+              <a:t>RANDOM FOREST per il Bagging</a:t>
+            </a:r>
+          </a:p>
+          <a:p>
+            <a:endParaRPr lang="it-IT" dirty="0">
+              <a:latin typeface="Cascadia Code" panose="020B0609020000020004" pitchFamily="49" charset="0"/>
+              <a:cs typeface="Cascadia Code" panose="020B0609020000020004" pitchFamily="49" charset="0"/>
+            </a:endParaRPr>
+          </a:p>
+          <a:p>
+            <a:pPr marL="285750" indent="-285750">
+              <a:buFont typeface="Wingdings" panose="05000000000000000000" pitchFamily="2" charset="2"/>
+              <a:buChar char="Ø"/>
+            </a:pPr>
+            <a:r>
+              <a:rPr lang="it-IT" dirty="0">
+                <a:latin typeface="Cascadia Code" panose="020B0609020000020004" pitchFamily="49" charset="0"/>
+                <a:cs typeface="Cascadia Code" panose="020B0609020000020004" pitchFamily="49" charset="0"/>
+              </a:rPr>
+              <a:t>ADABOOST per il Boosting</a:t>
+            </a:r>
+          </a:p>
+          <a:p>
+            <a:endParaRPr lang="it-IT" dirty="0">
+              <a:latin typeface="Cascadia Code" panose="020B0609020000020004" pitchFamily="49" charset="0"/>
+              <a:cs typeface="Cascadia Code" panose="020B0609020000020004" pitchFamily="49" charset="0"/>
+            </a:endParaRPr>
+          </a:p>
+          <a:p>
+            <a:pPr marL="285750" indent="-285750" algn="r">
+              <a:buFont typeface="Wingdings" panose="05000000000000000000" pitchFamily="2" charset="2"/>
+              <a:buChar char="Ø"/>
+            </a:pPr>
+            <a:r>
+              <a:rPr lang="it-IT" dirty="0">
+                <a:latin typeface="Cascadia Code" panose="020B0609020000020004" pitchFamily="49" charset="0"/>
+                <a:cs typeface="Cascadia Code" panose="020B0609020000020004" pitchFamily="49" charset="0"/>
+              </a:rPr>
+              <a:t>[albero di decisione + naive bayes + support vector machine] il tutto racchiuso da un meta-learner 	basato	su regressione logistica</a:t>
+            </a:r>
+          </a:p>
+          <a:p>
+            <a:pPr algn="r"/>
+            <a:r>
+              <a:rPr lang="it-IT" dirty="0">
+                <a:latin typeface="Cascadia Code" panose="020B0609020000020004" pitchFamily="49" charset="0"/>
+                <a:cs typeface="Cascadia Code" panose="020B0609020000020004" pitchFamily="49" charset="0"/>
+              </a:rPr>
+              <a:t> per lo stacking</a:t>
+            </a:r>
+          </a:p>
+          <a:p>
+            <a:endParaRPr lang="it-IT" dirty="0">
+              <a:latin typeface="Cascadia Code" panose="020B0609020000020004" pitchFamily="49" charset="0"/>
+              <a:cs typeface="Cascadia Code" panose="020B0609020000020004" pitchFamily="49" charset="0"/>
+            </a:endParaRPr>
+          </a:p>
+          <a:p>
+            <a:endParaRPr lang="it-IT" dirty="0">
+              <a:latin typeface="Cascadia Code" panose="020B0609020000020004" pitchFamily="49" charset="0"/>
+              <a:cs typeface="Cascadia Code" panose="020B0609020000020004" pitchFamily="49" charset="0"/>
+            </a:endParaRPr>
+          </a:p>
+          <a:p>
+            <a:endParaRPr lang="it-IT" dirty="0">
+              <a:latin typeface="Cascadia Code" panose="020B0609020000020004" pitchFamily="49" charset="0"/>
+              <a:cs typeface="Cascadia Code" panose="020B0609020000020004" pitchFamily="49" charset="0"/>
+            </a:endParaRPr>
+          </a:p>
+        </p:txBody>
+      </p:sp>
       <p:pic>
         <p:nvPicPr>
-          <p:cNvPr id="8" name="Picture 7" descr="A graph showing the number of indicators&#10;&#10;Description automatically generated with medium confidence">
-            <a:extLst>
-              <a:ext uri="{FF2B5EF4-FFF2-40B4-BE49-F238E27FC236}">
-                <a16:creationId xmlns:a16="http://schemas.microsoft.com/office/drawing/2014/main" id="{2AB09783-1F27-305E-0D90-2371602E4B57}"/>
+          <p:cNvPr id="7" name="Picture 6" descr="A graph with a line graph&#10;&#10;Description automatically generated with medium confidence">
+            <a:extLst>
+              <a:ext uri="{FF2B5EF4-FFF2-40B4-BE49-F238E27FC236}">
+                <a16:creationId xmlns:a16="http://schemas.microsoft.com/office/drawing/2014/main" id="{E9DD55CF-ED87-5D70-84CF-09EA9ED0F401}"/>
               </a:ext>
             </a:extLst>
           </p:cNvPr>
@@ -13217,80 +13334,20 @@
         </p:blipFill>
         <p:spPr>
           <a:xfrm>
-            <a:off x="444699" y="984256"/>
-            <a:ext cx="5651301" cy="3578413"/>
+            <a:off x="218456" y="588873"/>
+            <a:ext cx="5820111" cy="3931713"/>
           </a:xfrm>
           <a:prstGeom prst="rect">
             <a:avLst/>
           </a:prstGeom>
         </p:spPr>
       </p:pic>
-      <p:pic>
-        <p:nvPicPr>
-          <p:cNvPr id="10" name="Picture 9" descr="A screenshot of a computer screen&#10;&#10;Description automatically generated">
-            <a:extLst>
-              <a:ext uri="{FF2B5EF4-FFF2-40B4-BE49-F238E27FC236}">
-                <a16:creationId xmlns:a16="http://schemas.microsoft.com/office/drawing/2014/main" id="{46363621-B0CE-096D-A800-B5070554EF0D}"/>
-              </a:ext>
-            </a:extLst>
-          </p:cNvPr>
-          <p:cNvPicPr>
-            <a:picLocks noChangeAspect="1"/>
-          </p:cNvPicPr>
-          <p:nvPr/>
-        </p:nvPicPr>
-        <p:blipFill>
-          <a:blip r:embed="rId7"/>
-          <a:stretch>
-            <a:fillRect/>
-          </a:stretch>
-        </p:blipFill>
-        <p:spPr>
-          <a:xfrm>
-            <a:off x="6841803" y="1460352"/>
-            <a:ext cx="5066523" cy="2057578"/>
-          </a:xfrm>
-          <a:prstGeom prst="rect">
-            <a:avLst/>
-          </a:prstGeom>
-        </p:spPr>
-      </p:pic>
-      <p:pic>
-        <p:nvPicPr>
-          <p:cNvPr id="16" name="Picture 15" descr="A screen shot of a computer&#10;&#10;Description automatically generated">
-            <a:extLst>
-              <a:ext uri="{FF2B5EF4-FFF2-40B4-BE49-F238E27FC236}">
-                <a16:creationId xmlns:a16="http://schemas.microsoft.com/office/drawing/2014/main" id="{4FF4E214-AFB9-98A4-9B10-2CF6E82AD216}"/>
-              </a:ext>
-            </a:extLst>
-          </p:cNvPr>
-          <p:cNvPicPr>
-            <a:picLocks noChangeAspect="1"/>
-          </p:cNvPicPr>
-          <p:nvPr/>
-        </p:nvPicPr>
-        <p:blipFill>
-          <a:blip r:embed="rId8"/>
-          <a:stretch>
-            <a:fillRect/>
-          </a:stretch>
-        </p:blipFill>
-        <p:spPr>
-          <a:xfrm>
-            <a:off x="6859418" y="3877674"/>
-            <a:ext cx="5048908" cy="2156647"/>
-          </a:xfrm>
-          <a:prstGeom prst="rect">
-            <a:avLst/>
-          </a:prstGeom>
-        </p:spPr>
-      </p:pic>
-      <p:sp>
-        <p:nvSpPr>
-          <p:cNvPr id="17" name="TextBox 16">
-            <a:extLst>
-              <a:ext uri="{FF2B5EF4-FFF2-40B4-BE49-F238E27FC236}">
-                <a16:creationId xmlns:a16="http://schemas.microsoft.com/office/drawing/2014/main" id="{B2A84299-721E-B262-6D89-C539D1386F7E}"/>
+      <p:sp>
+        <p:nvSpPr>
+          <p:cNvPr id="8" name="TextBox 7">
+            <a:extLst>
+              <a:ext uri="{FF2B5EF4-FFF2-40B4-BE49-F238E27FC236}">
+                <a16:creationId xmlns:a16="http://schemas.microsoft.com/office/drawing/2014/main" id="{6267E8F4-2110-C418-71BD-90833983B4DC}"/>
               </a:ext>
             </a:extLst>
           </p:cNvPr>
@@ -13299,8 +13356,8 @@
         </p:nvSpPr>
         <p:spPr>
           <a:xfrm>
-            <a:off x="591948" y="4628209"/>
-            <a:ext cx="4040924" cy="1323439"/>
+            <a:off x="707383" y="4861249"/>
+            <a:ext cx="3342103" cy="830997"/>
           </a:xfrm>
           <a:prstGeom prst="rect">
             <a:avLst/>
@@ -13313,7 +13370,6 @@
           </a:bodyPr>
           <a:lstStyle/>
           <a:p>
-            <a:pPr algn="just"/>
             <a:r>
               <a:rPr lang="it-IT" sz="1600" dirty="0">
                 <a:solidFill>
@@ -13325,7 +13381,7 @@
                 <a:latin typeface="Cascadia Code" panose="020B0609020000020004" pitchFamily="49" charset="0"/>
                 <a:cs typeface="Cascadia Code" panose="020B0609020000020004" pitchFamily="49" charset="0"/>
               </a:rPr>
-              <a:t>Contesa dura e non facile per noi dato il task meglio il gaussian naive bayes l’azienda potrà avere più certezze di non rimanere a corto di staff.</a:t>
+              <a:t>Tutti con prestazioni eccellenti forse anche troppo qui qualcosa puzza!</a:t>
             </a:r>
           </a:p>
         </p:txBody>
@@ -13333,22 +13389,22 @@
     </p:spTree>
     <p:extLst>
       <p:ext uri="{BB962C8B-B14F-4D97-AF65-F5344CB8AC3E}">
-        <p14:creationId xmlns:p14="http://schemas.microsoft.com/office/powerpoint/2010/main" val="2042739400"/>
+        <p14:creationId xmlns:p14="http://schemas.microsoft.com/office/powerpoint/2010/main" val="1381271745"/>
       </p:ext>
     </p:extLst>
   </p:cSld>
   <p:clrMapOvr>
     <a:masterClrMapping/>
   </p:clrMapOvr>
-  <mc:AlternateContent xmlns:mc="http://schemas.openxmlformats.org/markup-compatibility/2006" xmlns:p14="http://schemas.microsoft.com/office/powerpoint/2010/main">
-    <mc:Choice Requires="p14">
-      <p:transition spd="slow" p14:dur="2500">
-        <p:checker/>
+  <mc:AlternateContent xmlns:mc="http://schemas.openxmlformats.org/markup-compatibility/2006" xmlns:p15="http://schemas.microsoft.com/office/powerpoint/2012/main">
+    <mc:Choice Requires="p15">
+      <p:transition xmlns:p14="http://schemas.microsoft.com/office/powerpoint/2010/main" spd="slow" p14:dur="2000">
+        <p15:prstTrans prst="fallOver"/>
       </p:transition>
     </mc:Choice>
     <mc:Fallback xmlns="">
       <p:transition spd="slow">
-        <p:checker/>
+        <p:fade/>
       </p:transition>
     </mc:Fallback>
   </mc:AlternateContent>
@@ -13402,7 +13458,7 @@
         </p:blipFill>
         <p:spPr>
           <a:xfrm>
-            <a:off x="7595" y="0"/>
+            <a:off x="0" y="12164"/>
             <a:ext cx="6257024" cy="6857990"/>
           </a:xfrm>
           <a:prstGeom prst="rect">
@@ -13428,41 +13484,37 @@
         </p:nvSpPr>
         <p:spPr>
           <a:xfrm>
-            <a:off x="6311747" y="370474"/>
-            <a:ext cx="2967135" cy="1480620"/>
+            <a:off x="1606713" y="219879"/>
+            <a:ext cx="8171768" cy="699480"/>
           </a:xfrm>
         </p:spPr>
         <p:txBody>
           <a:bodyPr rtlCol="0" anchor="b">
-            <a:normAutofit/>
+            <a:normAutofit fontScale="90000"/>
           </a:bodyPr>
           <a:lstStyle/>
           <a:p>
             <a:pPr algn="l"/>
+            <a:r>
+              <a:rPr lang="it-IT" sz="4000" dirty="0">
+                <a:solidFill>
+                  <a:schemeClr val="bg1">
+                    <a:lumMod val="85000"/>
+                    <a:lumOff val="15000"/>
+                  </a:schemeClr>
+                </a:solidFill>
+                <a:latin typeface="Cascadia Code" panose="020B0609020000020004" pitchFamily="49" charset="0"/>
+                <a:cs typeface="Cascadia Code" panose="020B0609020000020004" pitchFamily="49" charset="0"/>
+              </a:rPr>
+              <a:t>ENSEMBLE LEARNING</a:t>
+            </a:r>
             <a:r>
               <a:rPr lang="it-IT" sz="4000" dirty="0">
                 <a:latin typeface="Cascadia Code" panose="020B0609020000020004" pitchFamily="49" charset="0"/>
                 <a:cs typeface="Cascadia Code" panose="020B0609020000020004" pitchFamily="49" charset="0"/>
               </a:rPr>
-              <a:t>ESEMBLE LEARNING: </a:t>
-            </a:r>
-            <a:r>
-              <a:rPr lang="it-IT" sz="1800" dirty="0">
-                <a:solidFill>
-                  <a:srgbClr val="D3AB03"/>
-                </a:solidFill>
-                <a:latin typeface="Sitka Display" pitchFamily="2" charset="0"/>
-                <a:cs typeface="Cascadia Code" panose="020B0609020000020004" pitchFamily="49" charset="0"/>
-              </a:rPr>
-              <a:t>quando l’unione fa la forza</a:t>
-            </a:r>
-            <a:endParaRPr lang="it-IT" sz="4000" dirty="0">
-              <a:solidFill>
-                <a:srgbClr val="D3AB03"/>
-              </a:solidFill>
-              <a:latin typeface="Sitka Display" pitchFamily="2" charset="0"/>
-              <a:cs typeface="Cascadia Code" panose="020B0609020000020004" pitchFamily="49" charset="0"/>
-            </a:endParaRPr>
+              <a:t>: RISULTATI</a:t>
+            </a:r>
           </a:p>
         </p:txBody>
       </p:sp>
@@ -13490,8 +13542,8 @@
         </p:blipFill>
         <p:spPr>
           <a:xfrm>
-            <a:off x="4931447" y="4647569"/>
-            <a:ext cx="2651153" cy="1250543"/>
+            <a:off x="4773456" y="4554644"/>
+            <a:ext cx="2967135" cy="1399591"/>
           </a:xfrm>
         </p:spPr>
       </p:pic>
@@ -13530,7 +13582,7 @@
                 <a:latin typeface="Cascadia Code" panose="020B0609020000020004" pitchFamily="49" charset="0"/>
                 <a:cs typeface="Cascadia Code" panose="020B0609020000020004" pitchFamily="49" charset="0"/>
               </a:rPr>
-              <a:t>03/09/2023</a:t>
+              <a:t>04/09/2023</a:t>
             </a:fld>
             <a:endParaRPr lang="it-IT" sz="1400" noProof="0" dirty="0">
               <a:solidFill>
@@ -13627,10 +13679,10 @@
       </p:sp>
       <p:pic>
         <p:nvPicPr>
-          <p:cNvPr id="4" name="Picture 3" descr="A circular emblem with a shield and a lighthouse&#10;&#10;Description automatically generated">
-            <a:extLst>
-              <a:ext uri="{FF2B5EF4-FFF2-40B4-BE49-F238E27FC236}">
-                <a16:creationId xmlns:a16="http://schemas.microsoft.com/office/drawing/2014/main" id="{2FC8408C-1D0F-40BA-3C60-67D27D1B4426}"/>
+          <p:cNvPr id="5" name="Picture 4" descr="A screenshot of a computer&#10;&#10;Description automatically generated">
+            <a:extLst>
+              <a:ext uri="{FF2B5EF4-FFF2-40B4-BE49-F238E27FC236}">
+                <a16:creationId xmlns:a16="http://schemas.microsoft.com/office/drawing/2014/main" id="{550E608F-603A-1ECC-5389-74AE06F5298C}"/>
               </a:ext>
             </a:extLst>
           </p:cNvPr>
@@ -13647,143 +13699,20 @@
         </p:blipFill>
         <p:spPr>
           <a:xfrm>
-            <a:off x="10906351" y="79758"/>
-            <a:ext cx="1182737" cy="1170544"/>
+            <a:off x="6862746" y="1548604"/>
+            <a:ext cx="4881439" cy="2072820"/>
           </a:xfrm>
           <a:prstGeom prst="rect">
             <a:avLst/>
           </a:prstGeom>
         </p:spPr>
       </p:pic>
-      <p:sp>
-        <p:nvSpPr>
-          <p:cNvPr id="5" name="TextBox 4">
-            <a:extLst>
-              <a:ext uri="{FF2B5EF4-FFF2-40B4-BE49-F238E27FC236}">
-                <a16:creationId xmlns:a16="http://schemas.microsoft.com/office/drawing/2014/main" id="{0AB51A90-FB77-14E6-C6D5-05397F728299}"/>
-              </a:ext>
-            </a:extLst>
-          </p:cNvPr>
-          <p:cNvSpPr txBox="1"/>
-          <p:nvPr/>
-        </p:nvSpPr>
-        <p:spPr>
-          <a:xfrm>
-            <a:off x="6405114" y="1851094"/>
-            <a:ext cx="5013325" cy="4801314"/>
-          </a:xfrm>
-          <a:prstGeom prst="rect">
-            <a:avLst/>
-          </a:prstGeom>
-          <a:noFill/>
-        </p:spPr>
-        <p:txBody>
-          <a:bodyPr wrap="square" rtlCol="0">
-            <a:spAutoFit/>
-          </a:bodyPr>
-          <a:lstStyle/>
-          <a:p>
-            <a:r>
-              <a:rPr lang="it-IT" dirty="0">
-                <a:latin typeface="Cascadia Code" panose="020B0609020000020004" pitchFamily="49" charset="0"/>
-                <a:cs typeface="Cascadia Code" panose="020B0609020000020004" pitchFamily="49" charset="0"/>
-              </a:rPr>
-              <a:t>3 Modelli messi a confronto ogniuno per una tecnica dell’ensemble learning:</a:t>
-            </a:r>
-          </a:p>
-          <a:p>
-            <a:endParaRPr lang="it-IT" dirty="0">
-              <a:latin typeface="Cascadia Code" panose="020B0609020000020004" pitchFamily="49" charset="0"/>
-              <a:cs typeface="Cascadia Code" panose="020B0609020000020004" pitchFamily="49" charset="0"/>
-            </a:endParaRPr>
-          </a:p>
-          <a:p>
-            <a:pPr marL="285750" indent="-285750">
-              <a:buFont typeface="Wingdings" panose="05000000000000000000" pitchFamily="2" charset="2"/>
-              <a:buChar char="Ø"/>
-            </a:pPr>
-            <a:r>
-              <a:rPr lang="it-IT" dirty="0">
-                <a:latin typeface="Cascadia Code" panose="020B0609020000020004" pitchFamily="49" charset="0"/>
-                <a:cs typeface="Cascadia Code" panose="020B0609020000020004" pitchFamily="49" charset="0"/>
-              </a:rPr>
-              <a:t>RANDOM FOREST per il Bagging</a:t>
-            </a:r>
-          </a:p>
-          <a:p>
-            <a:endParaRPr lang="it-IT" dirty="0">
-              <a:latin typeface="Cascadia Code" panose="020B0609020000020004" pitchFamily="49" charset="0"/>
-              <a:cs typeface="Cascadia Code" panose="020B0609020000020004" pitchFamily="49" charset="0"/>
-            </a:endParaRPr>
-          </a:p>
-          <a:p>
-            <a:pPr marL="285750" indent="-285750">
-              <a:buFont typeface="Wingdings" panose="05000000000000000000" pitchFamily="2" charset="2"/>
-              <a:buChar char="Ø"/>
-            </a:pPr>
-            <a:r>
-              <a:rPr lang="it-IT" dirty="0">
-                <a:latin typeface="Cascadia Code" panose="020B0609020000020004" pitchFamily="49" charset="0"/>
-                <a:cs typeface="Cascadia Code" panose="020B0609020000020004" pitchFamily="49" charset="0"/>
-              </a:rPr>
-              <a:t>ADABOOST per il Boosting</a:t>
-            </a:r>
-          </a:p>
-          <a:p>
-            <a:endParaRPr lang="it-IT" dirty="0">
-              <a:latin typeface="Cascadia Code" panose="020B0609020000020004" pitchFamily="49" charset="0"/>
-              <a:cs typeface="Cascadia Code" panose="020B0609020000020004" pitchFamily="49" charset="0"/>
-            </a:endParaRPr>
-          </a:p>
-          <a:p>
-            <a:pPr marL="285750" indent="-285750" algn="r">
-              <a:buFont typeface="Wingdings" panose="05000000000000000000" pitchFamily="2" charset="2"/>
-              <a:buChar char="Ø"/>
-            </a:pPr>
-            <a:r>
-              <a:rPr lang="it-IT" dirty="0">
-                <a:latin typeface="Cascadia Code" panose="020B0609020000020004" pitchFamily="49" charset="0"/>
-                <a:cs typeface="Cascadia Code" panose="020B0609020000020004" pitchFamily="49" charset="0"/>
-              </a:rPr>
-              <a:t>[albero di decisione + naive bayes + support vector machine] il tutto racchiuso da un meta-learner 	basato	su regressione logistica</a:t>
-            </a:r>
-          </a:p>
-          <a:p>
-            <a:pPr algn="r"/>
-            <a:r>
-              <a:rPr lang="it-IT" dirty="0">
-                <a:latin typeface="Cascadia Code" panose="020B0609020000020004" pitchFamily="49" charset="0"/>
-                <a:cs typeface="Cascadia Code" panose="020B0609020000020004" pitchFamily="49" charset="0"/>
-              </a:rPr>
-              <a:t> per lo stacking</a:t>
-            </a:r>
-          </a:p>
-          <a:p>
-            <a:endParaRPr lang="it-IT" dirty="0">
-              <a:latin typeface="Cascadia Code" panose="020B0609020000020004" pitchFamily="49" charset="0"/>
-              <a:cs typeface="Cascadia Code" panose="020B0609020000020004" pitchFamily="49" charset="0"/>
-            </a:endParaRPr>
-          </a:p>
-          <a:p>
-            <a:endParaRPr lang="it-IT" dirty="0">
-              <a:latin typeface="Cascadia Code" panose="020B0609020000020004" pitchFamily="49" charset="0"/>
-              <a:cs typeface="Cascadia Code" panose="020B0609020000020004" pitchFamily="49" charset="0"/>
-            </a:endParaRPr>
-          </a:p>
-          <a:p>
-            <a:endParaRPr lang="it-IT" dirty="0">
-              <a:latin typeface="Cascadia Code" panose="020B0609020000020004" pitchFamily="49" charset="0"/>
-              <a:cs typeface="Cascadia Code" panose="020B0609020000020004" pitchFamily="49" charset="0"/>
-            </a:endParaRPr>
-          </a:p>
-        </p:txBody>
-      </p:sp>
       <p:pic>
         <p:nvPicPr>
-          <p:cNvPr id="7" name="Picture 6" descr="A graph with a line graph&#10;&#10;Description automatically generated with medium confidence">
-            <a:extLst>
-              <a:ext uri="{FF2B5EF4-FFF2-40B4-BE49-F238E27FC236}">
-                <a16:creationId xmlns:a16="http://schemas.microsoft.com/office/drawing/2014/main" id="{E9DD55CF-ED87-5D70-84CF-09EA9ED0F401}"/>
+          <p:cNvPr id="7" name="Picture 6" descr="A screen shot of a computer&#10;&#10;Description automatically generated">
+            <a:extLst>
+              <a:ext uri="{FF2B5EF4-FFF2-40B4-BE49-F238E27FC236}">
+                <a16:creationId xmlns:a16="http://schemas.microsoft.com/office/drawing/2014/main" id="{293A3F63-D4F5-AA2D-58B5-C7F40C74BB3A}"/>
               </a:ext>
             </a:extLst>
           </p:cNvPr>
@@ -13800,20 +13729,80 @@
         </p:blipFill>
         <p:spPr>
           <a:xfrm>
-            <a:off x="218456" y="588873"/>
-            <a:ext cx="5820111" cy="3931713"/>
+            <a:off x="687792" y="3919727"/>
+            <a:ext cx="4881439" cy="2072820"/>
           </a:xfrm>
           <a:prstGeom prst="rect">
             <a:avLst/>
           </a:prstGeom>
         </p:spPr>
       </p:pic>
-      <p:sp>
-        <p:nvSpPr>
-          <p:cNvPr id="8" name="TextBox 7">
-            <a:extLst>
-              <a:ext uri="{FF2B5EF4-FFF2-40B4-BE49-F238E27FC236}">
-                <a16:creationId xmlns:a16="http://schemas.microsoft.com/office/drawing/2014/main" id="{6267E8F4-2110-C418-71BD-90833983B4DC}"/>
+      <p:pic>
+        <p:nvPicPr>
+          <p:cNvPr id="9" name="Picture 8" descr="A screenshot of a computer screen&#10;&#10;Description automatically generated">
+            <a:extLst>
+              <a:ext uri="{FF2B5EF4-FFF2-40B4-BE49-F238E27FC236}">
+                <a16:creationId xmlns:a16="http://schemas.microsoft.com/office/drawing/2014/main" id="{9DABF500-1C2F-2D00-1040-E943935CF4BC}"/>
+              </a:ext>
+            </a:extLst>
+          </p:cNvPr>
+          <p:cNvPicPr>
+            <a:picLocks noChangeAspect="1"/>
+          </p:cNvPicPr>
+          <p:nvPr/>
+        </p:nvPicPr>
+        <p:blipFill>
+          <a:blip r:embed="rId7"/>
+          <a:stretch>
+            <a:fillRect/>
+          </a:stretch>
+        </p:blipFill>
+        <p:spPr>
+          <a:xfrm>
+            <a:off x="6862746" y="3919727"/>
+            <a:ext cx="4881439" cy="2072820"/>
+          </a:xfrm>
+          <a:prstGeom prst="rect">
+            <a:avLst/>
+          </a:prstGeom>
+        </p:spPr>
+      </p:pic>
+      <p:pic>
+        <p:nvPicPr>
+          <p:cNvPr id="10" name="Picture 9" descr="A circular emblem with a shield and a lighthouse&#10;&#10;Description automatically generated">
+            <a:extLst>
+              <a:ext uri="{FF2B5EF4-FFF2-40B4-BE49-F238E27FC236}">
+                <a16:creationId xmlns:a16="http://schemas.microsoft.com/office/drawing/2014/main" id="{80C52403-BDC7-44B7-176E-F02647C8071E}"/>
+              </a:ext>
+            </a:extLst>
+          </p:cNvPr>
+          <p:cNvPicPr>
+            <a:picLocks noChangeAspect="1"/>
+          </p:cNvPicPr>
+          <p:nvPr/>
+        </p:nvPicPr>
+        <p:blipFill>
+          <a:blip r:embed="rId8"/>
+          <a:stretch>
+            <a:fillRect/>
+          </a:stretch>
+        </p:blipFill>
+        <p:spPr>
+          <a:xfrm>
+            <a:off x="10906351" y="79758"/>
+            <a:ext cx="1182737" cy="1170544"/>
+          </a:xfrm>
+          <a:prstGeom prst="rect">
+            <a:avLst/>
+          </a:prstGeom>
+        </p:spPr>
+      </p:pic>
+      <p:sp>
+        <p:nvSpPr>
+          <p:cNvPr id="4" name="TextBox 3">
+            <a:extLst>
+              <a:ext uri="{FF2B5EF4-FFF2-40B4-BE49-F238E27FC236}">
+                <a16:creationId xmlns:a16="http://schemas.microsoft.com/office/drawing/2014/main" id="{4A65C8E5-EC3F-F5FE-42AF-57F303617A4F}"/>
               </a:ext>
             </a:extLst>
           </p:cNvPr>
@@ -13822,8 +13811,8 @@
         </p:nvSpPr>
         <p:spPr>
           <a:xfrm>
-            <a:off x="707383" y="4861249"/>
-            <a:ext cx="3342103" cy="830997"/>
+            <a:off x="1043119" y="2183363"/>
+            <a:ext cx="4170784" cy="646331"/>
           </a:xfrm>
           <a:prstGeom prst="rect">
             <a:avLst/>
@@ -13837,7 +13826,7 @@
           <a:lstStyle/>
           <a:p>
             <a:r>
-              <a:rPr lang="it-IT" sz="1600" dirty="0">
+              <a:rPr lang="it-IT" dirty="0">
                 <a:solidFill>
                   <a:schemeClr val="bg1">
                     <a:lumMod val="85000"/>
@@ -13847,7 +13836,7 @@
                 <a:latin typeface="Cascadia Code" panose="020B0609020000020004" pitchFamily="49" charset="0"/>
                 <a:cs typeface="Cascadia Code" panose="020B0609020000020004" pitchFamily="49" charset="0"/>
               </a:rPr>
-              <a:t>Tutti con prestazioni eccellenti forse anche troppo qui qualcosa puzza!</a:t>
+              <a:t>Random Forest si dichiara il miglior modello di ensemble.</a:t>
             </a:r>
           </a:p>
         </p:txBody>
@@ -13855,22 +13844,22 @@
     </p:spTree>
     <p:extLst>
       <p:ext uri="{BB962C8B-B14F-4D97-AF65-F5344CB8AC3E}">
-        <p14:creationId xmlns:p14="http://schemas.microsoft.com/office/powerpoint/2010/main" val="1381271745"/>
+        <p14:creationId xmlns:p14="http://schemas.microsoft.com/office/powerpoint/2010/main" val="463051787"/>
       </p:ext>
     </p:extLst>
   </p:cSld>
   <p:clrMapOvr>
     <a:masterClrMapping/>
   </p:clrMapOvr>
-  <mc:AlternateContent xmlns:mc="http://schemas.openxmlformats.org/markup-compatibility/2006" xmlns:p15="http://schemas.microsoft.com/office/powerpoint/2012/main">
-    <mc:Choice Requires="p15">
-      <p:transition xmlns:p14="http://schemas.microsoft.com/office/powerpoint/2010/main" spd="slow" p14:dur="2000">
-        <p15:prstTrans prst="fallOver"/>
+  <mc:AlternateContent xmlns:mc="http://schemas.openxmlformats.org/markup-compatibility/2006" xmlns:p14="http://schemas.microsoft.com/office/powerpoint/2010/main">
+    <mc:Choice Requires="p14">
+      <p:transition spd="slow" p14:dur="2500">
+        <p:checker/>
       </p:transition>
     </mc:Choice>
     <mc:Fallback xmlns="">
       <p:transition spd="slow">
-        <p:fade/>
+        <p:checker/>
       </p:transition>
     </mc:Fallback>
   </mc:AlternateContent>
@@ -14048,7 +14037,7 @@
                 <a:latin typeface="Cascadia Code" panose="020B0609020000020004" pitchFamily="49" charset="0"/>
                 <a:cs typeface="Cascadia Code" panose="020B0609020000020004" pitchFamily="49" charset="0"/>
               </a:rPr>
-              <a:t>03/09/2023</a:t>
+              <a:t>04/09/2023</a:t>
             </a:fld>
             <a:endParaRPr lang="it-IT" sz="1400" noProof="0" dirty="0">
               <a:solidFill>
@@ -14579,7 +14568,7 @@
         </p:blipFill>
         <p:spPr>
           <a:xfrm>
-            <a:off x="0" y="12164"/>
+            <a:off x="-3453" y="10"/>
             <a:ext cx="6257024" cy="6857990"/>
           </a:xfrm>
           <a:prstGeom prst="rect">
@@ -14605,8 +14594,8 @@
         </p:nvSpPr>
         <p:spPr>
           <a:xfrm>
-            <a:off x="1606713" y="219879"/>
-            <a:ext cx="8171768" cy="699480"/>
+            <a:off x="6452624" y="755902"/>
+            <a:ext cx="4538124" cy="880254"/>
           </a:xfrm>
         </p:spPr>
         <p:txBody>
@@ -14616,25 +14605,12 @@
           <a:lstStyle/>
           <a:p>
             <a:pPr algn="l"/>
-            <a:r>
-              <a:rPr lang="it-IT" sz="4000" dirty="0">
-                <a:solidFill>
-                  <a:schemeClr val="bg1">
-                    <a:lumMod val="85000"/>
-                    <a:lumOff val="15000"/>
-                  </a:schemeClr>
-                </a:solidFill>
-                <a:latin typeface="Cascadia Code" panose="020B0609020000020004" pitchFamily="49" charset="0"/>
-                <a:cs typeface="Cascadia Code" panose="020B0609020000020004" pitchFamily="49" charset="0"/>
-              </a:rPr>
-              <a:t>ENSEMBLE LEARNING</a:t>
-            </a:r>
             <a:r>
               <a:rPr lang="it-IT" sz="4000" dirty="0">
                 <a:latin typeface="Cascadia Code" panose="020B0609020000020004" pitchFamily="49" charset="0"/>
                 <a:cs typeface="Cascadia Code" panose="020B0609020000020004" pitchFamily="49" charset="0"/>
               </a:rPr>
-              <a:t>: RISULTATI</a:t>
+              <a:t>OTTIMIZZAZIONE DEI MODELLI</a:t>
             </a:r>
           </a:p>
         </p:txBody>
@@ -14663,8 +14639,8 @@
         </p:blipFill>
         <p:spPr>
           <a:xfrm>
-            <a:off x="4773456" y="4554644"/>
-            <a:ext cx="2967135" cy="1399591"/>
+            <a:off x="5256740" y="5036776"/>
+            <a:ext cx="2000568" cy="943663"/>
           </a:xfrm>
         </p:spPr>
       </p:pic>
@@ -14703,7 +14679,7 @@
                 <a:latin typeface="Cascadia Code" panose="020B0609020000020004" pitchFamily="49" charset="0"/>
                 <a:cs typeface="Cascadia Code" panose="020B0609020000020004" pitchFamily="49" charset="0"/>
               </a:rPr>
-              <a:t>03/09/2023</a:t>
+              <a:t>04/09/2023</a:t>
             </a:fld>
             <a:endParaRPr lang="it-IT" sz="1400" noProof="0" dirty="0">
               <a:solidFill>
@@ -14800,10 +14776,10 @@
       </p:sp>
       <p:pic>
         <p:nvPicPr>
-          <p:cNvPr id="5" name="Picture 4" descr="A screenshot of a computer&#10;&#10;Description automatically generated">
-            <a:extLst>
-              <a:ext uri="{FF2B5EF4-FFF2-40B4-BE49-F238E27FC236}">
-                <a16:creationId xmlns:a16="http://schemas.microsoft.com/office/drawing/2014/main" id="{550E608F-603A-1ECC-5389-74AE06F5298C}"/>
+          <p:cNvPr id="4" name="Picture 3" descr="A circular emblem with a shield and a lighthouse&#10;&#10;Description automatically generated">
+            <a:extLst>
+              <a:ext uri="{FF2B5EF4-FFF2-40B4-BE49-F238E27FC236}">
+                <a16:creationId xmlns:a16="http://schemas.microsoft.com/office/drawing/2014/main" id="{B769BD9E-D540-029B-2DA3-D4CADAE79951}"/>
               </a:ext>
             </a:extLst>
           </p:cNvPr>
@@ -14820,20 +14796,85 @@
         </p:blipFill>
         <p:spPr>
           <a:xfrm>
-            <a:off x="6862746" y="1548604"/>
-            <a:ext cx="4881439" cy="2072820"/>
+            <a:off x="10906351" y="79758"/>
+            <a:ext cx="1182737" cy="1170544"/>
           </a:xfrm>
           <a:prstGeom prst="rect">
             <a:avLst/>
           </a:prstGeom>
         </p:spPr>
       </p:pic>
+      <p:sp>
+        <p:nvSpPr>
+          <p:cNvPr id="5" name="TextBox 4">
+            <a:extLst>
+              <a:ext uri="{FF2B5EF4-FFF2-40B4-BE49-F238E27FC236}">
+                <a16:creationId xmlns:a16="http://schemas.microsoft.com/office/drawing/2014/main" id="{214A8079-4CB7-1999-905B-727BB6BFD9F3}"/>
+              </a:ext>
+            </a:extLst>
+          </p:cNvPr>
+          <p:cNvSpPr txBox="1"/>
+          <p:nvPr/>
+        </p:nvSpPr>
+        <p:spPr>
+          <a:xfrm>
+            <a:off x="6688520" y="2164702"/>
+            <a:ext cx="5077382" cy="2308324"/>
+          </a:xfrm>
+          <a:prstGeom prst="rect">
+            <a:avLst/>
+          </a:prstGeom>
+          <a:noFill/>
+        </p:spPr>
+        <p:txBody>
+          <a:bodyPr wrap="square" rtlCol="0">
+            <a:spAutoFit/>
+          </a:bodyPr>
+          <a:lstStyle/>
+          <a:p>
+            <a:pPr marL="285750" indent="-285750" algn="just">
+              <a:buFont typeface="Wingdings" panose="05000000000000000000" pitchFamily="2" charset="2"/>
+              <a:buChar char="Ø"/>
+            </a:pPr>
+            <a:r>
+              <a:rPr lang="it-IT" dirty="0">
+                <a:latin typeface="Cascadia Code" panose="020B0609020000020004" pitchFamily="49" charset="0"/>
+                <a:cs typeface="Cascadia Code" panose="020B0609020000020004" pitchFamily="49" charset="0"/>
+              </a:rPr>
+              <a:t>Ricerca degli iper parametri ottimali tramite grid search e randomized search</a:t>
+            </a:r>
+          </a:p>
+          <a:p>
+            <a:pPr marL="285750" indent="-285750" algn="just">
+              <a:buFont typeface="Wingdings" panose="05000000000000000000" pitchFamily="2" charset="2"/>
+              <a:buChar char="Ø"/>
+            </a:pPr>
+            <a:endParaRPr lang="it-IT" dirty="0">
+              <a:latin typeface="Cascadia Code" panose="020B0609020000020004" pitchFamily="49" charset="0"/>
+              <a:cs typeface="Cascadia Code" panose="020B0609020000020004" pitchFamily="49" charset="0"/>
+            </a:endParaRPr>
+          </a:p>
+          <a:p>
+            <a:pPr marL="285750" indent="-285750" algn="just">
+              <a:buFont typeface="Wingdings" panose="05000000000000000000" pitchFamily="2" charset="2"/>
+              <a:buChar char="Ø"/>
+            </a:pPr>
+            <a:r>
+              <a:rPr lang="it-IT" dirty="0">
+                <a:latin typeface="Cascadia Code" panose="020B0609020000020004" pitchFamily="49" charset="0"/>
+                <a:cs typeface="Cascadia Code" panose="020B0609020000020004" pitchFamily="49" charset="0"/>
+              </a:rPr>
+              <a:t>Rilevamento del miglior numero di fold per effettuare la cross validation durante l’addestramento.</a:t>
+            </a:r>
+          </a:p>
+        </p:txBody>
+      </p:sp>
       <p:pic>
         <p:nvPicPr>
-          <p:cNvPr id="7" name="Picture 6" descr="A screen shot of a computer&#10;&#10;Description automatically generated">
-            <a:extLst>
-              <a:ext uri="{FF2B5EF4-FFF2-40B4-BE49-F238E27FC236}">
-                <a16:creationId xmlns:a16="http://schemas.microsoft.com/office/drawing/2014/main" id="{293A3F63-D4F5-AA2D-58B5-C7F40C74BB3A}"/>
+          <p:cNvPr id="7" name="Picture 6">
+            <a:extLst>
+              <a:ext uri="{FF2B5EF4-FFF2-40B4-BE49-F238E27FC236}">
+                <a16:creationId xmlns:a16="http://schemas.microsoft.com/office/drawing/2014/main" id="{27640F6B-1D5A-B4F0-44FC-AD3AEB762E8E}"/>
               </a:ext>
             </a:extLst>
           </p:cNvPr>
@@ -14850,20 +14891,64 @@
         </p:blipFill>
         <p:spPr>
           <a:xfrm>
-            <a:off x="687792" y="3919727"/>
-            <a:ext cx="4881439" cy="2072820"/>
+            <a:off x="400610" y="1420326"/>
+            <a:ext cx="5459013" cy="543453"/>
           </a:xfrm>
           <a:prstGeom prst="rect">
             <a:avLst/>
           </a:prstGeom>
         </p:spPr>
       </p:pic>
+      <p:sp>
+        <p:nvSpPr>
+          <p:cNvPr id="8" name="TextBox 7">
+            <a:extLst>
+              <a:ext uri="{FF2B5EF4-FFF2-40B4-BE49-F238E27FC236}">
+                <a16:creationId xmlns:a16="http://schemas.microsoft.com/office/drawing/2014/main" id="{6CB5A9E2-3B6B-98B6-DF39-A5A95F5FBA21}"/>
+              </a:ext>
+            </a:extLst>
+          </p:cNvPr>
+          <p:cNvSpPr txBox="1"/>
+          <p:nvPr/>
+        </p:nvSpPr>
+        <p:spPr>
+          <a:xfrm>
+            <a:off x="400611" y="1092253"/>
+            <a:ext cx="5303940" cy="307777"/>
+          </a:xfrm>
+          <a:prstGeom prst="rect">
+            <a:avLst/>
+          </a:prstGeom>
+          <a:noFill/>
+        </p:spPr>
+        <p:txBody>
+          <a:bodyPr wrap="square" rtlCol="0">
+            <a:spAutoFit/>
+          </a:bodyPr>
+          <a:lstStyle/>
+          <a:p>
+            <a:r>
+              <a:rPr lang="it-IT" sz="1400" dirty="0">
+                <a:solidFill>
+                  <a:schemeClr val="bg1">
+                    <a:lumMod val="85000"/>
+                    <a:lumOff val="15000"/>
+                  </a:schemeClr>
+                </a:solidFill>
+                <a:latin typeface="Cascadia Code" panose="020B0609020000020004" pitchFamily="49" charset="0"/>
+                <a:cs typeface="Cascadia Code" panose="020B0609020000020004" pitchFamily="49" charset="0"/>
+              </a:rPr>
+              <a:t>Migliori parametri per la Regression Logistica</a:t>
+            </a:r>
+          </a:p>
+        </p:txBody>
+      </p:sp>
       <p:pic>
         <p:nvPicPr>
-          <p:cNvPr id="9" name="Picture 8" descr="A screenshot of a computer screen&#10;&#10;Description automatically generated">
-            <a:extLst>
-              <a:ext uri="{FF2B5EF4-FFF2-40B4-BE49-F238E27FC236}">
-                <a16:creationId xmlns:a16="http://schemas.microsoft.com/office/drawing/2014/main" id="{9DABF500-1C2F-2D00-1040-E943935CF4BC}"/>
+          <p:cNvPr id="10" name="Picture 9">
+            <a:extLst>
+              <a:ext uri="{FF2B5EF4-FFF2-40B4-BE49-F238E27FC236}">
+                <a16:creationId xmlns:a16="http://schemas.microsoft.com/office/drawing/2014/main" id="{BF261071-C15E-0D50-D41E-69EE9AA1305A}"/>
               </a:ext>
             </a:extLst>
           </p:cNvPr>
@@ -14880,50 +14965,20 @@
         </p:blipFill>
         <p:spPr>
           <a:xfrm>
-            <a:off x="6862746" y="3919727"/>
-            <a:ext cx="4881439" cy="2072820"/>
+            <a:off x="400610" y="3406066"/>
+            <a:ext cx="5459013" cy="511109"/>
           </a:xfrm>
           <a:prstGeom prst="rect">
             <a:avLst/>
           </a:prstGeom>
         </p:spPr>
       </p:pic>
-      <p:pic>
-        <p:nvPicPr>
-          <p:cNvPr id="10" name="Picture 9" descr="A circular emblem with a shield and a lighthouse&#10;&#10;Description automatically generated">
-            <a:extLst>
-              <a:ext uri="{FF2B5EF4-FFF2-40B4-BE49-F238E27FC236}">
-                <a16:creationId xmlns:a16="http://schemas.microsoft.com/office/drawing/2014/main" id="{80C52403-BDC7-44B7-176E-F02647C8071E}"/>
-              </a:ext>
-            </a:extLst>
-          </p:cNvPr>
-          <p:cNvPicPr>
-            <a:picLocks noChangeAspect="1"/>
-          </p:cNvPicPr>
-          <p:nvPr/>
-        </p:nvPicPr>
-        <p:blipFill>
-          <a:blip r:embed="rId8"/>
-          <a:stretch>
-            <a:fillRect/>
-          </a:stretch>
-        </p:blipFill>
-        <p:spPr>
-          <a:xfrm>
-            <a:off x="10906351" y="79758"/>
-            <a:ext cx="1182737" cy="1170544"/>
-          </a:xfrm>
-          <a:prstGeom prst="rect">
-            <a:avLst/>
-          </a:prstGeom>
-        </p:spPr>
-      </p:pic>
-      <p:sp>
-        <p:nvSpPr>
-          <p:cNvPr id="4" name="TextBox 3">
-            <a:extLst>
-              <a:ext uri="{FF2B5EF4-FFF2-40B4-BE49-F238E27FC236}">
-                <a16:creationId xmlns:a16="http://schemas.microsoft.com/office/drawing/2014/main" id="{4A65C8E5-EC3F-F5FE-42AF-57F303617A4F}"/>
+      <p:sp>
+        <p:nvSpPr>
+          <p:cNvPr id="15" name="TextBox 14">
+            <a:extLst>
+              <a:ext uri="{FF2B5EF4-FFF2-40B4-BE49-F238E27FC236}">
+                <a16:creationId xmlns:a16="http://schemas.microsoft.com/office/drawing/2014/main" id="{AC2710FE-6F31-EAFB-7185-AAA1D493A598}"/>
               </a:ext>
             </a:extLst>
           </p:cNvPr>
@@ -14932,8 +14987,8 @@
         </p:nvSpPr>
         <p:spPr>
           <a:xfrm>
-            <a:off x="1043119" y="2183363"/>
-            <a:ext cx="4170784" cy="646331"/>
+            <a:off x="426098" y="3139889"/>
+            <a:ext cx="5827473" cy="307777"/>
           </a:xfrm>
           <a:prstGeom prst="rect">
             <a:avLst/>
@@ -14947,7 +15002,7 @@
           <a:lstStyle/>
           <a:p>
             <a:r>
-              <a:rPr lang="it-IT" dirty="0">
+              <a:rPr lang="it-IT" sz="1400" dirty="0">
                 <a:solidFill>
                   <a:schemeClr val="bg1">
                     <a:lumMod val="85000"/>
@@ -14957,7 +15012,7 @@
                 <a:latin typeface="Cascadia Code" panose="020B0609020000020004" pitchFamily="49" charset="0"/>
                 <a:cs typeface="Cascadia Code" panose="020B0609020000020004" pitchFamily="49" charset="0"/>
               </a:rPr>
-              <a:t>Random Forest si dichiara il miglior modello di ensemble.</a:t>
+              <a:t>Migliori parametri per il Gaussian Naive Bayes</a:t>
             </a:r>
           </a:p>
         </p:txBody>
@@ -14965,7 +15020,7 @@
     </p:spTree>
     <p:extLst>
       <p:ext uri="{BB962C8B-B14F-4D97-AF65-F5344CB8AC3E}">
-        <p14:creationId xmlns:p14="http://schemas.microsoft.com/office/powerpoint/2010/main" val="463051787"/>
+        <p14:creationId xmlns:p14="http://schemas.microsoft.com/office/powerpoint/2010/main" val="3767822526"/>
       </p:ext>
     </p:extLst>
   </p:cSld>
@@ -15077,7 +15132,7 @@
                 <a:latin typeface="Cascadia Code" panose="020B0609020000020004" pitchFamily="49" charset="0"/>
                 <a:cs typeface="Cascadia Code" panose="020B0609020000020004" pitchFamily="49" charset="0"/>
               </a:rPr>
-              <a:t>03/09/2023</a:t>
+              <a:t>04/09/2023</a:t>
             </a:fld>
             <a:endParaRPr lang="it-IT" sz="1400" noProof="0" dirty="0">
               <a:solidFill>
@@ -15651,7 +15706,7 @@
                 <a:latin typeface="Cascadia Code" panose="020B0609020000020004" pitchFamily="49" charset="0"/>
                 <a:cs typeface="Cascadia Code" panose="020B0609020000020004" pitchFamily="49" charset="0"/>
               </a:rPr>
-              <a:t>03/09/2023</a:t>
+              <a:t>04/09/2023</a:t>
             </a:fld>
             <a:endParaRPr lang="it-IT" sz="1400" noProof="0" dirty="0">
               <a:solidFill>
@@ -16131,7 +16186,7 @@
                 <a:latin typeface="Cascadia Code" panose="020B0609020000020004" pitchFamily="49" charset="0"/>
                 <a:cs typeface="Cascadia Code" panose="020B0609020000020004" pitchFamily="49" charset="0"/>
               </a:rPr>
-              <a:t>03/09/2023</a:t>
+              <a:t>04/09/2023</a:t>
             </a:fld>
             <a:endParaRPr lang="it-IT" sz="1400" noProof="0" dirty="0">
               <a:solidFill>
@@ -16633,7 +16688,7 @@
                 <a:latin typeface="Cascadia Code" panose="020B0609020000020004" pitchFamily="49" charset="0"/>
                 <a:cs typeface="Cascadia Code" panose="020B0609020000020004" pitchFamily="49" charset="0"/>
               </a:rPr>
-              <a:t>03/09/2023</a:t>
+              <a:t>04/09/2023</a:t>
             </a:fld>
             <a:endParaRPr lang="it-IT" sz="1400" noProof="0" dirty="0">
               <a:solidFill>
@@ -17121,7 +17176,7 @@
                 <a:latin typeface="Cascadia Code" panose="020B0609020000020004" pitchFamily="49" charset="0"/>
                 <a:cs typeface="Cascadia Code" panose="020B0609020000020004" pitchFamily="49" charset="0"/>
               </a:rPr>
-              <a:t>03/09/2023</a:t>
+              <a:t>04/09/2023</a:t>
             </a:fld>
             <a:endParaRPr lang="it-IT" sz="1400" noProof="0" dirty="0">
               <a:solidFill>
@@ -17404,18 +17459,37 @@
         </p:nvSpPr>
         <p:spPr>
           <a:xfrm>
-            <a:off x="6900493" y="609600"/>
-            <a:ext cx="4538124" cy="970450"/>
+            <a:off x="1461446" y="353399"/>
+            <a:ext cx="9591156" cy="684311"/>
           </a:xfrm>
         </p:spPr>
         <p:txBody>
           <a:bodyPr rtlCol="0" anchor="b">
-            <a:normAutofit/>
+            <a:normAutofit fontScale="90000"/>
           </a:bodyPr>
           <a:lstStyle/>
           <a:p>
             <a:pPr algn="l"/>
-            <a:endParaRPr lang="it-IT" sz="4000" dirty="0"/>
+            <a:r>
+              <a:rPr lang="it-IT" sz="4000" dirty="0">
+                <a:solidFill>
+                  <a:schemeClr val="bg1">
+                    <a:lumMod val="85000"/>
+                    <a:lumOff val="15000"/>
+                  </a:schemeClr>
+                </a:solidFill>
+                <a:latin typeface="Cascadia Code" panose="020B0609020000020004" pitchFamily="49" charset="0"/>
+                <a:cs typeface="Cascadia Code" panose="020B0609020000020004" pitchFamily="49" charset="0"/>
+              </a:rPr>
+              <a:t>COST SENSITIVE VS </a:t>
+            </a:r>
+            <a:r>
+              <a:rPr lang="it-IT" sz="4000" dirty="0">
+                <a:latin typeface="Cascadia Code" panose="020B0609020000020004" pitchFamily="49" charset="0"/>
+                <a:cs typeface="Cascadia Code" panose="020B0609020000020004" pitchFamily="49" charset="0"/>
+              </a:rPr>
+              <a:t>COST INSENITIVE</a:t>
+            </a:r>
           </a:p>
         </p:txBody>
       </p:sp>
@@ -17443,8 +17517,8 @@
         </p:blipFill>
         <p:spPr>
           <a:xfrm>
-            <a:off x="7740944" y="2819433"/>
-            <a:ext cx="2967135" cy="1399591"/>
+            <a:off x="4911507" y="4651373"/>
+            <a:ext cx="2691034" cy="1269355"/>
           </a:xfrm>
         </p:spPr>
       </p:pic>
@@ -17483,7 +17557,7 @@
                 <a:latin typeface="Cascadia Code" panose="020B0609020000020004" pitchFamily="49" charset="0"/>
                 <a:cs typeface="Cascadia Code" panose="020B0609020000020004" pitchFamily="49" charset="0"/>
               </a:rPr>
-              <a:t>03/09/2023</a:t>
+              <a:t>04/09/2023</a:t>
             </a:fld>
             <a:endParaRPr lang="it-IT" sz="1400" noProof="0" dirty="0">
               <a:solidFill>
@@ -17578,10 +17652,211 @@
           </a:p>
         </p:txBody>
       </p:sp>
+      <p:pic>
+        <p:nvPicPr>
+          <p:cNvPr id="4" name="Picture 3" descr="A circular emblem with a shield and a lighthouse&#10;&#10;Description automatically generated">
+            <a:extLst>
+              <a:ext uri="{FF2B5EF4-FFF2-40B4-BE49-F238E27FC236}">
+                <a16:creationId xmlns:a16="http://schemas.microsoft.com/office/drawing/2014/main" id="{8858BCA4-2280-7A29-A50D-8DDCA992E36E}"/>
+              </a:ext>
+            </a:extLst>
+          </p:cNvPr>
+          <p:cNvPicPr>
+            <a:picLocks noChangeAspect="1"/>
+          </p:cNvPicPr>
+          <p:nvPr/>
+        </p:nvPicPr>
+        <p:blipFill>
+          <a:blip r:embed="rId5"/>
+          <a:stretch>
+            <a:fillRect/>
+          </a:stretch>
+        </p:blipFill>
+        <p:spPr>
+          <a:xfrm>
+            <a:off x="10906351" y="79758"/>
+            <a:ext cx="1182737" cy="1170544"/>
+          </a:xfrm>
+          <a:prstGeom prst="rect">
+            <a:avLst/>
+          </a:prstGeom>
+        </p:spPr>
+      </p:pic>
+      <p:pic>
+        <p:nvPicPr>
+          <p:cNvPr id="6" name="Picture 5" descr="A screen shot of a graph&#10;&#10;Description automatically generated">
+            <a:extLst>
+              <a:ext uri="{FF2B5EF4-FFF2-40B4-BE49-F238E27FC236}">
+                <a16:creationId xmlns:a16="http://schemas.microsoft.com/office/drawing/2014/main" id="{8E49ABA9-3368-AB0A-D9F9-7A9E44FF48F8}"/>
+              </a:ext>
+            </a:extLst>
+          </p:cNvPr>
+          <p:cNvPicPr>
+            <a:picLocks noChangeAspect="1"/>
+          </p:cNvPicPr>
+          <p:nvPr/>
+        </p:nvPicPr>
+        <p:blipFill>
+          <a:blip r:embed="rId6"/>
+          <a:stretch>
+            <a:fillRect/>
+          </a:stretch>
+        </p:blipFill>
+        <p:spPr>
+          <a:xfrm>
+            <a:off x="6977224" y="4030323"/>
+            <a:ext cx="4689269" cy="1949627"/>
+          </a:xfrm>
+          <a:prstGeom prst="rect">
+            <a:avLst/>
+          </a:prstGeom>
+        </p:spPr>
+      </p:pic>
+      <p:pic>
+        <p:nvPicPr>
+          <p:cNvPr id="8" name="Picture 7" descr="A screen shot of a graph&#10;&#10;Description automatically generated">
+            <a:extLst>
+              <a:ext uri="{FF2B5EF4-FFF2-40B4-BE49-F238E27FC236}">
+                <a16:creationId xmlns:a16="http://schemas.microsoft.com/office/drawing/2014/main" id="{E0791517-B9D6-1284-B166-C9918B10A6D2}"/>
+              </a:ext>
+            </a:extLst>
+          </p:cNvPr>
+          <p:cNvPicPr>
+            <a:picLocks noChangeAspect="1"/>
+          </p:cNvPicPr>
+          <p:nvPr/>
+        </p:nvPicPr>
+        <p:blipFill>
+          <a:blip r:embed="rId7"/>
+          <a:stretch>
+            <a:fillRect/>
+          </a:stretch>
+        </p:blipFill>
+        <p:spPr>
+          <a:xfrm>
+            <a:off x="847555" y="4030323"/>
+            <a:ext cx="4689269" cy="1926765"/>
+          </a:xfrm>
+          <a:prstGeom prst="rect">
+            <a:avLst/>
+          </a:prstGeom>
+        </p:spPr>
+      </p:pic>
+      <p:pic>
+        <p:nvPicPr>
+          <p:cNvPr id="10" name="Picture 9" descr="A screenshot of a computer&#10;&#10;Description automatically generated">
+            <a:extLst>
+              <a:ext uri="{FF2B5EF4-FFF2-40B4-BE49-F238E27FC236}">
+                <a16:creationId xmlns:a16="http://schemas.microsoft.com/office/drawing/2014/main" id="{42C10AC3-A247-FED1-8E19-D83F4538ACE0}"/>
+              </a:ext>
+            </a:extLst>
+          </p:cNvPr>
+          <p:cNvPicPr>
+            <a:picLocks noChangeAspect="1"/>
+          </p:cNvPicPr>
+          <p:nvPr/>
+        </p:nvPicPr>
+        <p:blipFill>
+          <a:blip r:embed="rId8"/>
+          <a:stretch>
+            <a:fillRect/>
+          </a:stretch>
+        </p:blipFill>
+        <p:spPr>
+          <a:xfrm>
+            <a:off x="6965709" y="1739402"/>
+            <a:ext cx="4689268" cy="1924230"/>
+          </a:xfrm>
+          <a:prstGeom prst="rect">
+            <a:avLst/>
+          </a:prstGeom>
+        </p:spPr>
+      </p:pic>
+      <p:pic>
+        <p:nvPicPr>
+          <p:cNvPr id="16" name="Picture 15" descr="A screenshot of a computer&#10;&#10;Description automatically generated">
+            <a:extLst>
+              <a:ext uri="{FF2B5EF4-FFF2-40B4-BE49-F238E27FC236}">
+                <a16:creationId xmlns:a16="http://schemas.microsoft.com/office/drawing/2014/main" id="{2E9D3DFD-4615-E8DB-7A3F-E72A6BA607AB}"/>
+              </a:ext>
+            </a:extLst>
+          </p:cNvPr>
+          <p:cNvPicPr>
+            <a:picLocks noChangeAspect="1"/>
+          </p:cNvPicPr>
+          <p:nvPr/>
+        </p:nvPicPr>
+        <p:blipFill>
+          <a:blip r:embed="rId9"/>
+          <a:stretch>
+            <a:fillRect/>
+          </a:stretch>
+        </p:blipFill>
+        <p:spPr>
+          <a:xfrm>
+            <a:off x="847554" y="1739402"/>
+            <a:ext cx="4689269" cy="1926765"/>
+          </a:xfrm>
+          <a:prstGeom prst="rect">
+            <a:avLst/>
+          </a:prstGeom>
+        </p:spPr>
+      </p:pic>
+      <p:sp>
+        <p:nvSpPr>
+          <p:cNvPr id="17" name="TextBox 16">
+            <a:extLst>
+              <a:ext uri="{FF2B5EF4-FFF2-40B4-BE49-F238E27FC236}">
+                <a16:creationId xmlns:a16="http://schemas.microsoft.com/office/drawing/2014/main" id="{5DC74CE3-9C53-80FC-F6C5-E478E1EA807C}"/>
+              </a:ext>
+            </a:extLst>
+          </p:cNvPr>
+          <p:cNvSpPr txBox="1"/>
+          <p:nvPr/>
+        </p:nvSpPr>
+        <p:spPr>
+          <a:xfrm>
+            <a:off x="2526730" y="1111142"/>
+            <a:ext cx="6257024" cy="369332"/>
+          </a:xfrm>
+          <a:prstGeom prst="rect">
+            <a:avLst/>
+          </a:prstGeom>
+          <a:noFill/>
+        </p:spPr>
+        <p:txBody>
+          <a:bodyPr wrap="square" rtlCol="0">
+            <a:spAutoFit/>
+          </a:bodyPr>
+          <a:lstStyle/>
+          <a:p>
+            <a:r>
+              <a:rPr lang="it-IT" dirty="0">
+                <a:solidFill>
+                  <a:schemeClr val="bg1">
+                    <a:lumMod val="85000"/>
+                    <a:lumOff val="15000"/>
+                  </a:schemeClr>
+                </a:solidFill>
+                <a:latin typeface="Cascadia Code" panose="020B0609020000020004" pitchFamily="49" charset="0"/>
+                <a:cs typeface="Cascadia Code" panose="020B0609020000020004" pitchFamily="49" charset="0"/>
+              </a:rPr>
+              <a:t>Stochastic Gradient Descent </a:t>
+            </a:r>
+            <a:r>
+              <a:rPr lang="it-IT" dirty="0">
+                <a:latin typeface="Cascadia Code" panose="020B0609020000020004" pitchFamily="49" charset="0"/>
+                <a:cs typeface="Cascadia Code" panose="020B0609020000020004" pitchFamily="49" charset="0"/>
+              </a:rPr>
+              <a:t>VS Percettrone</a:t>
+            </a:r>
+          </a:p>
+        </p:txBody>
+      </p:sp>
     </p:spTree>
     <p:extLst>
       <p:ext uri="{BB962C8B-B14F-4D97-AF65-F5344CB8AC3E}">
-        <p14:creationId xmlns:p14="http://schemas.microsoft.com/office/powerpoint/2010/main" val="3954822723"/>
+        <p14:creationId xmlns:p14="http://schemas.microsoft.com/office/powerpoint/2010/main" val="736543774"/>
       </p:ext>
     </p:extLst>
   </p:cSld>
@@ -17650,7 +17925,7 @@
         </p:blipFill>
         <p:spPr>
           <a:xfrm>
-            <a:off x="0" y="-1"/>
+            <a:off x="0" y="10"/>
             <a:ext cx="6257024" cy="6857990"/>
           </a:xfrm>
           <a:prstGeom prst="rect">
@@ -17658,58 +17933,6 @@
           </a:prstGeom>
         </p:spPr>
       </p:pic>
-      <p:sp>
-        <p:nvSpPr>
-          <p:cNvPr id="2" name="Titolo 1">
-            <a:extLst>
-              <a:ext uri="{FF2B5EF4-FFF2-40B4-BE49-F238E27FC236}">
-                <a16:creationId xmlns:a16="http://schemas.microsoft.com/office/drawing/2014/main" id="{89559F60-4CE1-4E2F-86EA-1B60679F1F4A}"/>
-              </a:ext>
-            </a:extLst>
-          </p:cNvPr>
-          <p:cNvSpPr>
-            <a:spLocks noGrp="1"/>
-          </p:cNvSpPr>
-          <p:nvPr>
-            <p:ph type="title"/>
-          </p:nvPr>
-        </p:nvSpPr>
-        <p:spPr>
-          <a:xfrm>
-            <a:off x="1461446" y="353399"/>
-            <a:ext cx="9591156" cy="684311"/>
-          </a:xfrm>
-        </p:spPr>
-        <p:txBody>
-          <a:bodyPr rtlCol="0" anchor="b">
-            <a:normAutofit fontScale="90000"/>
-          </a:bodyPr>
-          <a:lstStyle/>
-          <a:p>
-            <a:pPr algn="l"/>
-            <a:r>
-              <a:rPr lang="it-IT" sz="4000" dirty="0">
-                <a:solidFill>
-                  <a:schemeClr val="bg1">
-                    <a:lumMod val="85000"/>
-                    <a:lumOff val="15000"/>
-                  </a:schemeClr>
-                </a:solidFill>
-                <a:latin typeface="Cascadia Code" panose="020B0609020000020004" pitchFamily="49" charset="0"/>
-                <a:cs typeface="Cascadia Code" panose="020B0609020000020004" pitchFamily="49" charset="0"/>
-              </a:rPr>
-              <a:t>COST SENSITIVE VS </a:t>
-            </a:r>
-            <a:r>
-              <a:rPr lang="it-IT" sz="4000" dirty="0">
-                <a:latin typeface="Cascadia Code" panose="020B0609020000020004" pitchFamily="49" charset="0"/>
-                <a:cs typeface="Cascadia Code" panose="020B0609020000020004" pitchFamily="49" charset="0"/>
-              </a:rPr>
-              <a:t>COST INSENITIVE</a:t>
-            </a:r>
-          </a:p>
-        </p:txBody>
-      </p:sp>
       <p:pic>
         <p:nvPicPr>
           <p:cNvPr id="11" name="Content Placeholder 10" descr="A yellow and black brain with circuit lines&#10;&#10;Description automatically generated">
@@ -17734,8 +17957,8 @@
         </p:blipFill>
         <p:spPr>
           <a:xfrm>
-            <a:off x="4911507" y="4651373"/>
-            <a:ext cx="2691034" cy="1269355"/>
+            <a:off x="5112244" y="4833257"/>
+            <a:ext cx="2289560" cy="1079980"/>
           </a:xfrm>
         </p:spPr>
       </p:pic>
@@ -17774,7 +17997,7 @@
                 <a:latin typeface="Cascadia Code" panose="020B0609020000020004" pitchFamily="49" charset="0"/>
                 <a:cs typeface="Cascadia Code" panose="020B0609020000020004" pitchFamily="49" charset="0"/>
               </a:rPr>
-              <a:t>03/09/2023</a:t>
+              <a:t>04/09/2023</a:t>
             </a:fld>
             <a:endParaRPr lang="it-IT" sz="1400" noProof="0" dirty="0">
               <a:solidFill>
@@ -17860,446 +18083,6 @@
                 </a:solidFill>
               </a:rPr>
               <a:t>8</a:t>
-            </a:fld>
-            <a:endParaRPr lang="it-IT" sz="1600" b="1" noProof="0" dirty="0">
-              <a:solidFill>
-                <a:srgbClr val="D3AB03"/>
-              </a:solidFill>
-            </a:endParaRPr>
-          </a:p>
-        </p:txBody>
-      </p:sp>
-      <p:pic>
-        <p:nvPicPr>
-          <p:cNvPr id="4" name="Picture 3" descr="A circular emblem with a shield and a lighthouse&#10;&#10;Description automatically generated">
-            <a:extLst>
-              <a:ext uri="{FF2B5EF4-FFF2-40B4-BE49-F238E27FC236}">
-                <a16:creationId xmlns:a16="http://schemas.microsoft.com/office/drawing/2014/main" id="{8858BCA4-2280-7A29-A50D-8DDCA992E36E}"/>
-              </a:ext>
-            </a:extLst>
-          </p:cNvPr>
-          <p:cNvPicPr>
-            <a:picLocks noChangeAspect="1"/>
-          </p:cNvPicPr>
-          <p:nvPr/>
-        </p:nvPicPr>
-        <p:blipFill>
-          <a:blip r:embed="rId5"/>
-          <a:stretch>
-            <a:fillRect/>
-          </a:stretch>
-        </p:blipFill>
-        <p:spPr>
-          <a:xfrm>
-            <a:off x="10906351" y="79758"/>
-            <a:ext cx="1182737" cy="1170544"/>
-          </a:xfrm>
-          <a:prstGeom prst="rect">
-            <a:avLst/>
-          </a:prstGeom>
-        </p:spPr>
-      </p:pic>
-      <p:pic>
-        <p:nvPicPr>
-          <p:cNvPr id="6" name="Picture 5" descr="A screen shot of a graph&#10;&#10;Description automatically generated">
-            <a:extLst>
-              <a:ext uri="{FF2B5EF4-FFF2-40B4-BE49-F238E27FC236}">
-                <a16:creationId xmlns:a16="http://schemas.microsoft.com/office/drawing/2014/main" id="{8E49ABA9-3368-AB0A-D9F9-7A9E44FF48F8}"/>
-              </a:ext>
-            </a:extLst>
-          </p:cNvPr>
-          <p:cNvPicPr>
-            <a:picLocks noChangeAspect="1"/>
-          </p:cNvPicPr>
-          <p:nvPr/>
-        </p:nvPicPr>
-        <p:blipFill>
-          <a:blip r:embed="rId6"/>
-          <a:stretch>
-            <a:fillRect/>
-          </a:stretch>
-        </p:blipFill>
-        <p:spPr>
-          <a:xfrm>
-            <a:off x="6977224" y="4030323"/>
-            <a:ext cx="4689269" cy="1949627"/>
-          </a:xfrm>
-          <a:prstGeom prst="rect">
-            <a:avLst/>
-          </a:prstGeom>
-        </p:spPr>
-      </p:pic>
-      <p:pic>
-        <p:nvPicPr>
-          <p:cNvPr id="8" name="Picture 7" descr="A screen shot of a graph&#10;&#10;Description automatically generated">
-            <a:extLst>
-              <a:ext uri="{FF2B5EF4-FFF2-40B4-BE49-F238E27FC236}">
-                <a16:creationId xmlns:a16="http://schemas.microsoft.com/office/drawing/2014/main" id="{E0791517-B9D6-1284-B166-C9918B10A6D2}"/>
-              </a:ext>
-            </a:extLst>
-          </p:cNvPr>
-          <p:cNvPicPr>
-            <a:picLocks noChangeAspect="1"/>
-          </p:cNvPicPr>
-          <p:nvPr/>
-        </p:nvPicPr>
-        <p:blipFill>
-          <a:blip r:embed="rId7"/>
-          <a:stretch>
-            <a:fillRect/>
-          </a:stretch>
-        </p:blipFill>
-        <p:spPr>
-          <a:xfrm>
-            <a:off x="847555" y="4030323"/>
-            <a:ext cx="4689269" cy="1926765"/>
-          </a:xfrm>
-          <a:prstGeom prst="rect">
-            <a:avLst/>
-          </a:prstGeom>
-        </p:spPr>
-      </p:pic>
-      <p:pic>
-        <p:nvPicPr>
-          <p:cNvPr id="10" name="Picture 9" descr="A screenshot of a computer&#10;&#10;Description automatically generated">
-            <a:extLst>
-              <a:ext uri="{FF2B5EF4-FFF2-40B4-BE49-F238E27FC236}">
-                <a16:creationId xmlns:a16="http://schemas.microsoft.com/office/drawing/2014/main" id="{42C10AC3-A247-FED1-8E19-D83F4538ACE0}"/>
-              </a:ext>
-            </a:extLst>
-          </p:cNvPr>
-          <p:cNvPicPr>
-            <a:picLocks noChangeAspect="1"/>
-          </p:cNvPicPr>
-          <p:nvPr/>
-        </p:nvPicPr>
-        <p:blipFill>
-          <a:blip r:embed="rId8"/>
-          <a:stretch>
-            <a:fillRect/>
-          </a:stretch>
-        </p:blipFill>
-        <p:spPr>
-          <a:xfrm>
-            <a:off x="6965709" y="1739402"/>
-            <a:ext cx="4689268" cy="1924230"/>
-          </a:xfrm>
-          <a:prstGeom prst="rect">
-            <a:avLst/>
-          </a:prstGeom>
-        </p:spPr>
-      </p:pic>
-      <p:pic>
-        <p:nvPicPr>
-          <p:cNvPr id="16" name="Picture 15" descr="A screenshot of a computer&#10;&#10;Description automatically generated">
-            <a:extLst>
-              <a:ext uri="{FF2B5EF4-FFF2-40B4-BE49-F238E27FC236}">
-                <a16:creationId xmlns:a16="http://schemas.microsoft.com/office/drawing/2014/main" id="{2E9D3DFD-4615-E8DB-7A3F-E72A6BA607AB}"/>
-              </a:ext>
-            </a:extLst>
-          </p:cNvPr>
-          <p:cNvPicPr>
-            <a:picLocks noChangeAspect="1"/>
-          </p:cNvPicPr>
-          <p:nvPr/>
-        </p:nvPicPr>
-        <p:blipFill>
-          <a:blip r:embed="rId9"/>
-          <a:stretch>
-            <a:fillRect/>
-          </a:stretch>
-        </p:blipFill>
-        <p:spPr>
-          <a:xfrm>
-            <a:off x="847554" y="1739402"/>
-            <a:ext cx="4689269" cy="1926765"/>
-          </a:xfrm>
-          <a:prstGeom prst="rect">
-            <a:avLst/>
-          </a:prstGeom>
-        </p:spPr>
-      </p:pic>
-      <p:sp>
-        <p:nvSpPr>
-          <p:cNvPr id="17" name="TextBox 16">
-            <a:extLst>
-              <a:ext uri="{FF2B5EF4-FFF2-40B4-BE49-F238E27FC236}">
-                <a16:creationId xmlns:a16="http://schemas.microsoft.com/office/drawing/2014/main" id="{5DC74CE3-9C53-80FC-F6C5-E478E1EA807C}"/>
-              </a:ext>
-            </a:extLst>
-          </p:cNvPr>
-          <p:cNvSpPr txBox="1"/>
-          <p:nvPr/>
-        </p:nvSpPr>
-        <p:spPr>
-          <a:xfrm>
-            <a:off x="2526730" y="1111142"/>
-            <a:ext cx="6257024" cy="369332"/>
-          </a:xfrm>
-          <a:prstGeom prst="rect">
-            <a:avLst/>
-          </a:prstGeom>
-          <a:noFill/>
-        </p:spPr>
-        <p:txBody>
-          <a:bodyPr wrap="square" rtlCol="0">
-            <a:spAutoFit/>
-          </a:bodyPr>
-          <a:lstStyle/>
-          <a:p>
-            <a:r>
-              <a:rPr lang="it-IT" dirty="0">
-                <a:solidFill>
-                  <a:schemeClr val="bg1">
-                    <a:lumMod val="85000"/>
-                    <a:lumOff val="15000"/>
-                  </a:schemeClr>
-                </a:solidFill>
-                <a:latin typeface="Cascadia Code" panose="020B0609020000020004" pitchFamily="49" charset="0"/>
-                <a:cs typeface="Cascadia Code" panose="020B0609020000020004" pitchFamily="49" charset="0"/>
-              </a:rPr>
-              <a:t>Stochastic Gradient Descent </a:t>
-            </a:r>
-            <a:r>
-              <a:rPr lang="it-IT" dirty="0">
-                <a:latin typeface="Cascadia Code" panose="020B0609020000020004" pitchFamily="49" charset="0"/>
-                <a:cs typeface="Cascadia Code" panose="020B0609020000020004" pitchFamily="49" charset="0"/>
-              </a:rPr>
-              <a:t>VS Percettrone</a:t>
-            </a:r>
-          </a:p>
-        </p:txBody>
-      </p:sp>
-    </p:spTree>
-    <p:extLst>
-      <p:ext uri="{BB962C8B-B14F-4D97-AF65-F5344CB8AC3E}">
-        <p14:creationId xmlns:p14="http://schemas.microsoft.com/office/powerpoint/2010/main" val="736543774"/>
-      </p:ext>
-    </p:extLst>
-  </p:cSld>
-  <p:clrMapOvr>
-    <a:masterClrMapping/>
-  </p:clrMapOvr>
-  <mc:AlternateContent xmlns:mc="http://schemas.openxmlformats.org/markup-compatibility/2006" xmlns:p14="http://schemas.microsoft.com/office/powerpoint/2010/main">
-    <mc:Choice Requires="p14">
-      <p:transition spd="slow" p14:dur="2500">
-        <p:checker/>
-      </p:transition>
-    </mc:Choice>
-    <mc:Fallback xmlns="">
-      <p:transition spd="slow">
-        <p:checker/>
-      </p:transition>
-    </mc:Fallback>
-  </mc:AlternateContent>
-</p:sld>
-</file>
-
-<file path=ppt/slides/slide9.xml><?xml version="1.0" encoding="utf-8"?>
-<p:sld xmlns:a="http://schemas.openxmlformats.org/drawingml/2006/main" xmlns:r="http://schemas.openxmlformats.org/officeDocument/2006/relationships" xmlns:p="http://schemas.openxmlformats.org/presentationml/2006/main">
-  <p:cSld>
-    <p:spTree>
-      <p:nvGrpSpPr>
-        <p:cNvPr id="1" name=""/>
-        <p:cNvGrpSpPr/>
-        <p:nvPr/>
-      </p:nvGrpSpPr>
-      <p:grpSpPr>
-        <a:xfrm>
-          <a:off x="0" y="0"/>
-          <a:ext cx="0" cy="0"/>
-          <a:chOff x="0" y="0"/>
-          <a:chExt cx="0" cy="0"/>
-        </a:xfrm>
-      </p:grpSpPr>
-      <p:pic>
-        <p:nvPicPr>
-          <p:cNvPr id="3" name="Immagine 2">
-            <a:extLst>
-              <a:ext uri="{FF2B5EF4-FFF2-40B4-BE49-F238E27FC236}">
-                <a16:creationId xmlns:a16="http://schemas.microsoft.com/office/drawing/2014/main" id="{72B2D6DE-C9B5-4678-91EF-77E85F2350DA}"/>
-              </a:ext>
-              <a:ext uri="{C183D7F6-B498-43B3-948B-1728B52AA6E4}">
-                <adec:decorative xmlns:adec="http://schemas.microsoft.com/office/drawing/2017/decorative" val="1"/>
-              </a:ext>
-            </a:extLst>
-          </p:cNvPr>
-          <p:cNvPicPr>
-            <a:picLocks noChangeAspect="1"/>
-          </p:cNvPicPr>
-          <p:nvPr/>
-        </p:nvPicPr>
-        <p:blipFill rotWithShape="1">
-          <a:blip r:embed="rId3">
-            <a:extLst>
-              <a:ext uri="{28A0092B-C50C-407E-A947-70E740481C1C}">
-                <a14:useLocalDpi xmlns:a14="http://schemas.microsoft.com/office/drawing/2010/main" val="0"/>
-              </a:ext>
-            </a:extLst>
-          </a:blip>
-          <a:srcRect b="-1"/>
-          <a:stretch/>
-        </p:blipFill>
-        <p:spPr>
-          <a:xfrm>
-            <a:off x="0" y="10"/>
-            <a:ext cx="6257024" cy="6857990"/>
-          </a:xfrm>
-          <a:prstGeom prst="rect">
-            <a:avLst/>
-          </a:prstGeom>
-        </p:spPr>
-      </p:pic>
-      <p:pic>
-        <p:nvPicPr>
-          <p:cNvPr id="11" name="Content Placeholder 10" descr="A yellow and black brain with circuit lines&#10;&#10;Description automatically generated">
-            <a:extLst>
-              <a:ext uri="{FF2B5EF4-FFF2-40B4-BE49-F238E27FC236}">
-                <a16:creationId xmlns:a16="http://schemas.microsoft.com/office/drawing/2014/main" id="{F83D31A3-DF84-DA0B-855A-947C67F54D2B}"/>
-              </a:ext>
-            </a:extLst>
-          </p:cNvPr>
-          <p:cNvPicPr>
-            <a:picLocks noGrp="1" noChangeAspect="1"/>
-          </p:cNvPicPr>
-          <p:nvPr>
-            <p:ph idx="1"/>
-          </p:nvPr>
-        </p:nvPicPr>
-        <p:blipFill>
-          <a:blip r:embed="rId4"/>
-          <a:stretch>
-            <a:fillRect/>
-          </a:stretch>
-        </p:blipFill>
-        <p:spPr>
-          <a:xfrm>
-            <a:off x="5112244" y="4833257"/>
-            <a:ext cx="2289560" cy="1079980"/>
-          </a:xfrm>
-        </p:spPr>
-      </p:pic>
-      <p:sp>
-        <p:nvSpPr>
-          <p:cNvPr id="12" name="Date Placeholder 11">
-            <a:extLst>
-              <a:ext uri="{FF2B5EF4-FFF2-40B4-BE49-F238E27FC236}">
-                <a16:creationId xmlns:a16="http://schemas.microsoft.com/office/drawing/2014/main" id="{26C3A337-1466-6B4A-9183-BBC2F1B4B52E}"/>
-              </a:ext>
-            </a:extLst>
-          </p:cNvPr>
-          <p:cNvSpPr>
-            <a:spLocks noGrp="1"/>
-          </p:cNvSpPr>
-          <p:nvPr>
-            <p:ph type="dt" sz="half" idx="10"/>
-          </p:nvPr>
-        </p:nvSpPr>
-        <p:spPr>
-          <a:xfrm>
-            <a:off x="8911777" y="6000747"/>
-            <a:ext cx="2743200" cy="365125"/>
-          </a:xfrm>
-        </p:spPr>
-        <p:txBody>
-          <a:bodyPr/>
-          <a:lstStyle/>
-          <a:p>
-            <a:pPr rtl="0"/>
-            <a:fld id="{2116A2A8-3503-43CE-8F76-A87F08AAB267}" type="datetime1">
-              <a:rPr lang="it-IT" sz="1400" noProof="0" smtClean="0">
-                <a:solidFill>
-                  <a:srgbClr val="D3AB03"/>
-                </a:solidFill>
-                <a:latin typeface="Cascadia Code" panose="020B0609020000020004" pitchFamily="49" charset="0"/>
-                <a:cs typeface="Cascadia Code" panose="020B0609020000020004" pitchFamily="49" charset="0"/>
-              </a:rPr>
-              <a:t>03/09/2023</a:t>
-            </a:fld>
-            <a:endParaRPr lang="it-IT" sz="1400" noProof="0" dirty="0">
-              <a:solidFill>
-                <a:srgbClr val="D3AB03"/>
-              </a:solidFill>
-              <a:latin typeface="Cascadia Code" panose="020B0609020000020004" pitchFamily="49" charset="0"/>
-              <a:cs typeface="Cascadia Code" panose="020B0609020000020004" pitchFamily="49" charset="0"/>
-            </a:endParaRPr>
-          </a:p>
-        </p:txBody>
-      </p:sp>
-      <p:sp>
-        <p:nvSpPr>
-          <p:cNvPr id="13" name="Footer Placeholder 12">
-            <a:extLst>
-              <a:ext uri="{FF2B5EF4-FFF2-40B4-BE49-F238E27FC236}">
-                <a16:creationId xmlns:a16="http://schemas.microsoft.com/office/drawing/2014/main" id="{0977C661-3A0D-B3C2-0FCD-A454DBEDB4B0}"/>
-              </a:ext>
-            </a:extLst>
-          </p:cNvPr>
-          <p:cNvSpPr>
-            <a:spLocks noGrp="1"/>
-          </p:cNvSpPr>
-          <p:nvPr>
-            <p:ph type="ftr" sz="quarter" idx="11"/>
-          </p:nvPr>
-        </p:nvSpPr>
-        <p:spPr>
-          <a:xfrm>
-            <a:off x="400611" y="6000736"/>
-            <a:ext cx="6672865" cy="365125"/>
-          </a:xfrm>
-        </p:spPr>
-        <p:txBody>
-          <a:bodyPr/>
-          <a:lstStyle/>
-          <a:p>
-            <a:pPr rtl="0"/>
-            <a:r>
-              <a:rPr lang="it-IT" sz="1400" noProof="0" dirty="0">
-                <a:solidFill>
-                  <a:srgbClr val="D3AB03"/>
-                </a:solidFill>
-                <a:latin typeface="Cascadia Code" panose="020B0609020000020004" pitchFamily="49" charset="0"/>
-                <a:cs typeface="Cascadia Code" panose="020B0609020000020004" pitchFamily="49" charset="0"/>
-              </a:rPr>
-              <a:t>DIEGO MICCOLI</a:t>
-            </a:r>
-          </a:p>
-        </p:txBody>
-      </p:sp>
-      <p:sp>
-        <p:nvSpPr>
-          <p:cNvPr id="14" name="Slide Number Placeholder 13">
-            <a:extLst>
-              <a:ext uri="{FF2B5EF4-FFF2-40B4-BE49-F238E27FC236}">
-                <a16:creationId xmlns:a16="http://schemas.microsoft.com/office/drawing/2014/main" id="{98950A86-E2DD-8CC5-87A5-168A086F304B}"/>
-              </a:ext>
-            </a:extLst>
-          </p:cNvPr>
-          <p:cNvSpPr>
-            <a:spLocks noGrp="1"/>
-          </p:cNvSpPr>
-          <p:nvPr>
-            <p:ph type="sldNum" sz="quarter" idx="12"/>
-          </p:nvPr>
-        </p:nvSpPr>
-        <p:spPr>
-          <a:xfrm>
-            <a:off x="5934975" y="5992547"/>
-            <a:ext cx="753545" cy="365125"/>
-          </a:xfrm>
-        </p:spPr>
-        <p:txBody>
-          <a:bodyPr/>
-          <a:lstStyle/>
-          <a:p>
-            <a:pPr rtl="0"/>
-            <a:fld id="{3A98EE3D-8CD1-4C3F-BD1C-C98C9596463C}" type="slidenum">
-              <a:rPr lang="it-IT" sz="1600" b="1" noProof="0" smtClean="0">
-                <a:solidFill>
-                  <a:srgbClr val="D3AB03"/>
-                </a:solidFill>
-              </a:rPr>
-              <a:t>9</a:t>
             </a:fld>
             <a:endParaRPr lang="it-IT" sz="1600" b="1" noProof="0" dirty="0">
               <a:solidFill>
@@ -18656,6 +18439,472 @@
     <mc:Fallback xmlns="">
       <p:transition spd="slow">
         <p:checker/>
+      </p:transition>
+    </mc:Fallback>
+  </mc:AlternateContent>
+</p:sld>
+</file>
+
+<file path=ppt/slides/slide9.xml><?xml version="1.0" encoding="utf-8"?>
+<p:sld xmlns:a="http://schemas.openxmlformats.org/drawingml/2006/main" xmlns:r="http://schemas.openxmlformats.org/officeDocument/2006/relationships" xmlns:p="http://schemas.openxmlformats.org/presentationml/2006/main">
+  <p:cSld>
+    <p:spTree>
+      <p:nvGrpSpPr>
+        <p:cNvPr id="1" name=""/>
+        <p:cNvGrpSpPr/>
+        <p:nvPr/>
+      </p:nvGrpSpPr>
+      <p:grpSpPr>
+        <a:xfrm>
+          <a:off x="0" y="0"/>
+          <a:ext cx="0" cy="0"/>
+          <a:chOff x="0" y="0"/>
+          <a:chExt cx="0" cy="0"/>
+        </a:xfrm>
+      </p:grpSpPr>
+      <p:pic>
+        <p:nvPicPr>
+          <p:cNvPr id="3" name="Immagine 2">
+            <a:extLst>
+              <a:ext uri="{FF2B5EF4-FFF2-40B4-BE49-F238E27FC236}">
+                <a16:creationId xmlns:a16="http://schemas.microsoft.com/office/drawing/2014/main" id="{72B2D6DE-C9B5-4678-91EF-77E85F2350DA}"/>
+              </a:ext>
+              <a:ext uri="{C183D7F6-B498-43B3-948B-1728B52AA6E4}">
+                <adec:decorative xmlns:adec="http://schemas.microsoft.com/office/drawing/2017/decorative" val="1"/>
+              </a:ext>
+            </a:extLst>
+          </p:cNvPr>
+          <p:cNvPicPr>
+            <a:picLocks noChangeAspect="1"/>
+          </p:cNvPicPr>
+          <p:nvPr/>
+        </p:nvPicPr>
+        <p:blipFill rotWithShape="1">
+          <a:blip r:embed="rId3">
+            <a:extLst>
+              <a:ext uri="{28A0092B-C50C-407E-A947-70E740481C1C}">
+                <a14:useLocalDpi xmlns:a14="http://schemas.microsoft.com/office/drawing/2010/main" val="0"/>
+              </a:ext>
+            </a:extLst>
+          </a:blip>
+          <a:srcRect b="-1"/>
+          <a:stretch/>
+        </p:blipFill>
+        <p:spPr>
+          <a:xfrm>
+            <a:off x="0" y="-1"/>
+            <a:ext cx="6257024" cy="6857990"/>
+          </a:xfrm>
+          <a:prstGeom prst="rect">
+            <a:avLst/>
+          </a:prstGeom>
+        </p:spPr>
+      </p:pic>
+      <p:sp>
+        <p:nvSpPr>
+          <p:cNvPr id="2" name="Titolo 1">
+            <a:extLst>
+              <a:ext uri="{FF2B5EF4-FFF2-40B4-BE49-F238E27FC236}">
+                <a16:creationId xmlns:a16="http://schemas.microsoft.com/office/drawing/2014/main" id="{89559F60-4CE1-4E2F-86EA-1B60679F1F4A}"/>
+              </a:ext>
+            </a:extLst>
+          </p:cNvPr>
+          <p:cNvSpPr>
+            <a:spLocks noGrp="1"/>
+          </p:cNvSpPr>
+          <p:nvPr>
+            <p:ph type="title"/>
+          </p:nvPr>
+        </p:nvSpPr>
+        <p:spPr>
+          <a:xfrm>
+            <a:off x="6424510" y="681297"/>
+            <a:ext cx="3755066" cy="970450"/>
+          </a:xfrm>
+        </p:spPr>
+        <p:txBody>
+          <a:bodyPr rtlCol="0" anchor="b">
+            <a:normAutofit fontScale="90000"/>
+          </a:bodyPr>
+          <a:lstStyle/>
+          <a:p>
+            <a:pPr algn="l"/>
+            <a:r>
+              <a:rPr lang="it-IT" sz="4000" dirty="0">
+                <a:latin typeface="Cascadia Code" panose="020B0609020000020004" pitchFamily="49" charset="0"/>
+                <a:cs typeface="Cascadia Code" panose="020B0609020000020004" pitchFamily="49" charset="0"/>
+              </a:rPr>
+              <a:t>RANDOM UNDER SAMPLING</a:t>
+            </a:r>
+          </a:p>
+        </p:txBody>
+      </p:sp>
+      <p:pic>
+        <p:nvPicPr>
+          <p:cNvPr id="11" name="Content Placeholder 10" descr="A yellow and black brain with circuit lines&#10;&#10;Description automatically generated">
+            <a:extLst>
+              <a:ext uri="{FF2B5EF4-FFF2-40B4-BE49-F238E27FC236}">
+                <a16:creationId xmlns:a16="http://schemas.microsoft.com/office/drawing/2014/main" id="{F83D31A3-DF84-DA0B-855A-947C67F54D2B}"/>
+              </a:ext>
+            </a:extLst>
+          </p:cNvPr>
+          <p:cNvPicPr>
+            <a:picLocks noGrp="1" noChangeAspect="1"/>
+          </p:cNvPicPr>
+          <p:nvPr>
+            <p:ph idx="1"/>
+          </p:nvPr>
+        </p:nvPicPr>
+        <p:blipFill>
+          <a:blip r:embed="rId4"/>
+          <a:stretch>
+            <a:fillRect/>
+          </a:stretch>
+        </p:blipFill>
+        <p:spPr>
+          <a:xfrm>
+            <a:off x="5744194" y="4933491"/>
+            <a:ext cx="2057355" cy="970450"/>
+          </a:xfrm>
+        </p:spPr>
+      </p:pic>
+      <p:sp>
+        <p:nvSpPr>
+          <p:cNvPr id="12" name="Date Placeholder 11">
+            <a:extLst>
+              <a:ext uri="{FF2B5EF4-FFF2-40B4-BE49-F238E27FC236}">
+                <a16:creationId xmlns:a16="http://schemas.microsoft.com/office/drawing/2014/main" id="{26C3A337-1466-6B4A-9183-BBC2F1B4B52E}"/>
+              </a:ext>
+            </a:extLst>
+          </p:cNvPr>
+          <p:cNvSpPr>
+            <a:spLocks noGrp="1"/>
+          </p:cNvSpPr>
+          <p:nvPr>
+            <p:ph type="dt" sz="half" idx="10"/>
+          </p:nvPr>
+        </p:nvSpPr>
+        <p:spPr>
+          <a:xfrm>
+            <a:off x="8911777" y="6000747"/>
+            <a:ext cx="2743200" cy="365125"/>
+          </a:xfrm>
+        </p:spPr>
+        <p:txBody>
+          <a:bodyPr/>
+          <a:lstStyle/>
+          <a:p>
+            <a:pPr rtl="0"/>
+            <a:fld id="{2116A2A8-3503-43CE-8F76-A87F08AAB267}" type="datetime1">
+              <a:rPr lang="it-IT" sz="1400" noProof="0" smtClean="0">
+                <a:solidFill>
+                  <a:srgbClr val="D3AB03"/>
+                </a:solidFill>
+                <a:latin typeface="Cascadia Code" panose="020B0609020000020004" pitchFamily="49" charset="0"/>
+                <a:cs typeface="Cascadia Code" panose="020B0609020000020004" pitchFamily="49" charset="0"/>
+              </a:rPr>
+              <a:t>04/09/2023</a:t>
+            </a:fld>
+            <a:endParaRPr lang="it-IT" sz="1400" noProof="0" dirty="0">
+              <a:solidFill>
+                <a:srgbClr val="D3AB03"/>
+              </a:solidFill>
+              <a:latin typeface="Cascadia Code" panose="020B0609020000020004" pitchFamily="49" charset="0"/>
+              <a:cs typeface="Cascadia Code" panose="020B0609020000020004" pitchFamily="49" charset="0"/>
+            </a:endParaRPr>
+          </a:p>
+        </p:txBody>
+      </p:sp>
+      <p:sp>
+        <p:nvSpPr>
+          <p:cNvPr id="13" name="Footer Placeholder 12">
+            <a:extLst>
+              <a:ext uri="{FF2B5EF4-FFF2-40B4-BE49-F238E27FC236}">
+                <a16:creationId xmlns:a16="http://schemas.microsoft.com/office/drawing/2014/main" id="{0977C661-3A0D-B3C2-0FCD-A454DBEDB4B0}"/>
+              </a:ext>
+            </a:extLst>
+          </p:cNvPr>
+          <p:cNvSpPr>
+            <a:spLocks noGrp="1"/>
+          </p:cNvSpPr>
+          <p:nvPr>
+            <p:ph type="ftr" sz="quarter" idx="11"/>
+          </p:nvPr>
+        </p:nvSpPr>
+        <p:spPr>
+          <a:xfrm>
+            <a:off x="400611" y="6000736"/>
+            <a:ext cx="6672865" cy="365125"/>
+          </a:xfrm>
+        </p:spPr>
+        <p:txBody>
+          <a:bodyPr/>
+          <a:lstStyle/>
+          <a:p>
+            <a:pPr rtl="0"/>
+            <a:r>
+              <a:rPr lang="it-IT" sz="1400" noProof="0" dirty="0">
+                <a:solidFill>
+                  <a:srgbClr val="D3AB03"/>
+                </a:solidFill>
+                <a:latin typeface="Cascadia Code" panose="020B0609020000020004" pitchFamily="49" charset="0"/>
+                <a:cs typeface="Cascadia Code" panose="020B0609020000020004" pitchFamily="49" charset="0"/>
+              </a:rPr>
+              <a:t>DIEGO MICCOLI</a:t>
+            </a:r>
+          </a:p>
+        </p:txBody>
+      </p:sp>
+      <p:sp>
+        <p:nvSpPr>
+          <p:cNvPr id="14" name="Slide Number Placeholder 13">
+            <a:extLst>
+              <a:ext uri="{FF2B5EF4-FFF2-40B4-BE49-F238E27FC236}">
+                <a16:creationId xmlns:a16="http://schemas.microsoft.com/office/drawing/2014/main" id="{98950A86-E2DD-8CC5-87A5-168A086F304B}"/>
+              </a:ext>
+            </a:extLst>
+          </p:cNvPr>
+          <p:cNvSpPr>
+            <a:spLocks noGrp="1"/>
+          </p:cNvSpPr>
+          <p:nvPr>
+            <p:ph type="sldNum" sz="quarter" idx="12"/>
+          </p:nvPr>
+        </p:nvSpPr>
+        <p:spPr>
+          <a:xfrm>
+            <a:off x="5934975" y="5992547"/>
+            <a:ext cx="753545" cy="365125"/>
+          </a:xfrm>
+        </p:spPr>
+        <p:txBody>
+          <a:bodyPr/>
+          <a:lstStyle/>
+          <a:p>
+            <a:pPr rtl="0"/>
+            <a:fld id="{3A98EE3D-8CD1-4C3F-BD1C-C98C9596463C}" type="slidenum">
+              <a:rPr lang="it-IT" sz="1600" b="1" noProof="0" smtClean="0">
+                <a:solidFill>
+                  <a:srgbClr val="D3AB03"/>
+                </a:solidFill>
+              </a:rPr>
+              <a:t>9</a:t>
+            </a:fld>
+            <a:endParaRPr lang="it-IT" sz="1600" b="1" noProof="0" dirty="0">
+              <a:solidFill>
+                <a:srgbClr val="D3AB03"/>
+              </a:solidFill>
+            </a:endParaRPr>
+          </a:p>
+        </p:txBody>
+      </p:sp>
+      <p:pic>
+        <p:nvPicPr>
+          <p:cNvPr id="5" name="Picture 4" descr="A graph with a number of data&#10;&#10;Description automatically generated with medium confidence">
+            <a:extLst>
+              <a:ext uri="{FF2B5EF4-FFF2-40B4-BE49-F238E27FC236}">
+                <a16:creationId xmlns:a16="http://schemas.microsoft.com/office/drawing/2014/main" id="{4DFF9EB9-2102-A53C-1460-D368B31639D7}"/>
+              </a:ext>
+            </a:extLst>
+          </p:cNvPr>
+          <p:cNvPicPr>
+            <a:picLocks noChangeAspect="1"/>
+          </p:cNvPicPr>
+          <p:nvPr/>
+        </p:nvPicPr>
+        <p:blipFill>
+          <a:blip r:embed="rId5"/>
+          <a:stretch>
+            <a:fillRect/>
+          </a:stretch>
+        </p:blipFill>
+        <p:spPr>
+          <a:xfrm>
+            <a:off x="119675" y="760328"/>
+            <a:ext cx="4928185" cy="2668672"/>
+          </a:xfrm>
+          <a:prstGeom prst="rect">
+            <a:avLst/>
+          </a:prstGeom>
+        </p:spPr>
+      </p:pic>
+      <p:pic>
+        <p:nvPicPr>
+          <p:cNvPr id="7" name="Picture 6" descr="A pie chart with numbers and text&#10;&#10;Description automatically generated">
+            <a:extLst>
+              <a:ext uri="{FF2B5EF4-FFF2-40B4-BE49-F238E27FC236}">
+                <a16:creationId xmlns:a16="http://schemas.microsoft.com/office/drawing/2014/main" id="{0E7E2D80-E1EF-4A67-6B7A-4BB6813632D7}"/>
+              </a:ext>
+            </a:extLst>
+          </p:cNvPr>
+          <p:cNvPicPr>
+            <a:picLocks noChangeAspect="1"/>
+          </p:cNvPicPr>
+          <p:nvPr/>
+        </p:nvPicPr>
+        <p:blipFill>
+          <a:blip r:embed="rId6"/>
+          <a:stretch>
+            <a:fillRect/>
+          </a:stretch>
+        </p:blipFill>
+        <p:spPr>
+          <a:xfrm>
+            <a:off x="2410397" y="3579243"/>
+            <a:ext cx="3713435" cy="2708496"/>
+          </a:xfrm>
+          <a:prstGeom prst="rect">
+            <a:avLst/>
+          </a:prstGeom>
+        </p:spPr>
+      </p:pic>
+      <p:pic>
+        <p:nvPicPr>
+          <p:cNvPr id="8" name="Picture 7" descr="A circular emblem with a shield and a lighthouse&#10;&#10;Description automatically generated">
+            <a:extLst>
+              <a:ext uri="{FF2B5EF4-FFF2-40B4-BE49-F238E27FC236}">
+                <a16:creationId xmlns:a16="http://schemas.microsoft.com/office/drawing/2014/main" id="{C1F043BD-BA0E-23B3-8ACB-80C36DF43682}"/>
+              </a:ext>
+            </a:extLst>
+          </p:cNvPr>
+          <p:cNvPicPr>
+            <a:picLocks noChangeAspect="1"/>
+          </p:cNvPicPr>
+          <p:nvPr/>
+        </p:nvPicPr>
+        <p:blipFill>
+          <a:blip r:embed="rId7"/>
+          <a:stretch>
+            <a:fillRect/>
+          </a:stretch>
+        </p:blipFill>
+        <p:spPr>
+          <a:xfrm>
+            <a:off x="10906351" y="79758"/>
+            <a:ext cx="1182737" cy="1170544"/>
+          </a:xfrm>
+          <a:prstGeom prst="rect">
+            <a:avLst/>
+          </a:prstGeom>
+        </p:spPr>
+      </p:pic>
+      <p:sp>
+        <p:nvSpPr>
+          <p:cNvPr id="9" name="TextBox 8">
+            <a:extLst>
+              <a:ext uri="{FF2B5EF4-FFF2-40B4-BE49-F238E27FC236}">
+                <a16:creationId xmlns:a16="http://schemas.microsoft.com/office/drawing/2014/main" id="{1BDDE36D-195D-EDAD-5C43-013E6DB4EF82}"/>
+              </a:ext>
+            </a:extLst>
+          </p:cNvPr>
+          <p:cNvSpPr txBox="1"/>
+          <p:nvPr/>
+        </p:nvSpPr>
+        <p:spPr>
+          <a:xfrm>
+            <a:off x="6614917" y="2247705"/>
+            <a:ext cx="5040060" cy="2062103"/>
+          </a:xfrm>
+          <a:prstGeom prst="rect">
+            <a:avLst/>
+          </a:prstGeom>
+          <a:noFill/>
+        </p:spPr>
+        <p:txBody>
+          <a:bodyPr wrap="square" rtlCol="0">
+            <a:spAutoFit/>
+          </a:bodyPr>
+          <a:lstStyle/>
+          <a:p>
+            <a:pPr algn="just"/>
+            <a:r>
+              <a:rPr lang="it-IT" sz="1600" dirty="0">
+                <a:latin typeface="Cascadia Code" panose="020B0609020000020004" pitchFamily="49" charset="0"/>
+                <a:cs typeface="Cascadia Code" panose="020B0609020000020004" pitchFamily="49" charset="0"/>
+              </a:rPr>
+              <a:t>Tra le tecniche di campionamento per lo studio è stato usato il RUS che ha permesso di bilanciare perfettamente le 2 classi.</a:t>
+            </a:r>
+          </a:p>
+          <a:p>
+            <a:pPr algn="just"/>
+            <a:endParaRPr lang="it-IT" sz="1600" dirty="0">
+              <a:latin typeface="Cascadia Code" panose="020B0609020000020004" pitchFamily="49" charset="0"/>
+              <a:cs typeface="Cascadia Code" panose="020B0609020000020004" pitchFamily="49" charset="0"/>
+            </a:endParaRPr>
+          </a:p>
+          <a:p>
+            <a:pPr algn="just"/>
+            <a:r>
+              <a:rPr lang="it-IT" sz="1600" dirty="0">
+                <a:latin typeface="Cascadia Code" panose="020B0609020000020004" pitchFamily="49" charset="0"/>
+                <a:cs typeface="Cascadia Code" panose="020B0609020000020004" pitchFamily="49" charset="0"/>
+              </a:rPr>
+              <a:t>I modelli a confronto sono stati la regressione logistica contro il gaussian naive bayes</a:t>
+            </a:r>
+          </a:p>
+        </p:txBody>
+      </p:sp>
+      <p:sp>
+        <p:nvSpPr>
+          <p:cNvPr id="4" name="TextBox 3">
+            <a:extLst>
+              <a:ext uri="{FF2B5EF4-FFF2-40B4-BE49-F238E27FC236}">
+                <a16:creationId xmlns:a16="http://schemas.microsoft.com/office/drawing/2014/main" id="{791839A5-06F2-3B4A-AC06-FDCA56899F5D}"/>
+              </a:ext>
+            </a:extLst>
+          </p:cNvPr>
+          <p:cNvSpPr txBox="1"/>
+          <p:nvPr/>
+        </p:nvSpPr>
+        <p:spPr>
+          <a:xfrm>
+            <a:off x="8304245" y="4665306"/>
+            <a:ext cx="3350732" cy="954107"/>
+          </a:xfrm>
+          <a:prstGeom prst="rect">
+            <a:avLst/>
+          </a:prstGeom>
+          <a:noFill/>
+        </p:spPr>
+        <p:txBody>
+          <a:bodyPr wrap="square" rtlCol="0">
+            <a:spAutoFit/>
+          </a:bodyPr>
+          <a:lstStyle/>
+          <a:p>
+            <a:pPr algn="just"/>
+            <a:r>
+              <a:rPr lang="it-IT" sz="1400" dirty="0">
+                <a:solidFill>
+                  <a:srgbClr val="D3AB03"/>
+                </a:solidFill>
+                <a:latin typeface="Cascadia Code" panose="020B0609020000020004" pitchFamily="49" charset="0"/>
+                <a:cs typeface="Cascadia Code" panose="020B0609020000020004" pitchFamily="49" charset="0"/>
+              </a:rPr>
+              <a:t>Il RUS lavora andando a rimuovere casualmente esempi appartenenti alla classe maggioritaria.</a:t>
+            </a:r>
+          </a:p>
+        </p:txBody>
+      </p:sp>
+    </p:spTree>
+    <p:extLst>
+      <p:ext uri="{BB962C8B-B14F-4D97-AF65-F5344CB8AC3E}">
+        <p14:creationId xmlns:p14="http://schemas.microsoft.com/office/powerpoint/2010/main" val="1369693975"/>
+      </p:ext>
+    </p:extLst>
+  </p:cSld>
+  <p:clrMapOvr>
+    <a:masterClrMapping/>
+  </p:clrMapOvr>
+  <mc:AlternateContent xmlns:mc="http://schemas.openxmlformats.org/markup-compatibility/2006" xmlns:p15="http://schemas.microsoft.com/office/powerpoint/2012/main">
+    <mc:Choice Requires="p15">
+      <p:transition xmlns:p14="http://schemas.microsoft.com/office/powerpoint/2010/main" spd="slow" p14:dur="2000">
+        <p15:prstTrans prst="fallOver"/>
+      </p:transition>
+    </mc:Choice>
+    <mc:Fallback xmlns="">
+      <p:transition spd="slow">
+        <p:fade/>
       </p:transition>
     </mc:Fallback>
   </mc:AlternateContent>

--- a/documentation/presentazione_progetto_ICON.pptx
+++ b/documentation/presentazione_progetto_ICON.pptx
@@ -227,7 +227,7 @@
           <a:p>
             <a:fld id="{7D1B6EC6-B3D5-463C-81D6-CFCB32E6316D}" type="datetime1">
               <a:rPr lang="it-IT" smtClean="0"/>
-              <a:t>04/09/2023</a:t>
+              <a:t>11/09/2023</a:t>
             </a:fld>
             <a:endParaRPr lang="it-IT" dirty="0"/>
           </a:p>
@@ -399,7 +399,7 @@
             <a:pPr rtl="0"/>
             <a:fld id="{6C3BD83F-4E98-4492-9EEF-7E22B46C52B7}" type="datetime1">
               <a:rPr lang="it-IT" noProof="0" smtClean="0"/>
-              <a:t>04/09/2023</a:t>
+              <a:t>11/09/2023</a:t>
             </a:fld>
             <a:endParaRPr lang="it-IT" noProof="0" dirty="0"/>
           </a:p>
@@ -2789,7 +2789,7 @@
             <a:pPr rtl="0"/>
             <a:fld id="{CD48488A-4F48-47E0-8260-7D41BE6FA410}" type="datetime1">
               <a:rPr lang="it-IT" noProof="0" smtClean="0"/>
-              <a:t>04/09/2023</a:t>
+              <a:t>11/09/2023</a:t>
             </a:fld>
             <a:endParaRPr lang="it-IT" noProof="0" dirty="0"/>
           </a:p>
@@ -3103,7 +3103,7 @@
             <a:pPr rtl="0"/>
             <a:fld id="{733C4794-128B-4C0F-A4A7-AA8BE03E2FA9}" type="datetime1">
               <a:rPr lang="it-IT" noProof="0" smtClean="0"/>
-              <a:t>04/09/2023</a:t>
+              <a:t>11/09/2023</a:t>
             </a:fld>
             <a:endParaRPr lang="it-IT" noProof="0" dirty="0"/>
           </a:p>
@@ -3305,7 +3305,7 @@
             <a:pPr rtl="0"/>
             <a:fld id="{0503ED1E-7018-4DA6-8134-83156A27BB10}" type="datetime1">
               <a:rPr lang="it-IT" noProof="0" smtClean="0"/>
-              <a:t>04/09/2023</a:t>
+              <a:t>11/09/2023</a:t>
             </a:fld>
             <a:endParaRPr lang="it-IT" noProof="0" dirty="0"/>
           </a:p>
@@ -3576,7 +3576,7 @@
             <a:pPr rtl="0"/>
             <a:fld id="{84337AEC-A7EA-4682-AFCF-5F27F47858F3}" type="datetime1">
               <a:rPr lang="it-IT" noProof="0" smtClean="0"/>
-              <a:t>04/09/2023</a:t>
+              <a:t>11/09/2023</a:t>
             </a:fld>
             <a:endParaRPr lang="it-IT" noProof="0" dirty="0"/>
           </a:p>
@@ -4020,7 +4020,7 @@
             <a:pPr rtl="0"/>
             <a:fld id="{927D96A8-8287-4D86-94B7-4B8917520367}" type="datetime1">
               <a:rPr lang="it-IT" noProof="0" smtClean="0"/>
-              <a:t>04/09/2023</a:t>
+              <a:t>11/09/2023</a:t>
             </a:fld>
             <a:endParaRPr lang="it-IT" noProof="0" dirty="0"/>
           </a:p>
@@ -4565,7 +4565,7 @@
             <a:pPr rtl="0"/>
             <a:fld id="{9369EE22-9270-48A6-AFD0-E535A94FE8E0}" type="datetime1">
               <a:rPr lang="it-IT" noProof="0" smtClean="0"/>
-              <a:t>04/09/2023</a:t>
+              <a:t>11/09/2023</a:t>
             </a:fld>
             <a:endParaRPr lang="it-IT" noProof="0" dirty="0"/>
           </a:p>
@@ -5458,7 +5458,7 @@
             <a:pPr rtl="0"/>
             <a:fld id="{D607C866-0730-46A6-BB84-9179799DF62A}" type="datetime1">
               <a:rPr lang="it-IT" noProof="0" smtClean="0"/>
-              <a:t>04/09/2023</a:t>
+              <a:t>11/09/2023</a:t>
             </a:fld>
             <a:endParaRPr lang="it-IT" noProof="0" dirty="0"/>
           </a:p>
@@ -5636,7 +5636,7 @@
             <a:pPr rtl="0"/>
             <a:fld id="{1592212A-5A91-4B75-9DE0-88668A603883}" type="datetime1">
               <a:rPr lang="it-IT" noProof="0" smtClean="0"/>
-              <a:t>04/09/2023</a:t>
+              <a:t>11/09/2023</a:t>
             </a:fld>
             <a:endParaRPr lang="it-IT" noProof="0" dirty="0"/>
           </a:p>
@@ -5888,7 +5888,7 @@
             <a:pPr rtl="0"/>
             <a:fld id="{DE025C23-2866-4ADA-8F2F-B4AD19F29B5F}" type="datetime1">
               <a:rPr lang="it-IT" noProof="0" smtClean="0"/>
-              <a:t>04/09/2023</a:t>
+              <a:t>11/09/2023</a:t>
             </a:fld>
             <a:endParaRPr lang="it-IT" noProof="0" dirty="0"/>
           </a:p>
@@ -6138,7 +6138,7 @@
             <a:pPr rtl="0"/>
             <a:fld id="{42824D65-0630-4173-B0ED-465456127AA4}" type="datetime1">
               <a:rPr lang="it-IT" noProof="0" smtClean="0"/>
-              <a:t>04/09/2023</a:t>
+              <a:t>11/09/2023</a:t>
             </a:fld>
             <a:endParaRPr lang="it-IT" noProof="0" dirty="0"/>
           </a:p>
@@ -6629,7 +6629,7 @@
             <a:pPr rtl="0"/>
             <a:fld id="{86CA28E9-762F-4647-BD97-F1D5BB551A5F}" type="datetime1">
               <a:rPr lang="it-IT" noProof="0" smtClean="0"/>
-              <a:t>04/09/2023</a:t>
+              <a:t>11/09/2023</a:t>
             </a:fld>
             <a:endParaRPr lang="it-IT" noProof="0" dirty="0"/>
           </a:p>
@@ -6755,7 +6755,7 @@
             <a:pPr rtl="0"/>
             <a:fld id="{EF997553-0891-4141-8A2F-CABA328D53DC}" type="datetime1">
               <a:rPr lang="it-IT" noProof="0" smtClean="0"/>
-              <a:t>04/09/2023</a:t>
+              <a:t>11/09/2023</a:t>
             </a:fld>
             <a:endParaRPr lang="it-IT" noProof="0" dirty="0"/>
           </a:p>
@@ -6857,7 +6857,7 @@
             <a:pPr rtl="0"/>
             <a:fld id="{841CA6A7-31ED-46FD-93E2-0C054543503A}" type="datetime1">
               <a:rPr lang="it-IT" noProof="0" smtClean="0"/>
-              <a:t>04/09/2023</a:t>
+              <a:t>11/09/2023</a:t>
             </a:fld>
             <a:endParaRPr lang="it-IT" noProof="0" dirty="0"/>
           </a:p>
@@ -7120,7 +7120,7 @@
             <a:pPr rtl="0"/>
             <a:fld id="{6706D2B0-4130-4963-AD98-6B1613213BEB}" type="datetime1">
               <a:rPr lang="it-IT" noProof="0" smtClean="0"/>
-              <a:t>04/09/2023</a:t>
+              <a:t>11/09/2023</a:t>
             </a:fld>
             <a:endParaRPr lang="it-IT" noProof="0" dirty="0"/>
           </a:p>
@@ -7436,7 +7436,7 @@
             <a:pPr rtl="0"/>
             <a:fld id="{9269901F-A34B-4352-8E4D-BBCD6CEF0AA4}" type="datetime1">
               <a:rPr lang="it-IT" noProof="0" smtClean="0"/>
-              <a:t>04/09/2023</a:t>
+              <a:t>11/09/2023</a:t>
             </a:fld>
             <a:endParaRPr lang="it-IT" noProof="0" dirty="0"/>
           </a:p>
@@ -7676,7 +7676,7 @@
             <a:pPr rtl="0"/>
             <a:fld id="{3B46ECF3-FDF4-4B28-B17D-8C5F232B4BD1}" type="datetime1">
               <a:rPr lang="it-IT" noProof="0" smtClean="0"/>
-              <a:t>04/09/2023</a:t>
+              <a:t>11/09/2023</a:t>
             </a:fld>
             <a:endParaRPr lang="it-IT" noProof="0" dirty="0"/>
           </a:p>
@@ -8562,7 +8562,7 @@
           </a:effectLst>
           <a:extLst>
             <a:ext uri="{91240B29-F687-4f45-9708-019B960494DF}">
-              <a14:hiddenLine xmlns="" xmlns:a14="http://schemas.microsoft.com/office/drawing/2010/main" xmlns:a16="http://schemas.microsoft.com/office/drawing/2014/main" xmlns:p14="http://schemas.microsoft.com/office/powerpoint/2010/main" w="9525">
+              <a14:hiddenLine xmlns:p14="http://schemas.microsoft.com/office/powerpoint/2010/main" xmlns:a16="http://schemas.microsoft.com/office/drawing/2014/main" xmlns:a14="http://schemas.microsoft.com/office/drawing/2010/main" xmlns="" w="9525">
                 <a:solidFill>
                   <a:srgbClr val="000000"/>
                 </a:solidFill>
@@ -9203,7 +9203,7 @@
                 <a:latin typeface="Cascadia Code" panose="020B0609020000020004" pitchFamily="49" charset="0"/>
                 <a:cs typeface="Cascadia Code" panose="020B0609020000020004" pitchFamily="49" charset="0"/>
               </a:rPr>
-              <a:t>04/09/2023</a:t>
+              <a:t>11/09/2023</a:t>
             </a:fld>
             <a:endParaRPr lang="it-IT" sz="1400" noProof="0" dirty="0">
               <a:solidFill>
@@ -9711,7 +9711,7 @@
                 <a:latin typeface="Cascadia Code" panose="020B0609020000020004" pitchFamily="49" charset="0"/>
                 <a:cs typeface="Cascadia Code" panose="020B0609020000020004" pitchFamily="49" charset="0"/>
               </a:rPr>
-              <a:t>04/09/2023</a:t>
+              <a:t>11/09/2023</a:t>
             </a:fld>
             <a:endParaRPr lang="it-IT" sz="1400" noProof="0" dirty="0">
               <a:solidFill>
@@ -10154,7 +10154,7 @@
                 <a:latin typeface="Cascadia Code" panose="020B0609020000020004" pitchFamily="49" charset="0"/>
                 <a:cs typeface="Cascadia Code" panose="020B0609020000020004" pitchFamily="49" charset="0"/>
               </a:rPr>
-              <a:t>04/09/2023</a:t>
+              <a:t>11/09/2023</a:t>
             </a:fld>
             <a:endParaRPr lang="it-IT" sz="1400" noProof="0" dirty="0">
               <a:solidFill>
@@ -10641,7 +10641,7 @@
                 <a:latin typeface="Cascadia Code" panose="020B0609020000020004" pitchFamily="49" charset="0"/>
                 <a:cs typeface="Cascadia Code" panose="020B0609020000020004" pitchFamily="49" charset="0"/>
               </a:rPr>
-              <a:t>04/09/2023</a:t>
+              <a:t>11/09/2023</a:t>
             </a:fld>
             <a:endParaRPr lang="it-IT" sz="1400" noProof="0" dirty="0">
               <a:solidFill>
@@ -11149,7 +11149,7 @@
                 <a:latin typeface="Cascadia Code" panose="020B0609020000020004" pitchFamily="49" charset="0"/>
                 <a:cs typeface="Cascadia Code" panose="020B0609020000020004" pitchFamily="49" charset="0"/>
               </a:rPr>
-              <a:t>04/09/2023</a:t>
+              <a:t>11/09/2023</a:t>
             </a:fld>
             <a:endParaRPr lang="it-IT" sz="1400" noProof="0" dirty="0">
               <a:solidFill>
@@ -11608,7 +11608,7 @@
                 <a:latin typeface="Cascadia Code" panose="020B0609020000020004" pitchFamily="49" charset="0"/>
                 <a:cs typeface="Cascadia Code" panose="020B0609020000020004" pitchFamily="49" charset="0"/>
               </a:rPr>
-              <a:t>04/09/2023</a:t>
+              <a:t>11/09/2023</a:t>
             </a:fld>
             <a:endParaRPr lang="it-IT" sz="1400" noProof="0" dirty="0">
               <a:solidFill>
@@ -12096,7 +12096,7 @@
                 <a:latin typeface="Cascadia Code" panose="020B0609020000020004" pitchFamily="49" charset="0"/>
                 <a:cs typeface="Cascadia Code" panose="020B0609020000020004" pitchFamily="49" charset="0"/>
               </a:rPr>
-              <a:t>04/09/2023</a:t>
+              <a:t>11/09/2023</a:t>
             </a:fld>
             <a:endParaRPr lang="it-IT" sz="1400" noProof="0" dirty="0">
               <a:solidFill>
@@ -12604,7 +12604,7 @@
                 <a:latin typeface="Cascadia Code" panose="020B0609020000020004" pitchFamily="49" charset="0"/>
                 <a:cs typeface="Cascadia Code" panose="020B0609020000020004" pitchFamily="49" charset="0"/>
               </a:rPr>
-              <a:t>04/09/2023</a:t>
+              <a:t>11/09/2023</a:t>
             </a:fld>
             <a:endParaRPr lang="it-IT" sz="1400" noProof="0" dirty="0">
               <a:solidFill>
@@ -13064,7 +13064,7 @@
                 <a:latin typeface="Cascadia Code" panose="020B0609020000020004" pitchFamily="49" charset="0"/>
                 <a:cs typeface="Cascadia Code" panose="020B0609020000020004" pitchFamily="49" charset="0"/>
               </a:rPr>
-              <a:t>04/09/2023</a:t>
+              <a:t>11/09/2023</a:t>
             </a:fld>
             <a:endParaRPr lang="it-IT" sz="1400" noProof="0" dirty="0">
               <a:solidFill>
@@ -13582,7 +13582,7 @@
                 <a:latin typeface="Cascadia Code" panose="020B0609020000020004" pitchFamily="49" charset="0"/>
                 <a:cs typeface="Cascadia Code" panose="020B0609020000020004" pitchFamily="49" charset="0"/>
               </a:rPr>
-              <a:t>04/09/2023</a:t>
+              <a:t>11/09/2023</a:t>
             </a:fld>
             <a:endParaRPr lang="it-IT" sz="1400" noProof="0" dirty="0">
               <a:solidFill>
@@ -14037,7 +14037,7 @@
                 <a:latin typeface="Cascadia Code" panose="020B0609020000020004" pitchFamily="49" charset="0"/>
                 <a:cs typeface="Cascadia Code" panose="020B0609020000020004" pitchFamily="49" charset="0"/>
               </a:rPr>
-              <a:t>04/09/2023</a:t>
+              <a:t>11/09/2023</a:t>
             </a:fld>
             <a:endParaRPr lang="it-IT" sz="1400" noProof="0" dirty="0">
               <a:solidFill>
@@ -14679,7 +14679,7 @@
                 <a:latin typeface="Cascadia Code" panose="020B0609020000020004" pitchFamily="49" charset="0"/>
                 <a:cs typeface="Cascadia Code" panose="020B0609020000020004" pitchFamily="49" charset="0"/>
               </a:rPr>
-              <a:t>04/09/2023</a:t>
+              <a:t>11/09/2023</a:t>
             </a:fld>
             <a:endParaRPr lang="it-IT" sz="1400" noProof="0" dirty="0">
               <a:solidFill>
@@ -14943,12 +14943,56 @@
           </a:p>
         </p:txBody>
       </p:sp>
+      <p:sp>
+        <p:nvSpPr>
+          <p:cNvPr id="15" name="TextBox 14">
+            <a:extLst>
+              <a:ext uri="{FF2B5EF4-FFF2-40B4-BE49-F238E27FC236}">
+                <a16:creationId xmlns:a16="http://schemas.microsoft.com/office/drawing/2014/main" id="{AC2710FE-6F31-EAFB-7185-AAA1D493A598}"/>
+              </a:ext>
+            </a:extLst>
+          </p:cNvPr>
+          <p:cNvSpPr txBox="1"/>
+          <p:nvPr/>
+        </p:nvSpPr>
+        <p:spPr>
+          <a:xfrm>
+            <a:off x="426098" y="3139889"/>
+            <a:ext cx="5827473" cy="307777"/>
+          </a:xfrm>
+          <a:prstGeom prst="rect">
+            <a:avLst/>
+          </a:prstGeom>
+          <a:noFill/>
+        </p:spPr>
+        <p:txBody>
+          <a:bodyPr wrap="square" rtlCol="0">
+            <a:spAutoFit/>
+          </a:bodyPr>
+          <a:lstStyle/>
+          <a:p>
+            <a:r>
+              <a:rPr lang="it-IT" sz="1400" dirty="0">
+                <a:solidFill>
+                  <a:schemeClr val="bg1">
+                    <a:lumMod val="85000"/>
+                    <a:lumOff val="15000"/>
+                  </a:schemeClr>
+                </a:solidFill>
+                <a:latin typeface="Cascadia Code" panose="020B0609020000020004" pitchFamily="49" charset="0"/>
+                <a:cs typeface="Cascadia Code" panose="020B0609020000020004" pitchFamily="49" charset="0"/>
+              </a:rPr>
+              <a:t>Migliori parametri per ADABoost</a:t>
+            </a:r>
+          </a:p>
+        </p:txBody>
+      </p:sp>
       <p:pic>
         <p:nvPicPr>
-          <p:cNvPr id="10" name="Picture 9">
-            <a:extLst>
-              <a:ext uri="{FF2B5EF4-FFF2-40B4-BE49-F238E27FC236}">
-                <a16:creationId xmlns:a16="http://schemas.microsoft.com/office/drawing/2014/main" id="{BF261071-C15E-0D50-D41E-69EE9AA1305A}"/>
+          <p:cNvPr id="21" name="Picture 20">
+            <a:extLst>
+              <a:ext uri="{FF2B5EF4-FFF2-40B4-BE49-F238E27FC236}">
+                <a16:creationId xmlns:a16="http://schemas.microsoft.com/office/drawing/2014/main" id="{88860762-EE8F-B244-82B6-E7F9DC012761}"/>
               </a:ext>
             </a:extLst>
           </p:cNvPr>
@@ -14965,58 +15009,14 @@
         </p:blipFill>
         <p:spPr>
           <a:xfrm>
-            <a:off x="400610" y="3406066"/>
-            <a:ext cx="5459013" cy="511109"/>
+            <a:off x="400610" y="3447666"/>
+            <a:ext cx="5459013" cy="686126"/>
           </a:xfrm>
           <a:prstGeom prst="rect">
             <a:avLst/>
           </a:prstGeom>
         </p:spPr>
       </p:pic>
-      <p:sp>
-        <p:nvSpPr>
-          <p:cNvPr id="15" name="TextBox 14">
-            <a:extLst>
-              <a:ext uri="{FF2B5EF4-FFF2-40B4-BE49-F238E27FC236}">
-                <a16:creationId xmlns:a16="http://schemas.microsoft.com/office/drawing/2014/main" id="{AC2710FE-6F31-EAFB-7185-AAA1D493A598}"/>
-              </a:ext>
-            </a:extLst>
-          </p:cNvPr>
-          <p:cNvSpPr txBox="1"/>
-          <p:nvPr/>
-        </p:nvSpPr>
-        <p:spPr>
-          <a:xfrm>
-            <a:off x="426098" y="3139889"/>
-            <a:ext cx="5827473" cy="307777"/>
-          </a:xfrm>
-          <a:prstGeom prst="rect">
-            <a:avLst/>
-          </a:prstGeom>
-          <a:noFill/>
-        </p:spPr>
-        <p:txBody>
-          <a:bodyPr wrap="square" rtlCol="0">
-            <a:spAutoFit/>
-          </a:bodyPr>
-          <a:lstStyle/>
-          <a:p>
-            <a:r>
-              <a:rPr lang="it-IT" sz="1400" dirty="0">
-                <a:solidFill>
-                  <a:schemeClr val="bg1">
-                    <a:lumMod val="85000"/>
-                    <a:lumOff val="15000"/>
-                  </a:schemeClr>
-                </a:solidFill>
-                <a:latin typeface="Cascadia Code" panose="020B0609020000020004" pitchFamily="49" charset="0"/>
-                <a:cs typeface="Cascadia Code" panose="020B0609020000020004" pitchFamily="49" charset="0"/>
-              </a:rPr>
-              <a:t>Migliori parametri per il Gaussian Naive Bayes</a:t>
-            </a:r>
-          </a:p>
-        </p:txBody>
-      </p:sp>
     </p:spTree>
     <p:extLst>
       <p:ext uri="{BB962C8B-B14F-4D97-AF65-F5344CB8AC3E}">
@@ -15132,7 +15132,7 @@
                 <a:latin typeface="Cascadia Code" panose="020B0609020000020004" pitchFamily="49" charset="0"/>
                 <a:cs typeface="Cascadia Code" panose="020B0609020000020004" pitchFamily="49" charset="0"/>
               </a:rPr>
-              <a:t>04/09/2023</a:t>
+              <a:t>11/09/2023</a:t>
             </a:fld>
             <a:endParaRPr lang="it-IT" sz="1400" noProof="0" dirty="0">
               <a:solidFill>
@@ -15706,7 +15706,7 @@
                 <a:latin typeface="Cascadia Code" panose="020B0609020000020004" pitchFamily="49" charset="0"/>
                 <a:cs typeface="Cascadia Code" panose="020B0609020000020004" pitchFamily="49" charset="0"/>
               </a:rPr>
-              <a:t>04/09/2023</a:t>
+              <a:t>11/09/2023</a:t>
             </a:fld>
             <a:endParaRPr lang="it-IT" sz="1400" noProof="0" dirty="0">
               <a:solidFill>
@@ -16186,7 +16186,7 @@
                 <a:latin typeface="Cascadia Code" panose="020B0609020000020004" pitchFamily="49" charset="0"/>
                 <a:cs typeface="Cascadia Code" panose="020B0609020000020004" pitchFamily="49" charset="0"/>
               </a:rPr>
-              <a:t>04/09/2023</a:t>
+              <a:t>11/09/2023</a:t>
             </a:fld>
             <a:endParaRPr lang="it-IT" sz="1400" noProof="0" dirty="0">
               <a:solidFill>
@@ -16688,7 +16688,7 @@
                 <a:latin typeface="Cascadia Code" panose="020B0609020000020004" pitchFamily="49" charset="0"/>
                 <a:cs typeface="Cascadia Code" panose="020B0609020000020004" pitchFamily="49" charset="0"/>
               </a:rPr>
-              <a:t>04/09/2023</a:t>
+              <a:t>11/09/2023</a:t>
             </a:fld>
             <a:endParaRPr lang="it-IT" sz="1400" noProof="0" dirty="0">
               <a:solidFill>
@@ -17176,7 +17176,7 @@
                 <a:latin typeface="Cascadia Code" panose="020B0609020000020004" pitchFamily="49" charset="0"/>
                 <a:cs typeface="Cascadia Code" panose="020B0609020000020004" pitchFamily="49" charset="0"/>
               </a:rPr>
-              <a:t>04/09/2023</a:t>
+              <a:t>11/09/2023</a:t>
             </a:fld>
             <a:endParaRPr lang="it-IT" sz="1400" noProof="0" dirty="0">
               <a:solidFill>
@@ -17557,7 +17557,7 @@
                 <a:latin typeface="Cascadia Code" panose="020B0609020000020004" pitchFamily="49" charset="0"/>
                 <a:cs typeface="Cascadia Code" panose="020B0609020000020004" pitchFamily="49" charset="0"/>
               </a:rPr>
-              <a:t>04/09/2023</a:t>
+              <a:t>11/09/2023</a:t>
             </a:fld>
             <a:endParaRPr lang="it-IT" sz="1400" noProof="0" dirty="0">
               <a:solidFill>
@@ -17997,7 +17997,7 @@
                 <a:latin typeface="Cascadia Code" panose="020B0609020000020004" pitchFamily="49" charset="0"/>
                 <a:cs typeface="Cascadia Code" panose="020B0609020000020004" pitchFamily="49" charset="0"/>
               </a:rPr>
-              <a:t>04/09/2023</a:t>
+              <a:t>11/09/2023</a:t>
             </a:fld>
             <a:endParaRPr lang="it-IT" sz="1400" noProof="0" dirty="0">
               <a:solidFill>
@@ -18603,7 +18603,7 @@
                 <a:latin typeface="Cascadia Code" panose="020B0609020000020004" pitchFamily="49" charset="0"/>
                 <a:cs typeface="Cascadia Code" panose="020B0609020000020004" pitchFamily="49" charset="0"/>
               </a:rPr>
-              <a:t>04/09/2023</a:t>
+              <a:t>11/09/2023</a:t>
             </a:fld>
             <a:endParaRPr lang="it-IT" sz="1400" noProof="0" dirty="0">
               <a:solidFill>
@@ -19914,21 +19914,21 @@
 </file>
 
 <file path=customXml/item2.xml><?xml version="1.0" encoding="utf-8"?>
+<?mso-contentType ?>
+<FormTemplates xmlns="http://schemas.microsoft.com/sharepoint/v3/contenttype/forms">
+  <Display>DocumentLibraryForm</Display>
+  <Edit>DocumentLibraryForm</Edit>
+  <New>DocumentLibraryForm</New>
+</FormTemplates>
+</file>
+
+<file path=customXml/item3.xml><?xml version="1.0" encoding="utf-8"?>
 <p:properties xmlns:p="http://schemas.microsoft.com/office/2006/metadata/properties" xmlns:xsi="http://www.w3.org/2001/XMLSchema-instance" xmlns:pc="http://schemas.microsoft.com/office/infopath/2007/PartnerControls">
   <documentManagement>
     <Status xmlns="71af3243-3dd4-4a8d-8c0d-dd76da1f02a5">Not started</Status>
     <MediaServiceKeyPoints xmlns="71af3243-3dd4-4a8d-8c0d-dd76da1f02a5" xsi:nil="true"/>
   </documentManagement>
 </p:properties>
-</file>
-
-<file path=customXml/item3.xml><?xml version="1.0" encoding="utf-8"?>
-<?mso-contentType ?>
-<FormTemplates xmlns="http://schemas.microsoft.com/sharepoint/v3/contenttype/forms">
-  <Display>DocumentLibraryForm</Display>
-  <Edit>DocumentLibraryForm</Edit>
-  <New>DocumentLibraryForm</New>
-</FormTemplates>
 </file>
 
 <file path=customXml/itemProps1.xml><?xml version="1.0" encoding="utf-8"?>
@@ -19951,6 +19951,14 @@
 </file>
 
 <file path=customXml/itemProps2.xml><?xml version="1.0" encoding="utf-8"?>
+<ds:datastoreItem xmlns:ds="http://schemas.openxmlformats.org/officeDocument/2006/customXml" ds:itemID="{64B270AB-C138-415C-897E-3C24487DECF1}">
+  <ds:schemaRefs>
+    <ds:schemaRef ds:uri="http://schemas.microsoft.com/sharepoint/v3/contenttype/forms"/>
+  </ds:schemaRefs>
+</ds:datastoreItem>
+</file>
+
+<file path=customXml/itemProps3.xml><?xml version="1.0" encoding="utf-8"?>
 <ds:datastoreItem xmlns:ds="http://schemas.openxmlformats.org/officeDocument/2006/customXml" ds:itemID="{2C4C00F4-06E9-43E3-AD97-88A857CEFA82}">
   <ds:schemaRefs>
     <ds:schemaRef ds:uri="http://schemas.microsoft.com/office/2006/metadata/properties"/>
@@ -19958,12 +19966,4 @@
     <ds:schemaRef ds:uri="71af3243-3dd4-4a8d-8c0d-dd76da1f02a5"/>
   </ds:schemaRefs>
 </ds:datastoreItem>
-</file>
-
-<file path=customXml/itemProps3.xml><?xml version="1.0" encoding="utf-8"?>
-<ds:datastoreItem xmlns:ds="http://schemas.openxmlformats.org/officeDocument/2006/customXml" ds:itemID="{64B270AB-C138-415C-897E-3C24487DECF1}">
-  <ds:schemaRefs>
-    <ds:schemaRef ds:uri="http://schemas.microsoft.com/sharepoint/v3/contenttype/forms"/>
-  </ds:schemaRefs>
-</ds:datastoreItem>
 </file>